--- a/BusinessIntelligence/Business Intelligence - VHS.pptx
+++ b/BusinessIntelligence/Business Intelligence - VHS.pptx
@@ -321,7 +321,8 @@
           <a:p>
             <a:fld id="{A86B5E0C-564A-4EDE-BB60-EF242CC8011B}" type="datetimeFigureOut">
               <a:rPr lang="en-US" smtClean="0"/>
-              <a:t>2/12/2021</a:t>
+              <a:pPr/>
+              <a:t>2/17/2021</a:t>
             </a:fld>
             <a:endParaRPr lang="en-US"/>
           </a:p>
@@ -363,6 +364,7 @@
           <a:p>
             <a:fld id="{3F17347F-68D4-40BF-868A-696DE5494ED7}" type="slidenum">
               <a:rPr lang="en-US" smtClean="0"/>
+              <a:pPr/>
               <a:t>‹#›</a:t>
             </a:fld>
             <a:endParaRPr lang="en-US"/>
@@ -486,7 +488,8 @@
           <a:p>
             <a:fld id="{A86B5E0C-564A-4EDE-BB60-EF242CC8011B}" type="datetimeFigureOut">
               <a:rPr lang="en-US" smtClean="0"/>
-              <a:t>2/12/2021</a:t>
+              <a:pPr/>
+              <a:t>2/17/2021</a:t>
             </a:fld>
             <a:endParaRPr lang="en-US"/>
           </a:p>
@@ -528,6 +531,7 @@
           <a:p>
             <a:fld id="{3F17347F-68D4-40BF-868A-696DE5494ED7}" type="slidenum">
               <a:rPr lang="en-US" smtClean="0"/>
+              <a:pPr/>
               <a:t>‹#›</a:t>
             </a:fld>
             <a:endParaRPr lang="en-US"/>
@@ -661,7 +665,8 @@
           <a:p>
             <a:fld id="{A86B5E0C-564A-4EDE-BB60-EF242CC8011B}" type="datetimeFigureOut">
               <a:rPr lang="en-US" smtClean="0"/>
-              <a:t>2/12/2021</a:t>
+              <a:pPr/>
+              <a:t>2/17/2021</a:t>
             </a:fld>
             <a:endParaRPr lang="en-US"/>
           </a:p>
@@ -703,6 +708,7 @@
           <a:p>
             <a:fld id="{3F17347F-68D4-40BF-868A-696DE5494ED7}" type="slidenum">
               <a:rPr lang="en-US" smtClean="0"/>
+              <a:pPr/>
               <a:t>‹#›</a:t>
             </a:fld>
             <a:endParaRPr lang="en-US"/>
@@ -826,7 +832,8 @@
           <a:p>
             <a:fld id="{A86B5E0C-564A-4EDE-BB60-EF242CC8011B}" type="datetimeFigureOut">
               <a:rPr lang="en-US" smtClean="0"/>
-              <a:t>2/12/2021</a:t>
+              <a:pPr/>
+              <a:t>2/17/2021</a:t>
             </a:fld>
             <a:endParaRPr lang="en-US"/>
           </a:p>
@@ -868,6 +875,7 @@
           <a:p>
             <a:fld id="{3F17347F-68D4-40BF-868A-696DE5494ED7}" type="slidenum">
               <a:rPr lang="en-US" smtClean="0"/>
+              <a:pPr/>
               <a:t>‹#›</a:t>
             </a:fld>
             <a:endParaRPr lang="en-US"/>
@@ -1067,7 +1075,8 @@
           <a:p>
             <a:fld id="{A86B5E0C-564A-4EDE-BB60-EF242CC8011B}" type="datetimeFigureOut">
               <a:rPr lang="en-US" smtClean="0"/>
-              <a:t>2/12/2021</a:t>
+              <a:pPr/>
+              <a:t>2/17/2021</a:t>
             </a:fld>
             <a:endParaRPr lang="en-US"/>
           </a:p>
@@ -1109,6 +1118,7 @@
           <a:p>
             <a:fld id="{3F17347F-68D4-40BF-868A-696DE5494ED7}" type="slidenum">
               <a:rPr lang="en-US" smtClean="0"/>
+              <a:pPr/>
               <a:t>‹#›</a:t>
             </a:fld>
             <a:endParaRPr lang="en-US"/>
@@ -1350,7 +1360,8 @@
           <a:p>
             <a:fld id="{A86B5E0C-564A-4EDE-BB60-EF242CC8011B}" type="datetimeFigureOut">
               <a:rPr lang="en-US" smtClean="0"/>
-              <a:t>2/12/2021</a:t>
+              <a:pPr/>
+              <a:t>2/17/2021</a:t>
             </a:fld>
             <a:endParaRPr lang="en-US"/>
           </a:p>
@@ -1392,6 +1403,7 @@
           <a:p>
             <a:fld id="{3F17347F-68D4-40BF-868A-696DE5494ED7}" type="slidenum">
               <a:rPr lang="en-US" smtClean="0"/>
+              <a:pPr/>
               <a:t>‹#›</a:t>
             </a:fld>
             <a:endParaRPr lang="en-US"/>
@@ -1767,7 +1779,8 @@
           <a:p>
             <a:fld id="{A86B5E0C-564A-4EDE-BB60-EF242CC8011B}" type="datetimeFigureOut">
               <a:rPr lang="en-US" smtClean="0"/>
-              <a:t>2/12/2021</a:t>
+              <a:pPr/>
+              <a:t>2/17/2021</a:t>
             </a:fld>
             <a:endParaRPr lang="en-US"/>
           </a:p>
@@ -1809,6 +1822,7 @@
           <a:p>
             <a:fld id="{3F17347F-68D4-40BF-868A-696DE5494ED7}" type="slidenum">
               <a:rPr lang="en-US" smtClean="0"/>
+              <a:pPr/>
               <a:t>‹#›</a:t>
             </a:fld>
             <a:endParaRPr lang="en-US"/>
@@ -1880,7 +1894,8 @@
           <a:p>
             <a:fld id="{A86B5E0C-564A-4EDE-BB60-EF242CC8011B}" type="datetimeFigureOut">
               <a:rPr lang="en-US" smtClean="0"/>
-              <a:t>2/12/2021</a:t>
+              <a:pPr/>
+              <a:t>2/17/2021</a:t>
             </a:fld>
             <a:endParaRPr lang="en-US"/>
           </a:p>
@@ -1922,6 +1937,7 @@
           <a:p>
             <a:fld id="{3F17347F-68D4-40BF-868A-696DE5494ED7}" type="slidenum">
               <a:rPr lang="en-US" smtClean="0"/>
+              <a:pPr/>
               <a:t>‹#›</a:t>
             </a:fld>
             <a:endParaRPr lang="en-US"/>
@@ -1970,7 +1986,8 @@
           <a:p>
             <a:fld id="{A86B5E0C-564A-4EDE-BB60-EF242CC8011B}" type="datetimeFigureOut">
               <a:rPr lang="en-US" smtClean="0"/>
-              <a:t>2/12/2021</a:t>
+              <a:pPr/>
+              <a:t>2/17/2021</a:t>
             </a:fld>
             <a:endParaRPr lang="en-US"/>
           </a:p>
@@ -2012,6 +2029,7 @@
           <a:p>
             <a:fld id="{3F17347F-68D4-40BF-868A-696DE5494ED7}" type="slidenum">
               <a:rPr lang="en-US" smtClean="0"/>
+              <a:pPr/>
               <a:t>‹#›</a:t>
             </a:fld>
             <a:endParaRPr lang="en-US"/>
@@ -2242,7 +2260,8 @@
           <a:p>
             <a:fld id="{A86B5E0C-564A-4EDE-BB60-EF242CC8011B}" type="datetimeFigureOut">
               <a:rPr lang="en-US" smtClean="0"/>
-              <a:t>2/12/2021</a:t>
+              <a:pPr/>
+              <a:t>2/17/2021</a:t>
             </a:fld>
             <a:endParaRPr lang="en-US"/>
           </a:p>
@@ -2284,6 +2303,7 @@
           <a:p>
             <a:fld id="{3F17347F-68D4-40BF-868A-696DE5494ED7}" type="slidenum">
               <a:rPr lang="en-US" smtClean="0"/>
+              <a:pPr/>
               <a:t>‹#›</a:t>
             </a:fld>
             <a:endParaRPr lang="en-US"/>
@@ -2490,7 +2510,8 @@
           <a:p>
             <a:fld id="{A86B5E0C-564A-4EDE-BB60-EF242CC8011B}" type="datetimeFigureOut">
               <a:rPr lang="en-US" smtClean="0"/>
-              <a:t>2/12/2021</a:t>
+              <a:pPr/>
+              <a:t>2/17/2021</a:t>
             </a:fld>
             <a:endParaRPr lang="en-US"/>
           </a:p>
@@ -2532,6 +2553,7 @@
           <a:p>
             <a:fld id="{3F17347F-68D4-40BF-868A-696DE5494ED7}" type="slidenum">
               <a:rPr lang="en-US" smtClean="0"/>
+              <a:pPr/>
               <a:t>‹#›</a:t>
             </a:fld>
             <a:endParaRPr lang="en-US"/>
@@ -2698,7 +2720,8 @@
           <a:p>
             <a:fld id="{A86B5E0C-564A-4EDE-BB60-EF242CC8011B}" type="datetimeFigureOut">
               <a:rPr lang="en-US" smtClean="0"/>
-              <a:t>2/12/2021</a:t>
+              <a:pPr/>
+              <a:t>2/17/2021</a:t>
             </a:fld>
             <a:endParaRPr lang="en-US"/>
           </a:p>
@@ -2776,6 +2799,7 @@
           <a:p>
             <a:fld id="{3F17347F-68D4-40BF-868A-696DE5494ED7}" type="slidenum">
               <a:rPr lang="en-US" smtClean="0"/>
+              <a:pPr/>
               <a:t>‹#›</a:t>
             </a:fld>
             <a:endParaRPr lang="en-US"/>

--- a/BusinessIntelligence/Business Intelligence - VHS.pptx
+++ b/BusinessIntelligence/Business Intelligence - VHS.pptx
@@ -6,39 +6,42 @@
   </p:sldMasterIdLst>
   <p:sldIdLst>
     <p:sldId id="256" r:id="rId2"/>
-    <p:sldId id="259" r:id="rId3"/>
+    <p:sldId id="290" r:id="rId3"/>
     <p:sldId id="268" r:id="rId4"/>
-    <p:sldId id="257" r:id="rId5"/>
-    <p:sldId id="258" r:id="rId6"/>
-    <p:sldId id="279" r:id="rId7"/>
-    <p:sldId id="280" r:id="rId8"/>
-    <p:sldId id="281" r:id="rId9"/>
-    <p:sldId id="260" r:id="rId10"/>
-    <p:sldId id="261" r:id="rId11"/>
-    <p:sldId id="278" r:id="rId12"/>
-    <p:sldId id="262" r:id="rId13"/>
-    <p:sldId id="277" r:id="rId14"/>
-    <p:sldId id="263" r:id="rId15"/>
-    <p:sldId id="264" r:id="rId16"/>
-    <p:sldId id="265" r:id="rId17"/>
-    <p:sldId id="266" r:id="rId18"/>
-    <p:sldId id="267" r:id="rId19"/>
-    <p:sldId id="269" r:id="rId20"/>
-    <p:sldId id="270" r:id="rId21"/>
-    <p:sldId id="271" r:id="rId22"/>
-    <p:sldId id="285" r:id="rId23"/>
-    <p:sldId id="286" r:id="rId24"/>
-    <p:sldId id="287" r:id="rId25"/>
-    <p:sldId id="289" r:id="rId26"/>
-    <p:sldId id="288" r:id="rId27"/>
-    <p:sldId id="272" r:id="rId28"/>
-    <p:sldId id="273" r:id="rId29"/>
-    <p:sldId id="274" r:id="rId30"/>
-    <p:sldId id="275" r:id="rId31"/>
-    <p:sldId id="276" r:id="rId32"/>
-    <p:sldId id="282" r:id="rId33"/>
-    <p:sldId id="283" r:id="rId34"/>
-    <p:sldId id="284" r:id="rId35"/>
+    <p:sldId id="259" r:id="rId5"/>
+    <p:sldId id="291" r:id="rId6"/>
+    <p:sldId id="292" r:id="rId7"/>
+    <p:sldId id="257" r:id="rId8"/>
+    <p:sldId id="258" r:id="rId9"/>
+    <p:sldId id="279" r:id="rId10"/>
+    <p:sldId id="280" r:id="rId11"/>
+    <p:sldId id="281" r:id="rId12"/>
+    <p:sldId id="260" r:id="rId13"/>
+    <p:sldId id="261" r:id="rId14"/>
+    <p:sldId id="278" r:id="rId15"/>
+    <p:sldId id="262" r:id="rId16"/>
+    <p:sldId id="277" r:id="rId17"/>
+    <p:sldId id="263" r:id="rId18"/>
+    <p:sldId id="264" r:id="rId19"/>
+    <p:sldId id="265" r:id="rId20"/>
+    <p:sldId id="266" r:id="rId21"/>
+    <p:sldId id="267" r:id="rId22"/>
+    <p:sldId id="269" r:id="rId23"/>
+    <p:sldId id="270" r:id="rId24"/>
+    <p:sldId id="271" r:id="rId25"/>
+    <p:sldId id="285" r:id="rId26"/>
+    <p:sldId id="286" r:id="rId27"/>
+    <p:sldId id="287" r:id="rId28"/>
+    <p:sldId id="289" r:id="rId29"/>
+    <p:sldId id="288" r:id="rId30"/>
+    <p:sldId id="272" r:id="rId31"/>
+    <p:sldId id="273" r:id="rId32"/>
+    <p:sldId id="274" r:id="rId33"/>
+    <p:sldId id="275" r:id="rId34"/>
+    <p:sldId id="276" r:id="rId35"/>
+    <p:sldId id="282" r:id="rId36"/>
+    <p:sldId id="283" r:id="rId37"/>
+    <p:sldId id="284" r:id="rId38"/>
   </p:sldIdLst>
   <p:sldSz cx="9144000" cy="6858000" type="screen4x3"/>
   <p:notesSz cx="6858000" cy="9144000"/>
@@ -322,7 +325,7 @@
             <a:fld id="{A86B5E0C-564A-4EDE-BB60-EF242CC8011B}" type="datetimeFigureOut">
               <a:rPr lang="en-US" smtClean="0"/>
               <a:pPr/>
-              <a:t>2/17/2021</a:t>
+              <a:t>2/24/2021</a:t>
             </a:fld>
             <a:endParaRPr lang="en-US"/>
           </a:p>
@@ -489,7 +492,7 @@
             <a:fld id="{A86B5E0C-564A-4EDE-BB60-EF242CC8011B}" type="datetimeFigureOut">
               <a:rPr lang="en-US" smtClean="0"/>
               <a:pPr/>
-              <a:t>2/17/2021</a:t>
+              <a:t>2/24/2021</a:t>
             </a:fld>
             <a:endParaRPr lang="en-US"/>
           </a:p>
@@ -666,7 +669,7 @@
             <a:fld id="{A86B5E0C-564A-4EDE-BB60-EF242CC8011B}" type="datetimeFigureOut">
               <a:rPr lang="en-US" smtClean="0"/>
               <a:pPr/>
-              <a:t>2/17/2021</a:t>
+              <a:t>2/24/2021</a:t>
             </a:fld>
             <a:endParaRPr lang="en-US"/>
           </a:p>
@@ -833,7 +836,7 @@
             <a:fld id="{A86B5E0C-564A-4EDE-BB60-EF242CC8011B}" type="datetimeFigureOut">
               <a:rPr lang="en-US" smtClean="0"/>
               <a:pPr/>
-              <a:t>2/17/2021</a:t>
+              <a:t>2/24/2021</a:t>
             </a:fld>
             <a:endParaRPr lang="en-US"/>
           </a:p>
@@ -1076,7 +1079,7 @@
             <a:fld id="{A86B5E0C-564A-4EDE-BB60-EF242CC8011B}" type="datetimeFigureOut">
               <a:rPr lang="en-US" smtClean="0"/>
               <a:pPr/>
-              <a:t>2/17/2021</a:t>
+              <a:t>2/24/2021</a:t>
             </a:fld>
             <a:endParaRPr lang="en-US"/>
           </a:p>
@@ -1361,7 +1364,7 @@
             <a:fld id="{A86B5E0C-564A-4EDE-BB60-EF242CC8011B}" type="datetimeFigureOut">
               <a:rPr lang="en-US" smtClean="0"/>
               <a:pPr/>
-              <a:t>2/17/2021</a:t>
+              <a:t>2/24/2021</a:t>
             </a:fld>
             <a:endParaRPr lang="en-US"/>
           </a:p>
@@ -1780,7 +1783,7 @@
             <a:fld id="{A86B5E0C-564A-4EDE-BB60-EF242CC8011B}" type="datetimeFigureOut">
               <a:rPr lang="en-US" smtClean="0"/>
               <a:pPr/>
-              <a:t>2/17/2021</a:t>
+              <a:t>2/24/2021</a:t>
             </a:fld>
             <a:endParaRPr lang="en-US"/>
           </a:p>
@@ -1895,7 +1898,7 @@
             <a:fld id="{A86B5E0C-564A-4EDE-BB60-EF242CC8011B}" type="datetimeFigureOut">
               <a:rPr lang="en-US" smtClean="0"/>
               <a:pPr/>
-              <a:t>2/17/2021</a:t>
+              <a:t>2/24/2021</a:t>
             </a:fld>
             <a:endParaRPr lang="en-US"/>
           </a:p>
@@ -1987,7 +1990,7 @@
             <a:fld id="{A86B5E0C-564A-4EDE-BB60-EF242CC8011B}" type="datetimeFigureOut">
               <a:rPr lang="en-US" smtClean="0"/>
               <a:pPr/>
-              <a:t>2/17/2021</a:t>
+              <a:t>2/24/2021</a:t>
             </a:fld>
             <a:endParaRPr lang="en-US"/>
           </a:p>
@@ -2261,7 +2264,7 @@
             <a:fld id="{A86B5E0C-564A-4EDE-BB60-EF242CC8011B}" type="datetimeFigureOut">
               <a:rPr lang="en-US" smtClean="0"/>
               <a:pPr/>
-              <a:t>2/17/2021</a:t>
+              <a:t>2/24/2021</a:t>
             </a:fld>
             <a:endParaRPr lang="en-US"/>
           </a:p>
@@ -2511,7 +2514,7 @@
             <a:fld id="{A86B5E0C-564A-4EDE-BB60-EF242CC8011B}" type="datetimeFigureOut">
               <a:rPr lang="en-US" smtClean="0"/>
               <a:pPr/>
-              <a:t>2/17/2021</a:t>
+              <a:t>2/24/2021</a:t>
             </a:fld>
             <a:endParaRPr lang="en-US"/>
           </a:p>
@@ -2721,7 +2724,7 @@
             <a:fld id="{A86B5E0C-564A-4EDE-BB60-EF242CC8011B}" type="datetimeFigureOut">
               <a:rPr lang="en-US" smtClean="0"/>
               <a:pPr/>
-              <a:t>2/17/2021</a:t>
+              <a:t>2/24/2021</a:t>
             </a:fld>
             <a:endParaRPr lang="en-US"/>
           </a:p>
@@ -3102,14 +3105,43 @@
             <p:ph type="ctrTitle"/>
           </p:nvPr>
         </p:nvSpPr>
-        <p:spPr/>
-        <p:txBody>
-          <a:bodyPr/>
-          <a:lstStyle/>
-          <a:p>
+        <p:spPr>
+          <a:xfrm>
+            <a:off x="609600" y="1219200"/>
+            <a:ext cx="7772400" cy="1470025"/>
+          </a:xfrm>
+        </p:spPr>
+        <p:txBody>
+          <a:bodyPr>
+            <a:normAutofit fontScale="90000"/>
+          </a:bodyPr>
+          <a:lstStyle/>
+          <a:p>
+            <a:r>
+              <a:rPr lang="en-US" dirty="0" err="1" smtClean="0"/>
+              <a:t>Willkommen</a:t>
+            </a:r>
             <a:r>
               <a:rPr lang="en-US" dirty="0" smtClean="0"/>
-              <a:t>Business Intelligence - VHS</a:t>
+              <a:t/>
+            </a:r>
+            <a:br>
+              <a:rPr lang="en-US" dirty="0" smtClean="0"/>
+            </a:br>
+            <a:r>
+              <a:rPr lang="en-US" dirty="0" smtClean="0"/>
+              <a:t/>
+            </a:r>
+            <a:br>
+              <a:rPr lang="en-US" dirty="0" smtClean="0"/>
+            </a:br>
+            <a:r>
+              <a:rPr lang="en-US" dirty="0" smtClean="0"/>
+              <a:t>Business </a:t>
+            </a:r>
+            <a:r>
+              <a:rPr lang="en-US" dirty="0" smtClean="0"/>
+              <a:t>Intelligence - VHS</a:t>
             </a:r>
             <a:endParaRPr lang="en-US" dirty="0"/>
           </a:p>
@@ -3180,7 +3212,7 @@
           <a:p>
             <a:r>
               <a:rPr lang="en-US" dirty="0" smtClean="0"/>
-              <a:t>Tools</a:t>
+              <a:t>Architecture</a:t>
             </a:r>
             <a:endParaRPr lang="en-US" dirty="0"/>
           </a:p>
@@ -3188,7 +3220,7 @@
       </p:sp>
       <p:pic>
         <p:nvPicPr>
-          <p:cNvPr id="4098" name="Picture 2"/>
+          <p:cNvPr id="16386" name="Picture 2"/>
           <p:cNvPicPr>
             <a:picLocks noGrp="1" noChangeAspect="1" noChangeArrowheads="1"/>
           </p:cNvPicPr>
@@ -3205,8 +3237,8 @@
         </p:blipFill>
         <p:spPr bwMode="auto">
           <a:xfrm>
-            <a:off x="0" y="2133600"/>
-            <a:ext cx="9154387" cy="2864943"/>
+            <a:off x="1204912" y="1943894"/>
+            <a:ext cx="6734175" cy="3838575"/>
           </a:xfrm>
           <a:prstGeom prst="rect">
             <a:avLst/>
@@ -3260,55 +3292,44 @@
           <a:bodyPr/>
           <a:lstStyle/>
           <a:p>
-            <a:r>
-              <a:rPr lang="en-US" dirty="0" smtClean="0"/>
-              <a:t>Power BI</a:t>
-            </a:r>
-            <a:endParaRPr lang="en-US" dirty="0"/>
-          </a:p>
-        </p:txBody>
-      </p:sp>
-      <p:sp>
-        <p:nvSpPr>
-          <p:cNvPr id="3" name="Content Placeholder 2"/>
-          <p:cNvSpPr>
-            <a:spLocks noGrp="1"/>
-          </p:cNvSpPr>
+            <a:endParaRPr lang="en-US"/>
+          </a:p>
+        </p:txBody>
+      </p:sp>
+      <p:pic>
+        <p:nvPicPr>
+          <p:cNvPr id="17410" name="Picture 2"/>
+          <p:cNvPicPr>
+            <a:picLocks noGrp="1" noChangeAspect="1" noChangeArrowheads="1"/>
+          </p:cNvPicPr>
           <p:nvPr>
             <p:ph idx="1"/>
           </p:nvPr>
-        </p:nvSpPr>
-        <p:spPr/>
-        <p:txBody>
-          <a:bodyPr/>
-          <a:lstStyle/>
-          <a:p>
-            <a:r>
-              <a:rPr lang="en-US" dirty="0" smtClean="0"/>
-              <a:t>Power BI Desktop</a:t>
-            </a:r>
-          </a:p>
-          <a:p>
-            <a:endParaRPr lang="en-US" dirty="0"/>
-          </a:p>
-          <a:p>
-            <a:r>
-              <a:rPr lang="en-US" dirty="0" smtClean="0"/>
-              <a:t>Power BI licensed user</a:t>
-            </a:r>
-          </a:p>
-          <a:p>
-            <a:endParaRPr lang="en-US" dirty="0"/>
-          </a:p>
-          <a:p>
-            <a:r>
-              <a:rPr lang="en-US" dirty="0" smtClean="0"/>
-              <a:t>Power BI premium content</a:t>
-            </a:r>
-            <a:endParaRPr lang="en-US" dirty="0"/>
-          </a:p>
-        </p:txBody>
-      </p:sp>
+        </p:nvPicPr>
+        <p:blipFill>
+          <a:blip r:embed="rId2" cstate="print"/>
+          <a:srcRect/>
+          <a:stretch>
+            <a:fillRect/>
+          </a:stretch>
+        </p:blipFill>
+        <p:spPr bwMode="auto">
+          <a:xfrm>
+            <a:off x="0" y="609600"/>
+            <a:ext cx="8989946" cy="5358606"/>
+          </a:xfrm>
+          <a:prstGeom prst="rect">
+            <a:avLst/>
+          </a:prstGeom>
+          <a:noFill/>
+          <a:ln w="9525">
+            <a:noFill/>
+            <a:miter lim="800000"/>
+            <a:headEnd/>
+            <a:tailEnd/>
+          </a:ln>
+        </p:spPr>
+      </p:pic>
     </p:spTree>
   </p:cSld>
   <p:clrMapOvr>
@@ -3351,6 +3372,486 @@
           <a:p>
             <a:r>
               <a:rPr lang="en-US" dirty="0" smtClean="0"/>
+              <a:t>Tools</a:t>
+            </a:r>
+            <a:endParaRPr lang="en-US" dirty="0"/>
+          </a:p>
+        </p:txBody>
+      </p:sp>
+      <p:pic>
+        <p:nvPicPr>
+          <p:cNvPr id="3074" name="Picture 2"/>
+          <p:cNvPicPr>
+            <a:picLocks noGrp="1" noChangeAspect="1" noChangeArrowheads="1"/>
+          </p:cNvPicPr>
+          <p:nvPr>
+            <p:ph idx="1"/>
+          </p:nvPr>
+        </p:nvPicPr>
+        <p:blipFill>
+          <a:blip r:embed="rId2" cstate="print"/>
+          <a:srcRect/>
+          <a:stretch>
+            <a:fillRect/>
+          </a:stretch>
+        </p:blipFill>
+        <p:spPr bwMode="auto">
+          <a:xfrm>
+            <a:off x="152401" y="1524001"/>
+            <a:ext cx="8534400" cy="2925068"/>
+          </a:xfrm>
+          <a:prstGeom prst="rect">
+            <a:avLst/>
+          </a:prstGeom>
+          <a:noFill/>
+          <a:ln w="9525">
+            <a:noFill/>
+            <a:miter lim="800000"/>
+            <a:headEnd/>
+            <a:tailEnd/>
+          </a:ln>
+        </p:spPr>
+      </p:pic>
+    </p:spTree>
+  </p:cSld>
+  <p:clrMapOvr>
+    <a:masterClrMapping/>
+  </p:clrMapOvr>
+</p:sld>
+</file>
+
+<file path=ppt/slides/slide13.xml><?xml version="1.0" encoding="utf-8"?>
+<p:sld xmlns:a="http://schemas.openxmlformats.org/drawingml/2006/main" xmlns:r="http://schemas.openxmlformats.org/officeDocument/2006/relationships" xmlns:p="http://schemas.openxmlformats.org/presentationml/2006/main">
+  <p:cSld>
+    <p:spTree>
+      <p:nvGrpSpPr>
+        <p:cNvPr id="1" name=""/>
+        <p:cNvGrpSpPr/>
+        <p:nvPr/>
+      </p:nvGrpSpPr>
+      <p:grpSpPr>
+        <a:xfrm>
+          <a:off x="0" y="0"/>
+          <a:ext cx="0" cy="0"/>
+          <a:chOff x="0" y="0"/>
+          <a:chExt cx="0" cy="0"/>
+        </a:xfrm>
+      </p:grpSpPr>
+      <p:sp>
+        <p:nvSpPr>
+          <p:cNvPr id="2" name="Title 1"/>
+          <p:cNvSpPr>
+            <a:spLocks noGrp="1"/>
+          </p:cNvSpPr>
+          <p:nvPr>
+            <p:ph type="title"/>
+          </p:nvPr>
+        </p:nvSpPr>
+        <p:spPr/>
+        <p:txBody>
+          <a:bodyPr/>
+          <a:lstStyle/>
+          <a:p>
+            <a:r>
+              <a:rPr lang="en-US" dirty="0" smtClean="0"/>
+              <a:t>Tools</a:t>
+            </a:r>
+            <a:endParaRPr lang="en-US" dirty="0"/>
+          </a:p>
+        </p:txBody>
+      </p:sp>
+      <p:pic>
+        <p:nvPicPr>
+          <p:cNvPr id="4098" name="Picture 2"/>
+          <p:cNvPicPr>
+            <a:picLocks noGrp="1" noChangeAspect="1" noChangeArrowheads="1"/>
+          </p:cNvPicPr>
+          <p:nvPr>
+            <p:ph idx="1"/>
+          </p:nvPr>
+        </p:nvPicPr>
+        <p:blipFill>
+          <a:blip r:embed="rId2" cstate="print"/>
+          <a:srcRect/>
+          <a:stretch>
+            <a:fillRect/>
+          </a:stretch>
+        </p:blipFill>
+        <p:spPr bwMode="auto">
+          <a:xfrm>
+            <a:off x="0" y="2133600"/>
+            <a:ext cx="9154387" cy="2864943"/>
+          </a:xfrm>
+          <a:prstGeom prst="rect">
+            <a:avLst/>
+          </a:prstGeom>
+          <a:noFill/>
+          <a:ln w="9525">
+            <a:noFill/>
+            <a:miter lim="800000"/>
+            <a:headEnd/>
+            <a:tailEnd/>
+          </a:ln>
+        </p:spPr>
+      </p:pic>
+    </p:spTree>
+  </p:cSld>
+  <p:clrMapOvr>
+    <a:masterClrMapping/>
+  </p:clrMapOvr>
+</p:sld>
+</file>
+
+<file path=ppt/slides/slide14.xml><?xml version="1.0" encoding="utf-8"?>
+<p:sld xmlns:a="http://schemas.openxmlformats.org/drawingml/2006/main" xmlns:r="http://schemas.openxmlformats.org/officeDocument/2006/relationships" xmlns:p="http://schemas.openxmlformats.org/presentationml/2006/main">
+  <p:cSld>
+    <p:spTree>
+      <p:nvGrpSpPr>
+        <p:cNvPr id="1" name=""/>
+        <p:cNvGrpSpPr/>
+        <p:nvPr/>
+      </p:nvGrpSpPr>
+      <p:grpSpPr>
+        <a:xfrm>
+          <a:off x="0" y="0"/>
+          <a:ext cx="0" cy="0"/>
+          <a:chOff x="0" y="0"/>
+          <a:chExt cx="0" cy="0"/>
+        </a:xfrm>
+      </p:grpSpPr>
+      <p:sp>
+        <p:nvSpPr>
+          <p:cNvPr id="2" name="Title 1"/>
+          <p:cNvSpPr>
+            <a:spLocks noGrp="1"/>
+          </p:cNvSpPr>
+          <p:nvPr>
+            <p:ph type="title"/>
+          </p:nvPr>
+        </p:nvSpPr>
+        <p:spPr/>
+        <p:txBody>
+          <a:bodyPr/>
+          <a:lstStyle/>
+          <a:p>
+            <a:r>
+              <a:rPr lang="en-US" dirty="0" smtClean="0"/>
+              <a:t>Power BI</a:t>
+            </a:r>
+            <a:endParaRPr lang="en-US" dirty="0"/>
+          </a:p>
+        </p:txBody>
+      </p:sp>
+      <p:sp>
+        <p:nvSpPr>
+          <p:cNvPr id="3" name="Content Placeholder 2"/>
+          <p:cNvSpPr>
+            <a:spLocks noGrp="1"/>
+          </p:cNvSpPr>
+          <p:nvPr>
+            <p:ph idx="1"/>
+          </p:nvPr>
+        </p:nvSpPr>
+        <p:spPr>
+          <a:xfrm>
+            <a:off x="457200" y="1600201"/>
+            <a:ext cx="8229600" cy="2209800"/>
+          </a:xfrm>
+        </p:spPr>
+        <p:txBody>
+          <a:bodyPr/>
+          <a:lstStyle/>
+          <a:p>
+            <a:r>
+              <a:rPr lang="en-US" dirty="0" smtClean="0"/>
+              <a:t>Power BI Desktop</a:t>
+            </a:r>
+          </a:p>
+          <a:p>
+            <a:r>
+              <a:rPr lang="en-US" dirty="0" smtClean="0"/>
+              <a:t>Power </a:t>
+            </a:r>
+            <a:r>
+              <a:rPr lang="en-US" dirty="0" smtClean="0"/>
+              <a:t>BI licensed user</a:t>
+            </a:r>
+          </a:p>
+          <a:p>
+            <a:r>
+              <a:rPr lang="en-US" dirty="0" smtClean="0"/>
+              <a:t>Power </a:t>
+            </a:r>
+            <a:r>
+              <a:rPr lang="en-US" dirty="0" smtClean="0"/>
+              <a:t>BI premium content</a:t>
+            </a:r>
+            <a:endParaRPr lang="en-US" dirty="0"/>
+          </a:p>
+        </p:txBody>
+      </p:sp>
+      <p:sp>
+        <p:nvSpPr>
+          <p:cNvPr id="4" name="Title 1"/>
+          <p:cNvSpPr txBox="1">
+            <a:spLocks/>
+          </p:cNvSpPr>
+          <p:nvPr/>
+        </p:nvSpPr>
+        <p:spPr>
+          <a:xfrm>
+            <a:off x="304800" y="3170237"/>
+            <a:ext cx="8229600" cy="1143000"/>
+          </a:xfrm>
+          <a:prstGeom prst="rect">
+            <a:avLst/>
+          </a:prstGeom>
+        </p:spPr>
+        <p:txBody>
+          <a:bodyPr vert="horz" lIns="91440" tIns="45720" rIns="91440" bIns="45720" rtlCol="0" anchor="ctr">
+            <a:normAutofit/>
+          </a:bodyPr>
+          <a:lstStyle/>
+          <a:p>
+            <a:pPr marL="0" marR="0" lvl="0" indent="0" algn="ctr" defTabSz="914400" rtl="0" eaLnBrk="1" fontAlgn="auto" latinLnBrk="0" hangingPunct="1">
+              <a:lnSpc>
+                <a:spcPct val="100000"/>
+              </a:lnSpc>
+              <a:spcBef>
+                <a:spcPct val="0"/>
+              </a:spcBef>
+              <a:spcAft>
+                <a:spcPts val="0"/>
+              </a:spcAft>
+              <a:buClrTx/>
+              <a:buSzTx/>
+              <a:buFontTx/>
+              <a:buNone/>
+              <a:tabLst/>
+              <a:defRPr/>
+            </a:pPr>
+            <a:r>
+              <a:rPr kumimoji="0" lang="en-US" sz="4400" b="0" i="0" u="none" strike="noStrike" kern="1200" cap="none" spc="0" normalizeH="0" baseline="0" noProof="0" dirty="0" smtClean="0">
+                <a:ln>
+                  <a:noFill/>
+                </a:ln>
+                <a:solidFill>
+                  <a:schemeClr val="tx1"/>
+                </a:solidFill>
+                <a:effectLst/>
+                <a:uLnTx/>
+                <a:uFillTx/>
+                <a:latin typeface="+mj-lt"/>
+                <a:ea typeface="+mj-ea"/>
+                <a:cs typeface="+mj-cs"/>
+              </a:rPr>
+              <a:t>TABLEAU</a:t>
+            </a:r>
+            <a:endParaRPr kumimoji="0" lang="en-US" sz="4400" b="0" i="0" u="none" strike="noStrike" kern="1200" cap="none" spc="0" normalizeH="0" baseline="0" noProof="0" dirty="0">
+              <a:ln>
+                <a:noFill/>
+              </a:ln>
+              <a:solidFill>
+                <a:schemeClr val="tx1"/>
+              </a:solidFill>
+              <a:effectLst/>
+              <a:uLnTx/>
+              <a:uFillTx/>
+              <a:latin typeface="+mj-lt"/>
+              <a:ea typeface="+mj-ea"/>
+              <a:cs typeface="+mj-cs"/>
+            </a:endParaRPr>
+          </a:p>
+        </p:txBody>
+      </p:sp>
+      <p:sp>
+        <p:nvSpPr>
+          <p:cNvPr id="5" name="Content Placeholder 2"/>
+          <p:cNvSpPr txBox="1">
+            <a:spLocks/>
+          </p:cNvSpPr>
+          <p:nvPr/>
+        </p:nvSpPr>
+        <p:spPr>
+          <a:xfrm>
+            <a:off x="304800" y="4495800"/>
+            <a:ext cx="8229600" cy="2209800"/>
+          </a:xfrm>
+          <a:prstGeom prst="rect">
+            <a:avLst/>
+          </a:prstGeom>
+        </p:spPr>
+        <p:txBody>
+          <a:bodyPr vert="horz" lIns="91440" tIns="45720" rIns="91440" bIns="45720" rtlCol="0">
+            <a:normAutofit/>
+          </a:bodyPr>
+          <a:lstStyle/>
+          <a:p>
+            <a:pPr marL="342900" marR="0" lvl="0" indent="-342900" algn="l" defTabSz="914400" rtl="0" eaLnBrk="1" fontAlgn="auto" latinLnBrk="0" hangingPunct="1">
+              <a:lnSpc>
+                <a:spcPct val="100000"/>
+              </a:lnSpc>
+              <a:spcBef>
+                <a:spcPct val="20000"/>
+              </a:spcBef>
+              <a:spcAft>
+                <a:spcPts val="0"/>
+              </a:spcAft>
+              <a:buClrTx/>
+              <a:buSzTx/>
+              <a:buFont typeface="Arial" pitchFamily="34" charset="0"/>
+              <a:buChar char="•"/>
+              <a:tabLst/>
+              <a:defRPr/>
+            </a:pPr>
+            <a:r>
+              <a:rPr kumimoji="0" lang="en-US" sz="3200" b="0" i="0" u="none" strike="noStrike" kern="1200" cap="none" spc="0" normalizeH="0" baseline="0" noProof="0" dirty="0" smtClean="0">
+                <a:ln>
+                  <a:noFill/>
+                </a:ln>
+                <a:solidFill>
+                  <a:schemeClr val="tx1"/>
+                </a:solidFill>
+                <a:effectLst/>
+                <a:uLnTx/>
+                <a:uFillTx/>
+                <a:latin typeface="+mn-lt"/>
+                <a:ea typeface="+mn-ea"/>
+                <a:cs typeface="+mn-cs"/>
+              </a:rPr>
+              <a:t>TABLEAU Creator (edit + publish data)</a:t>
+            </a:r>
+          </a:p>
+          <a:p>
+            <a:pPr marL="342900" marR="0" lvl="0" indent="-342900" algn="l" defTabSz="914400" rtl="0" eaLnBrk="1" fontAlgn="auto" latinLnBrk="0" hangingPunct="1">
+              <a:lnSpc>
+                <a:spcPct val="100000"/>
+              </a:lnSpc>
+              <a:spcBef>
+                <a:spcPct val="20000"/>
+              </a:spcBef>
+              <a:spcAft>
+                <a:spcPts val="0"/>
+              </a:spcAft>
+              <a:buClrTx/>
+              <a:buSzTx/>
+              <a:buFont typeface="Arial" pitchFamily="34" charset="0"/>
+              <a:buChar char="•"/>
+              <a:tabLst/>
+              <a:defRPr/>
+            </a:pPr>
+            <a:r>
+              <a:rPr kumimoji="0" lang="en-US" sz="3200" b="0" i="0" u="none" strike="noStrike" kern="1200" cap="none" spc="0" normalizeH="0" baseline="0" noProof="0" dirty="0" smtClean="0">
+                <a:ln>
+                  <a:noFill/>
+                </a:ln>
+                <a:solidFill>
+                  <a:schemeClr val="tx1"/>
+                </a:solidFill>
+                <a:effectLst/>
+                <a:uLnTx/>
+                <a:uFillTx/>
+                <a:latin typeface="+mn-lt"/>
+                <a:ea typeface="+mn-ea"/>
+                <a:cs typeface="+mn-cs"/>
+              </a:rPr>
+              <a:t>TABLEAU Explorer (edit available data)</a:t>
+            </a:r>
+          </a:p>
+          <a:p>
+            <a:pPr marL="342900" marR="0" lvl="0" indent="-342900" algn="l" defTabSz="914400" rtl="0" eaLnBrk="1" fontAlgn="auto" latinLnBrk="0" hangingPunct="1">
+              <a:lnSpc>
+                <a:spcPct val="100000"/>
+              </a:lnSpc>
+              <a:spcBef>
+                <a:spcPct val="20000"/>
+              </a:spcBef>
+              <a:spcAft>
+                <a:spcPts val="0"/>
+              </a:spcAft>
+              <a:buClrTx/>
+              <a:buSzTx/>
+              <a:buFont typeface="Arial" pitchFamily="34" charset="0"/>
+              <a:buChar char="•"/>
+              <a:tabLst/>
+              <a:defRPr/>
+            </a:pPr>
+            <a:r>
+              <a:rPr kumimoji="0" lang="en-US" sz="3200" b="0" i="0" u="none" strike="noStrike" kern="1200" cap="none" spc="0" normalizeH="0" baseline="0" noProof="0" dirty="0" smtClean="0">
+                <a:ln>
+                  <a:noFill/>
+                </a:ln>
+                <a:solidFill>
+                  <a:schemeClr val="tx1"/>
+                </a:solidFill>
+                <a:effectLst/>
+                <a:uLnTx/>
+                <a:uFillTx/>
+                <a:latin typeface="+mn-lt"/>
+                <a:ea typeface="+mn-ea"/>
+                <a:cs typeface="+mn-cs"/>
+              </a:rPr>
+              <a:t>TABLEAU Viewer </a:t>
+            </a:r>
+            <a:endParaRPr kumimoji="0" lang="en-US" sz="3200" b="0" i="0" u="none" strike="noStrike" kern="1200" cap="none" spc="0" normalizeH="0" baseline="0" noProof="0" dirty="0">
+              <a:ln>
+                <a:noFill/>
+              </a:ln>
+              <a:solidFill>
+                <a:schemeClr val="tx1"/>
+              </a:solidFill>
+              <a:effectLst/>
+              <a:uLnTx/>
+              <a:uFillTx/>
+              <a:latin typeface="+mn-lt"/>
+              <a:ea typeface="+mn-ea"/>
+              <a:cs typeface="+mn-cs"/>
+            </a:endParaRPr>
+          </a:p>
+        </p:txBody>
+      </p:sp>
+    </p:spTree>
+  </p:cSld>
+  <p:clrMapOvr>
+    <a:masterClrMapping/>
+  </p:clrMapOvr>
+</p:sld>
+</file>
+
+<file path=ppt/slides/slide15.xml><?xml version="1.0" encoding="utf-8"?>
+<p:sld xmlns:a="http://schemas.openxmlformats.org/drawingml/2006/main" xmlns:r="http://schemas.openxmlformats.org/officeDocument/2006/relationships" xmlns:p="http://schemas.openxmlformats.org/presentationml/2006/main">
+  <p:cSld>
+    <p:spTree>
+      <p:nvGrpSpPr>
+        <p:cNvPr id="1" name=""/>
+        <p:cNvGrpSpPr/>
+        <p:nvPr/>
+      </p:nvGrpSpPr>
+      <p:grpSpPr>
+        <a:xfrm>
+          <a:off x="0" y="0"/>
+          <a:ext cx="0" cy="0"/>
+          <a:chOff x="0" y="0"/>
+          <a:chExt cx="0" cy="0"/>
+        </a:xfrm>
+      </p:grpSpPr>
+      <p:sp>
+        <p:nvSpPr>
+          <p:cNvPr id="2" name="Title 1"/>
+          <p:cNvSpPr>
+            <a:spLocks noGrp="1"/>
+          </p:cNvSpPr>
+          <p:nvPr>
+            <p:ph type="title"/>
+          </p:nvPr>
+        </p:nvSpPr>
+        <p:spPr/>
+        <p:txBody>
+          <a:bodyPr/>
+          <a:lstStyle/>
+          <a:p>
+            <a:r>
+              <a:rPr lang="en-US" dirty="0" smtClean="0"/>
               <a:t>Power BI</a:t>
             </a:r>
             <a:endParaRPr lang="en-US" dirty="0"/>
@@ -3429,7 +3930,7 @@
 </p:sld>
 </file>
 
-<file path=ppt/slides/slide13.xml><?xml version="1.0" encoding="utf-8"?>
+<file path=ppt/slides/slide16.xml><?xml version="1.0" encoding="utf-8"?>
 <p:sld xmlns:a="http://schemas.openxmlformats.org/drawingml/2006/main" xmlns:r="http://schemas.openxmlformats.org/officeDocument/2006/relationships" xmlns:p="http://schemas.openxmlformats.org/presentationml/2006/main">
   <p:cSld>
     <p:spTree>
@@ -3525,7 +4026,7 @@
 </p:sld>
 </file>
 
-<file path=ppt/slides/slide14.xml><?xml version="1.0" encoding="utf-8"?>
+<file path=ppt/slides/slide17.xml><?xml version="1.0" encoding="utf-8"?>
 <p:sld xmlns:a="http://schemas.openxmlformats.org/drawingml/2006/main" xmlns:r="http://schemas.openxmlformats.org/officeDocument/2006/relationships" xmlns:p="http://schemas.openxmlformats.org/presentationml/2006/main">
   <p:cSld>
     <p:spTree>
@@ -3542,25 +4043,6 @@
           <a:chExt cx="0" cy="0"/>
         </a:xfrm>
       </p:grpSpPr>
-      <p:sp>
-        <p:nvSpPr>
-          <p:cNvPr id="2" name="Title 1"/>
-          <p:cNvSpPr>
-            <a:spLocks noGrp="1"/>
-          </p:cNvSpPr>
-          <p:nvPr>
-            <p:ph type="title"/>
-          </p:nvPr>
-        </p:nvSpPr>
-        <p:spPr/>
-        <p:txBody>
-          <a:bodyPr/>
-          <a:lstStyle/>
-          <a:p>
-            <a:endParaRPr lang="en-US"/>
-          </a:p>
-        </p:txBody>
-      </p:sp>
       <p:pic>
         <p:nvPicPr>
           <p:cNvPr id="6146" name="Picture 2"/>
@@ -3603,7 +4085,7 @@
 </p:sld>
 </file>
 
-<file path=ppt/slides/slide15.xml><?xml version="1.0" encoding="utf-8"?>
+<file path=ppt/slides/slide18.xml><?xml version="1.0" encoding="utf-8"?>
 <p:sld xmlns:a="http://schemas.openxmlformats.org/drawingml/2006/main" xmlns:r="http://schemas.openxmlformats.org/officeDocument/2006/relationships" xmlns:p="http://schemas.openxmlformats.org/presentationml/2006/main">
   <p:cSld>
     <p:spTree>
@@ -3681,7 +4163,7 @@
 </p:sld>
 </file>
 
-<file path=ppt/slides/slide16.xml><?xml version="1.0" encoding="utf-8"?>
+<file path=ppt/slides/slide19.xml><?xml version="1.0" encoding="utf-8"?>
 <p:sld xmlns:a="http://schemas.openxmlformats.org/drawingml/2006/main" xmlns:r="http://schemas.openxmlformats.org/officeDocument/2006/relationships" xmlns:p="http://schemas.openxmlformats.org/presentationml/2006/main">
   <p:cSld>
     <p:spTree>
@@ -3759,7 +4241,140 @@
 </p:sld>
 </file>
 
-<file path=ppt/slides/slide17.xml><?xml version="1.0" encoding="utf-8"?>
+<file path=ppt/slides/slide2.xml><?xml version="1.0" encoding="utf-8"?>
+<p:sld xmlns:a="http://schemas.openxmlformats.org/drawingml/2006/main" xmlns:r="http://schemas.openxmlformats.org/officeDocument/2006/relationships" xmlns:p="http://schemas.openxmlformats.org/presentationml/2006/main">
+  <p:cSld>
+    <p:spTree>
+      <p:nvGrpSpPr>
+        <p:cNvPr id="1" name=""/>
+        <p:cNvGrpSpPr/>
+        <p:nvPr/>
+      </p:nvGrpSpPr>
+      <p:grpSpPr>
+        <a:xfrm>
+          <a:off x="0" y="0"/>
+          <a:ext cx="0" cy="0"/>
+          <a:chOff x="0" y="0"/>
+          <a:chExt cx="0" cy="0"/>
+        </a:xfrm>
+      </p:grpSpPr>
+      <p:sp>
+        <p:nvSpPr>
+          <p:cNvPr id="2" name="Title 1"/>
+          <p:cNvSpPr>
+            <a:spLocks noGrp="1"/>
+          </p:cNvSpPr>
+          <p:nvPr>
+            <p:ph type="title"/>
+          </p:nvPr>
+        </p:nvSpPr>
+        <p:spPr/>
+        <p:txBody>
+          <a:bodyPr/>
+          <a:lstStyle/>
+          <a:p>
+            <a:r>
+              <a:rPr lang="en-US" dirty="0" smtClean="0"/>
+              <a:t>AGENDA</a:t>
+            </a:r>
+            <a:endParaRPr lang="en-US" dirty="0"/>
+          </a:p>
+        </p:txBody>
+      </p:sp>
+      <p:sp>
+        <p:nvSpPr>
+          <p:cNvPr id="3" name="Content Placeholder 2"/>
+          <p:cNvSpPr>
+            <a:spLocks noGrp="1"/>
+          </p:cNvSpPr>
+          <p:nvPr>
+            <p:ph idx="1"/>
+          </p:nvPr>
+        </p:nvSpPr>
+        <p:spPr/>
+        <p:txBody>
+          <a:bodyPr/>
+          <a:lstStyle/>
+          <a:p>
+            <a:r>
+              <a:rPr lang="en-US" dirty="0" smtClean="0"/>
+              <a:t>My intro</a:t>
+            </a:r>
+          </a:p>
+          <a:p>
+            <a:r>
+              <a:rPr lang="en-US" dirty="0" smtClean="0"/>
+              <a:t>Who has downloaded TABLEAU and </a:t>
+            </a:r>
+            <a:r>
+              <a:rPr lang="en-US" dirty="0" err="1" smtClean="0"/>
+              <a:t>PowerBI</a:t>
+            </a:r>
+            <a:endParaRPr lang="en-US" dirty="0" smtClean="0"/>
+          </a:p>
+          <a:p>
+            <a:r>
+              <a:rPr lang="en-US" dirty="0" smtClean="0"/>
+              <a:t>Your intro ( + </a:t>
+            </a:r>
+            <a:r>
+              <a:rPr lang="en-US" dirty="0" err="1" smtClean="0"/>
+              <a:t>E</a:t>
+            </a:r>
+            <a:r>
+              <a:rPr lang="en-US" dirty="0" err="1" smtClean="0"/>
+              <a:t>rwartungen</a:t>
+            </a:r>
+            <a:r>
+              <a:rPr lang="en-US" dirty="0" smtClean="0"/>
+              <a:t> ….) </a:t>
+            </a:r>
+          </a:p>
+          <a:p>
+            <a:r>
+              <a:rPr lang="en-US" dirty="0" err="1" smtClean="0"/>
+              <a:t>Datenbank</a:t>
+            </a:r>
+            <a:r>
+              <a:rPr lang="en-US" dirty="0" smtClean="0"/>
+              <a:t> ?</a:t>
+            </a:r>
+          </a:p>
+          <a:p>
+            <a:r>
+              <a:rPr lang="en-US" dirty="0" smtClean="0"/>
+              <a:t>BI</a:t>
+            </a:r>
+          </a:p>
+          <a:p>
+            <a:r>
+              <a:rPr lang="en-US" dirty="0" smtClean="0"/>
+              <a:t>Power BI</a:t>
+            </a:r>
+          </a:p>
+          <a:p>
+            <a:r>
+              <a:rPr lang="en-US" dirty="0" smtClean="0"/>
+              <a:t>TABLEAU</a:t>
+            </a:r>
+          </a:p>
+          <a:p>
+            <a:endParaRPr lang="en-US" dirty="0" smtClean="0"/>
+          </a:p>
+          <a:p>
+            <a:endParaRPr lang="en-US" dirty="0"/>
+          </a:p>
+        </p:txBody>
+      </p:sp>
+    </p:spTree>
+  </p:cSld>
+  <p:clrMapOvr>
+    <a:masterClrMapping/>
+  </p:clrMapOvr>
+</p:sld>
+</file>
+
+<file path=ppt/slides/slide20.xml><?xml version="1.0" encoding="utf-8"?>
 <p:sld xmlns:a="http://schemas.openxmlformats.org/drawingml/2006/main" xmlns:r="http://schemas.openxmlformats.org/officeDocument/2006/relationships" xmlns:p="http://schemas.openxmlformats.org/presentationml/2006/main">
   <p:cSld>
     <p:spTree>
@@ -3854,369 +4469,6 @@
 </p:sld>
 </file>
 
-<file path=ppt/slides/slide18.xml><?xml version="1.0" encoding="utf-8"?>
-<p:sld xmlns:a="http://schemas.openxmlformats.org/drawingml/2006/main" xmlns:r="http://schemas.openxmlformats.org/officeDocument/2006/relationships" xmlns:p="http://schemas.openxmlformats.org/presentationml/2006/main">
-  <p:cSld>
-    <p:spTree>
-      <p:nvGrpSpPr>
-        <p:cNvPr id="1" name=""/>
-        <p:cNvGrpSpPr/>
-        <p:nvPr/>
-      </p:nvGrpSpPr>
-      <p:grpSpPr>
-        <a:xfrm>
-          <a:off x="0" y="0"/>
-          <a:ext cx="0" cy="0"/>
-          <a:chOff x="0" y="0"/>
-          <a:chExt cx="0" cy="0"/>
-        </a:xfrm>
-      </p:grpSpPr>
-      <p:sp>
-        <p:nvSpPr>
-          <p:cNvPr id="2" name="Title 1"/>
-          <p:cNvSpPr>
-            <a:spLocks noGrp="1"/>
-          </p:cNvSpPr>
-          <p:nvPr>
-            <p:ph type="title"/>
-          </p:nvPr>
-        </p:nvSpPr>
-        <p:spPr/>
-        <p:txBody>
-          <a:bodyPr/>
-          <a:lstStyle/>
-          <a:p>
-            <a:endParaRPr lang="en-US"/>
-          </a:p>
-        </p:txBody>
-      </p:sp>
-      <p:pic>
-        <p:nvPicPr>
-          <p:cNvPr id="10242" name="Picture 2"/>
-          <p:cNvPicPr>
-            <a:picLocks noGrp="1" noChangeAspect="1" noChangeArrowheads="1"/>
-          </p:cNvPicPr>
-          <p:nvPr>
-            <p:ph idx="1"/>
-          </p:nvPr>
-        </p:nvPicPr>
-        <p:blipFill>
-          <a:blip r:embed="rId2" cstate="print"/>
-          <a:srcRect/>
-          <a:stretch>
-            <a:fillRect/>
-          </a:stretch>
-        </p:blipFill>
-        <p:spPr bwMode="auto">
-          <a:xfrm>
-            <a:off x="381000" y="838200"/>
-            <a:ext cx="8630928" cy="5287963"/>
-          </a:xfrm>
-          <a:prstGeom prst="rect">
-            <a:avLst/>
-          </a:prstGeom>
-          <a:noFill/>
-          <a:ln w="9525">
-            <a:noFill/>
-            <a:miter lim="800000"/>
-            <a:headEnd/>
-            <a:tailEnd/>
-          </a:ln>
-        </p:spPr>
-      </p:pic>
-    </p:spTree>
-  </p:cSld>
-  <p:clrMapOvr>
-    <a:masterClrMapping/>
-  </p:clrMapOvr>
-</p:sld>
-</file>
-
-<file path=ppt/slides/slide19.xml><?xml version="1.0" encoding="utf-8"?>
-<p:sld xmlns:a="http://schemas.openxmlformats.org/drawingml/2006/main" xmlns:r="http://schemas.openxmlformats.org/officeDocument/2006/relationships" xmlns:p="http://schemas.openxmlformats.org/presentationml/2006/main">
-  <p:cSld>
-    <p:spTree>
-      <p:nvGrpSpPr>
-        <p:cNvPr id="1" name=""/>
-        <p:cNvGrpSpPr/>
-        <p:nvPr/>
-      </p:nvGrpSpPr>
-      <p:grpSpPr>
-        <a:xfrm>
-          <a:off x="0" y="0"/>
-          <a:ext cx="0" cy="0"/>
-          <a:chOff x="0" y="0"/>
-          <a:chExt cx="0" cy="0"/>
-        </a:xfrm>
-      </p:grpSpPr>
-      <p:sp>
-        <p:nvSpPr>
-          <p:cNvPr id="2" name="Title 1"/>
-          <p:cNvSpPr>
-            <a:spLocks noGrp="1"/>
-          </p:cNvSpPr>
-          <p:nvPr>
-            <p:ph type="title"/>
-          </p:nvPr>
-        </p:nvSpPr>
-        <p:spPr/>
-        <p:txBody>
-          <a:bodyPr/>
-          <a:lstStyle/>
-          <a:p>
-            <a:endParaRPr lang="en-US"/>
-          </a:p>
-        </p:txBody>
-      </p:sp>
-      <p:pic>
-        <p:nvPicPr>
-          <p:cNvPr id="11266" name="Picture 2"/>
-          <p:cNvPicPr>
-            <a:picLocks noGrp="1" noChangeAspect="1" noChangeArrowheads="1"/>
-          </p:cNvPicPr>
-          <p:nvPr>
-            <p:ph idx="1"/>
-          </p:nvPr>
-        </p:nvPicPr>
-        <p:blipFill>
-          <a:blip r:embed="rId2" cstate="print"/>
-          <a:srcRect/>
-          <a:stretch>
-            <a:fillRect/>
-          </a:stretch>
-        </p:blipFill>
-        <p:spPr bwMode="auto">
-          <a:xfrm>
-            <a:off x="533400" y="304800"/>
-            <a:ext cx="8083681" cy="6154160"/>
-          </a:xfrm>
-          <a:prstGeom prst="rect">
-            <a:avLst/>
-          </a:prstGeom>
-          <a:noFill/>
-          <a:ln w="9525">
-            <a:noFill/>
-            <a:miter lim="800000"/>
-            <a:headEnd/>
-            <a:tailEnd/>
-          </a:ln>
-        </p:spPr>
-      </p:pic>
-    </p:spTree>
-  </p:cSld>
-  <p:clrMapOvr>
-    <a:masterClrMapping/>
-  </p:clrMapOvr>
-</p:sld>
-</file>
-
-<file path=ppt/slides/slide2.xml><?xml version="1.0" encoding="utf-8"?>
-<p:sld xmlns:a="http://schemas.openxmlformats.org/drawingml/2006/main" xmlns:r="http://schemas.openxmlformats.org/officeDocument/2006/relationships" xmlns:p="http://schemas.openxmlformats.org/presentationml/2006/main">
-  <p:cSld>
-    <p:spTree>
-      <p:nvGrpSpPr>
-        <p:cNvPr id="1" name=""/>
-        <p:cNvGrpSpPr/>
-        <p:nvPr/>
-      </p:nvGrpSpPr>
-      <p:grpSpPr>
-        <a:xfrm>
-          <a:off x="0" y="0"/>
-          <a:ext cx="0" cy="0"/>
-          <a:chOff x="0" y="0"/>
-          <a:chExt cx="0" cy="0"/>
-        </a:xfrm>
-      </p:grpSpPr>
-      <p:sp>
-        <p:nvSpPr>
-          <p:cNvPr id="2" name="Title 1"/>
-          <p:cNvSpPr>
-            <a:spLocks noGrp="1"/>
-          </p:cNvSpPr>
-          <p:nvPr>
-            <p:ph type="title"/>
-          </p:nvPr>
-        </p:nvSpPr>
-        <p:spPr/>
-        <p:txBody>
-          <a:bodyPr/>
-          <a:lstStyle/>
-          <a:p>
-            <a:r>
-              <a:rPr lang="en-US" dirty="0" smtClean="0"/>
-              <a:t>Business Intelligence</a:t>
-            </a:r>
-            <a:endParaRPr lang="en-US" dirty="0"/>
-          </a:p>
-        </p:txBody>
-      </p:sp>
-      <p:sp>
-        <p:nvSpPr>
-          <p:cNvPr id="3" name="Content Placeholder 2"/>
-          <p:cNvSpPr>
-            <a:spLocks noGrp="1"/>
-          </p:cNvSpPr>
-          <p:nvPr>
-            <p:ph idx="1"/>
-          </p:nvPr>
-        </p:nvSpPr>
-        <p:spPr/>
-        <p:txBody>
-          <a:bodyPr>
-            <a:normAutofit fontScale="77500" lnSpcReduction="20000"/>
-          </a:bodyPr>
-          <a:lstStyle/>
-          <a:p>
-            <a:r>
-              <a:rPr lang="de-DE" dirty="0"/>
-              <a:t>Ziel ist die Gewinnung von Erkenntnissen aus den im Unternehmen vorhandenen Daten zur Unterstützung von </a:t>
-            </a:r>
-            <a:r>
-              <a:rPr lang="de-DE" dirty="0">
-                <a:hlinkClick r:id="rId2" tooltip="Managemententscheidung"/>
-              </a:rPr>
-              <a:t>Managemententscheidungen</a:t>
-            </a:r>
-            <a:r>
-              <a:rPr lang="de-DE" dirty="0"/>
-              <a:t>.</a:t>
-            </a:r>
-            <a:r>
-              <a:rPr lang="de-DE" baseline="30000" dirty="0">
-                <a:hlinkClick r:id="rId3"/>
-              </a:rPr>
-              <a:t>[3]</a:t>
-            </a:r>
-            <a:r>
-              <a:rPr lang="de-DE" dirty="0"/>
-              <a:t> Die Auswertung von Daten – über das eigene Unternehmen, die Mitbewerber oder die Marktentwicklung – geschieht mit Hilfe analytischer Konzepte sowie mehr oder weniger spezialisierter </a:t>
-            </a:r>
-            <a:r>
-              <a:rPr lang="de-DE" dirty="0">
-                <a:hlinkClick r:id="rId4" tooltip="Software"/>
-              </a:rPr>
-              <a:t>Software</a:t>
-            </a:r>
-            <a:r>
-              <a:rPr lang="de-DE" dirty="0"/>
-              <a:t> und </a:t>
-            </a:r>
-            <a:r>
-              <a:rPr lang="de-DE" dirty="0">
-                <a:hlinkClick r:id="rId5" tooltip="Informationstechnik"/>
-              </a:rPr>
-              <a:t>IT-Systeme</a:t>
-            </a:r>
-            <a:r>
-              <a:rPr lang="de-DE" dirty="0"/>
-              <a:t>. Mit den gewonnenen Erkenntnissen kann das Unternehmen seine Geschäftsabläufe sowie seine Kunden- und Lieferantenbeziehungen erfolgreicher machen; Aspekte hierbei können Kostensenkung, Risikoreduzierung und Wertschöpfung sein</a:t>
-            </a:r>
-            <a:r>
-              <a:rPr lang="de-DE" dirty="0" smtClean="0"/>
-              <a:t>.</a:t>
-            </a:r>
-          </a:p>
-          <a:p>
-            <a:endParaRPr lang="de-DE" dirty="0"/>
-          </a:p>
-          <a:p>
-            <a:pPr>
-              <a:buNone/>
-            </a:pPr>
-            <a:r>
-              <a:rPr lang="de-DE" dirty="0" smtClean="0"/>
-              <a:t>(wikipedia de)</a:t>
-            </a:r>
-            <a:endParaRPr lang="en-US" dirty="0"/>
-          </a:p>
-        </p:txBody>
-      </p:sp>
-    </p:spTree>
-  </p:cSld>
-  <p:clrMapOvr>
-    <a:masterClrMapping/>
-  </p:clrMapOvr>
-</p:sld>
-</file>
-
-<file path=ppt/slides/slide20.xml><?xml version="1.0" encoding="utf-8"?>
-<p:sld xmlns:a="http://schemas.openxmlformats.org/drawingml/2006/main" xmlns:r="http://schemas.openxmlformats.org/officeDocument/2006/relationships" xmlns:p="http://schemas.openxmlformats.org/presentationml/2006/main">
-  <p:cSld>
-    <p:spTree>
-      <p:nvGrpSpPr>
-        <p:cNvPr id="1" name=""/>
-        <p:cNvGrpSpPr/>
-        <p:nvPr/>
-      </p:nvGrpSpPr>
-      <p:grpSpPr>
-        <a:xfrm>
-          <a:off x="0" y="0"/>
-          <a:ext cx="0" cy="0"/>
-          <a:chOff x="0" y="0"/>
-          <a:chExt cx="0" cy="0"/>
-        </a:xfrm>
-      </p:grpSpPr>
-      <p:sp>
-        <p:nvSpPr>
-          <p:cNvPr id="2" name="Title 1"/>
-          <p:cNvSpPr>
-            <a:spLocks noGrp="1"/>
-          </p:cNvSpPr>
-          <p:nvPr>
-            <p:ph type="title"/>
-          </p:nvPr>
-        </p:nvSpPr>
-        <p:spPr/>
-        <p:txBody>
-          <a:bodyPr/>
-          <a:lstStyle/>
-          <a:p>
-            <a:endParaRPr lang="en-US"/>
-          </a:p>
-        </p:txBody>
-      </p:sp>
-      <p:pic>
-        <p:nvPicPr>
-          <p:cNvPr id="12290" name="Picture 2"/>
-          <p:cNvPicPr>
-            <a:picLocks noGrp="1" noChangeAspect="1" noChangeArrowheads="1"/>
-          </p:cNvPicPr>
-          <p:nvPr>
-            <p:ph idx="1"/>
-          </p:nvPr>
-        </p:nvPicPr>
-        <p:blipFill>
-          <a:blip r:embed="rId2" cstate="print"/>
-          <a:srcRect/>
-          <a:stretch>
-            <a:fillRect/>
-          </a:stretch>
-        </p:blipFill>
-        <p:spPr bwMode="auto">
-          <a:xfrm>
-            <a:off x="2432072" y="1600200"/>
-            <a:ext cx="4279856" cy="4525963"/>
-          </a:xfrm>
-          <a:prstGeom prst="rect">
-            <a:avLst/>
-          </a:prstGeom>
-          <a:noFill/>
-          <a:ln w="9525">
-            <a:noFill/>
-            <a:miter lim="800000"/>
-            <a:headEnd/>
-            <a:tailEnd/>
-          </a:ln>
-        </p:spPr>
-      </p:pic>
-    </p:spTree>
-  </p:cSld>
-  <p:clrMapOvr>
-    <a:masterClrMapping/>
-  </p:clrMapOvr>
-</p:sld>
-</file>
-
 <file path=ppt/slides/slide21.xml><?xml version="1.0" encoding="utf-8"?>
 <p:sld xmlns:a="http://schemas.openxmlformats.org/drawingml/2006/main" xmlns:r="http://schemas.openxmlformats.org/officeDocument/2006/relationships" xmlns:p="http://schemas.openxmlformats.org/presentationml/2006/main">
   <p:cSld>
@@ -4255,7 +4507,7 @@
       </p:sp>
       <p:pic>
         <p:nvPicPr>
-          <p:cNvPr id="13314" name="Picture 2"/>
+          <p:cNvPr id="10242" name="Picture 2"/>
           <p:cNvPicPr>
             <a:picLocks noGrp="1" noChangeAspect="1" noChangeArrowheads="1"/>
           </p:cNvPicPr>
@@ -4272,8 +4524,8 @@
         </p:blipFill>
         <p:spPr bwMode="auto">
           <a:xfrm>
-            <a:off x="1295400" y="0"/>
-            <a:ext cx="6227273" cy="6757090"/>
+            <a:off x="381000" y="838200"/>
+            <a:ext cx="8630928" cy="5287963"/>
           </a:xfrm>
           <a:prstGeom prst="rect">
             <a:avLst/>
@@ -4327,17 +4579,13 @@
           <a:bodyPr/>
           <a:lstStyle/>
           <a:p>
-            <a:r>
-              <a:rPr lang="en-US" dirty="0" smtClean="0"/>
-              <a:t>PowerBI.com</a:t>
-            </a:r>
-            <a:endParaRPr lang="en-US" dirty="0"/>
+            <a:endParaRPr lang="en-US"/>
           </a:p>
         </p:txBody>
       </p:sp>
       <p:pic>
         <p:nvPicPr>
-          <p:cNvPr id="23554" name="Picture 2"/>
+          <p:cNvPr id="11266" name="Picture 2"/>
           <p:cNvPicPr>
             <a:picLocks noGrp="1" noChangeAspect="1" noChangeArrowheads="1"/>
           </p:cNvPicPr>
@@ -4354,8 +4602,8 @@
         </p:blipFill>
         <p:spPr bwMode="auto">
           <a:xfrm>
-            <a:off x="457200" y="2090300"/>
-            <a:ext cx="8229600" cy="3545762"/>
+            <a:off x="533400" y="304800"/>
+            <a:ext cx="8083681" cy="6154160"/>
           </a:xfrm>
           <a:prstGeom prst="rect">
             <a:avLst/>
@@ -4415,7 +4663,7 @@
       </p:sp>
       <p:pic>
         <p:nvPicPr>
-          <p:cNvPr id="24578" name="Picture 2"/>
+          <p:cNvPr id="12290" name="Picture 2"/>
           <p:cNvPicPr>
             <a:picLocks noGrp="1" noChangeAspect="1" noChangeArrowheads="1"/>
           </p:cNvPicPr>
@@ -4432,8 +4680,8 @@
         </p:blipFill>
         <p:spPr bwMode="auto">
           <a:xfrm>
-            <a:off x="457200" y="1992296"/>
-            <a:ext cx="8229600" cy="3741771"/>
+            <a:off x="2432072" y="1600200"/>
+            <a:ext cx="4279856" cy="4525963"/>
           </a:xfrm>
           <a:prstGeom prst="rect">
             <a:avLst/>
@@ -4493,7 +4741,7 @@
       </p:sp>
       <p:pic>
         <p:nvPicPr>
-          <p:cNvPr id="25602" name="Picture 2"/>
+          <p:cNvPr id="13314" name="Picture 2"/>
           <p:cNvPicPr>
             <a:picLocks noGrp="1" noChangeAspect="1" noChangeArrowheads="1"/>
           </p:cNvPicPr>
@@ -4510,8 +4758,8 @@
         </p:blipFill>
         <p:spPr bwMode="auto">
           <a:xfrm>
-            <a:off x="457200" y="1940646"/>
-            <a:ext cx="8229600" cy="3845071"/>
+            <a:off x="1295400" y="0"/>
+            <a:ext cx="6227273" cy="6757090"/>
           </a:xfrm>
           <a:prstGeom prst="rect">
             <a:avLst/>
@@ -4565,13 +4813,17 @@
           <a:bodyPr/>
           <a:lstStyle/>
           <a:p>
-            <a:endParaRPr lang="en-US"/>
+            <a:r>
+              <a:rPr lang="en-US" dirty="0" smtClean="0"/>
+              <a:t>PowerBI.com</a:t>
+            </a:r>
+            <a:endParaRPr lang="en-US" dirty="0"/>
           </a:p>
         </p:txBody>
       </p:sp>
       <p:pic>
         <p:nvPicPr>
-          <p:cNvPr id="26627" name="Picture 3"/>
+          <p:cNvPr id="23554" name="Picture 2"/>
           <p:cNvPicPr>
             <a:picLocks noGrp="1" noChangeAspect="1" noChangeArrowheads="1"/>
           </p:cNvPicPr>
@@ -4588,8 +4840,8 @@
         </p:blipFill>
         <p:spPr bwMode="auto">
           <a:xfrm>
-            <a:off x="457200" y="1738302"/>
-            <a:ext cx="8229600" cy="4249759"/>
+            <a:off x="457200" y="2090300"/>
+            <a:ext cx="8229600" cy="3545762"/>
           </a:xfrm>
           <a:prstGeom prst="rect">
             <a:avLst/>
@@ -4630,42 +4882,57 @@
       </p:grpSpPr>
       <p:sp>
         <p:nvSpPr>
-          <p:cNvPr id="3" name="Content Placeholder 2"/>
-          <p:cNvSpPr>
-            <a:spLocks noGrp="1"/>
-          </p:cNvSpPr>
+          <p:cNvPr id="2" name="Title 1"/>
+          <p:cNvSpPr>
+            <a:spLocks noGrp="1"/>
+          </p:cNvSpPr>
+          <p:nvPr>
+            <p:ph type="title"/>
+          </p:nvPr>
+        </p:nvSpPr>
+        <p:spPr/>
+        <p:txBody>
+          <a:bodyPr/>
+          <a:lstStyle/>
+          <a:p>
+            <a:endParaRPr lang="en-US"/>
+          </a:p>
+        </p:txBody>
+      </p:sp>
+      <p:pic>
+        <p:nvPicPr>
+          <p:cNvPr id="24578" name="Picture 2"/>
+          <p:cNvPicPr>
+            <a:picLocks noGrp="1" noChangeAspect="1" noChangeArrowheads="1"/>
+          </p:cNvPicPr>
           <p:nvPr>
             <p:ph idx="1"/>
           </p:nvPr>
-        </p:nvSpPr>
-        <p:spPr/>
-        <p:txBody>
-          <a:bodyPr/>
-          <a:lstStyle/>
-          <a:p>
-            <a:endParaRPr lang="en-US"/>
-          </a:p>
-        </p:txBody>
-      </p:sp>
-      <p:sp>
-        <p:nvSpPr>
-          <p:cNvPr id="4" name="Title 3"/>
-          <p:cNvSpPr>
-            <a:spLocks noGrp="1"/>
-          </p:cNvSpPr>
-          <p:nvPr>
-            <p:ph type="title"/>
-          </p:nvPr>
-        </p:nvSpPr>
-        <p:spPr/>
-        <p:txBody>
-          <a:bodyPr/>
-          <a:lstStyle/>
-          <a:p>
-            <a:endParaRPr lang="en-US"/>
-          </a:p>
-        </p:txBody>
-      </p:sp>
+        </p:nvPicPr>
+        <p:blipFill>
+          <a:blip r:embed="rId2" cstate="print"/>
+          <a:srcRect/>
+          <a:stretch>
+            <a:fillRect/>
+          </a:stretch>
+        </p:blipFill>
+        <p:spPr bwMode="auto">
+          <a:xfrm>
+            <a:off x="457200" y="1992296"/>
+            <a:ext cx="8229600" cy="3741771"/>
+          </a:xfrm>
+          <a:prstGeom prst="rect">
+            <a:avLst/>
+          </a:prstGeom>
+          <a:noFill/>
+          <a:ln w="9525">
+            <a:noFill/>
+            <a:miter lim="800000"/>
+            <a:headEnd/>
+            <a:tailEnd/>
+          </a:ln>
+        </p:spPr>
+      </p:pic>
     </p:spTree>
   </p:cSld>
   <p:clrMapOvr>
@@ -4675,6 +4942,325 @@
 </file>
 
 <file path=ppt/slides/slide27.xml><?xml version="1.0" encoding="utf-8"?>
+<p:sld xmlns:a="http://schemas.openxmlformats.org/drawingml/2006/main" xmlns:r="http://schemas.openxmlformats.org/officeDocument/2006/relationships" xmlns:p="http://schemas.openxmlformats.org/presentationml/2006/main">
+  <p:cSld>
+    <p:spTree>
+      <p:nvGrpSpPr>
+        <p:cNvPr id="1" name=""/>
+        <p:cNvGrpSpPr/>
+        <p:nvPr/>
+      </p:nvGrpSpPr>
+      <p:grpSpPr>
+        <a:xfrm>
+          <a:off x="0" y="0"/>
+          <a:ext cx="0" cy="0"/>
+          <a:chOff x="0" y="0"/>
+          <a:chExt cx="0" cy="0"/>
+        </a:xfrm>
+      </p:grpSpPr>
+      <p:sp>
+        <p:nvSpPr>
+          <p:cNvPr id="2" name="Title 1"/>
+          <p:cNvSpPr>
+            <a:spLocks noGrp="1"/>
+          </p:cNvSpPr>
+          <p:nvPr>
+            <p:ph type="title"/>
+          </p:nvPr>
+        </p:nvSpPr>
+        <p:spPr/>
+        <p:txBody>
+          <a:bodyPr/>
+          <a:lstStyle/>
+          <a:p>
+            <a:endParaRPr lang="en-US"/>
+          </a:p>
+        </p:txBody>
+      </p:sp>
+      <p:pic>
+        <p:nvPicPr>
+          <p:cNvPr id="25602" name="Picture 2"/>
+          <p:cNvPicPr>
+            <a:picLocks noGrp="1" noChangeAspect="1" noChangeArrowheads="1"/>
+          </p:cNvPicPr>
+          <p:nvPr>
+            <p:ph idx="1"/>
+          </p:nvPr>
+        </p:nvPicPr>
+        <p:blipFill>
+          <a:blip r:embed="rId2" cstate="print"/>
+          <a:srcRect/>
+          <a:stretch>
+            <a:fillRect/>
+          </a:stretch>
+        </p:blipFill>
+        <p:spPr bwMode="auto">
+          <a:xfrm>
+            <a:off x="457200" y="1940646"/>
+            <a:ext cx="8229600" cy="3845071"/>
+          </a:xfrm>
+          <a:prstGeom prst="rect">
+            <a:avLst/>
+          </a:prstGeom>
+          <a:noFill/>
+          <a:ln w="9525">
+            <a:noFill/>
+            <a:miter lim="800000"/>
+            <a:headEnd/>
+            <a:tailEnd/>
+          </a:ln>
+        </p:spPr>
+      </p:pic>
+    </p:spTree>
+  </p:cSld>
+  <p:clrMapOvr>
+    <a:masterClrMapping/>
+  </p:clrMapOvr>
+</p:sld>
+</file>
+
+<file path=ppt/slides/slide28.xml><?xml version="1.0" encoding="utf-8"?>
+<p:sld xmlns:a="http://schemas.openxmlformats.org/drawingml/2006/main" xmlns:r="http://schemas.openxmlformats.org/officeDocument/2006/relationships" xmlns:p="http://schemas.openxmlformats.org/presentationml/2006/main">
+  <p:cSld>
+    <p:spTree>
+      <p:nvGrpSpPr>
+        <p:cNvPr id="1" name=""/>
+        <p:cNvGrpSpPr/>
+        <p:nvPr/>
+      </p:nvGrpSpPr>
+      <p:grpSpPr>
+        <a:xfrm>
+          <a:off x="0" y="0"/>
+          <a:ext cx="0" cy="0"/>
+          <a:chOff x="0" y="0"/>
+          <a:chExt cx="0" cy="0"/>
+        </a:xfrm>
+      </p:grpSpPr>
+      <p:sp>
+        <p:nvSpPr>
+          <p:cNvPr id="2" name="Title 1"/>
+          <p:cNvSpPr>
+            <a:spLocks noGrp="1"/>
+          </p:cNvSpPr>
+          <p:nvPr>
+            <p:ph type="title"/>
+          </p:nvPr>
+        </p:nvSpPr>
+        <p:spPr/>
+        <p:txBody>
+          <a:bodyPr/>
+          <a:lstStyle/>
+          <a:p>
+            <a:endParaRPr lang="en-US"/>
+          </a:p>
+        </p:txBody>
+      </p:sp>
+      <p:pic>
+        <p:nvPicPr>
+          <p:cNvPr id="26627" name="Picture 3"/>
+          <p:cNvPicPr>
+            <a:picLocks noGrp="1" noChangeAspect="1" noChangeArrowheads="1"/>
+          </p:cNvPicPr>
+          <p:nvPr>
+            <p:ph idx="1"/>
+          </p:nvPr>
+        </p:nvPicPr>
+        <p:blipFill>
+          <a:blip r:embed="rId2" cstate="print"/>
+          <a:srcRect/>
+          <a:stretch>
+            <a:fillRect/>
+          </a:stretch>
+        </p:blipFill>
+        <p:spPr bwMode="auto">
+          <a:xfrm>
+            <a:off x="457200" y="1738302"/>
+            <a:ext cx="8229600" cy="4249759"/>
+          </a:xfrm>
+          <a:prstGeom prst="rect">
+            <a:avLst/>
+          </a:prstGeom>
+          <a:noFill/>
+          <a:ln w="9525">
+            <a:noFill/>
+            <a:miter lim="800000"/>
+            <a:headEnd/>
+            <a:tailEnd/>
+          </a:ln>
+        </p:spPr>
+      </p:pic>
+    </p:spTree>
+  </p:cSld>
+  <p:clrMapOvr>
+    <a:masterClrMapping/>
+  </p:clrMapOvr>
+</p:sld>
+</file>
+
+<file path=ppt/slides/slide29.xml><?xml version="1.0" encoding="utf-8"?>
+<p:sld xmlns:a="http://schemas.openxmlformats.org/drawingml/2006/main" xmlns:r="http://schemas.openxmlformats.org/officeDocument/2006/relationships" xmlns:p="http://schemas.openxmlformats.org/presentationml/2006/main">
+  <p:cSld>
+    <p:spTree>
+      <p:nvGrpSpPr>
+        <p:cNvPr id="1" name=""/>
+        <p:cNvGrpSpPr/>
+        <p:nvPr/>
+      </p:nvGrpSpPr>
+      <p:grpSpPr>
+        <a:xfrm>
+          <a:off x="0" y="0"/>
+          <a:ext cx="0" cy="0"/>
+          <a:chOff x="0" y="0"/>
+          <a:chExt cx="0" cy="0"/>
+        </a:xfrm>
+      </p:grpSpPr>
+      <p:sp>
+        <p:nvSpPr>
+          <p:cNvPr id="3" name="Content Placeholder 2"/>
+          <p:cNvSpPr>
+            <a:spLocks noGrp="1"/>
+          </p:cNvSpPr>
+          <p:nvPr>
+            <p:ph idx="1"/>
+          </p:nvPr>
+        </p:nvSpPr>
+        <p:spPr/>
+        <p:txBody>
+          <a:bodyPr/>
+          <a:lstStyle/>
+          <a:p>
+            <a:endParaRPr lang="en-US"/>
+          </a:p>
+        </p:txBody>
+      </p:sp>
+      <p:sp>
+        <p:nvSpPr>
+          <p:cNvPr id="4" name="Title 3"/>
+          <p:cNvSpPr>
+            <a:spLocks noGrp="1"/>
+          </p:cNvSpPr>
+          <p:nvPr>
+            <p:ph type="title"/>
+          </p:nvPr>
+        </p:nvSpPr>
+        <p:spPr/>
+        <p:txBody>
+          <a:bodyPr/>
+          <a:lstStyle/>
+          <a:p>
+            <a:endParaRPr lang="en-US"/>
+          </a:p>
+        </p:txBody>
+      </p:sp>
+    </p:spTree>
+  </p:cSld>
+  <p:clrMapOvr>
+    <a:masterClrMapping/>
+  </p:clrMapOvr>
+</p:sld>
+</file>
+
+<file path=ppt/slides/slide3.xml><?xml version="1.0" encoding="utf-8"?>
+<p:sld xmlns:a="http://schemas.openxmlformats.org/drawingml/2006/main" xmlns:r="http://schemas.openxmlformats.org/officeDocument/2006/relationships" xmlns:p="http://schemas.openxmlformats.org/presentationml/2006/main">
+  <p:cSld>
+    <p:spTree>
+      <p:nvGrpSpPr>
+        <p:cNvPr id="1" name=""/>
+        <p:cNvGrpSpPr/>
+        <p:nvPr/>
+      </p:nvGrpSpPr>
+      <p:grpSpPr>
+        <a:xfrm>
+          <a:off x="0" y="0"/>
+          <a:ext cx="0" cy="0"/>
+          <a:chOff x="0" y="0"/>
+          <a:chExt cx="0" cy="0"/>
+        </a:xfrm>
+      </p:grpSpPr>
+      <p:sp>
+        <p:nvSpPr>
+          <p:cNvPr id="2" name="Title 1"/>
+          <p:cNvSpPr>
+            <a:spLocks noGrp="1"/>
+          </p:cNvSpPr>
+          <p:nvPr>
+            <p:ph type="title"/>
+          </p:nvPr>
+        </p:nvSpPr>
+        <p:spPr/>
+        <p:txBody>
+          <a:bodyPr>
+            <a:normAutofit fontScale="90000"/>
+          </a:bodyPr>
+          <a:lstStyle/>
+          <a:p>
+            <a:r>
+              <a:rPr lang="en-US" dirty="0" smtClean="0"/>
+              <a:t>Download Power Bi + Tableau Public</a:t>
+            </a:r>
+            <a:endParaRPr lang="en-US" dirty="0"/>
+          </a:p>
+        </p:txBody>
+      </p:sp>
+      <p:sp>
+        <p:nvSpPr>
+          <p:cNvPr id="3" name="Content Placeholder 2"/>
+          <p:cNvSpPr>
+            <a:spLocks noGrp="1"/>
+          </p:cNvSpPr>
+          <p:nvPr>
+            <p:ph idx="1"/>
+          </p:nvPr>
+        </p:nvSpPr>
+        <p:spPr/>
+        <p:txBody>
+          <a:bodyPr/>
+          <a:lstStyle/>
+          <a:p>
+            <a:r>
+              <a:rPr lang="en-US" dirty="0" smtClean="0">
+                <a:hlinkClick r:id="rId2"/>
+              </a:rPr>
+              <a:t>https://</a:t>
+            </a:r>
+            <a:r>
+              <a:rPr lang="en-US" dirty="0" smtClean="0">
+                <a:hlinkClick r:id="rId2"/>
+              </a:rPr>
+              <a:t>github.com/rao003/StartProgramming/tree/master/BusinessIntelligence</a:t>
+            </a:r>
+            <a:endParaRPr lang="en-US" dirty="0" smtClean="0"/>
+          </a:p>
+          <a:p>
+            <a:endParaRPr lang="en-US" dirty="0" smtClean="0"/>
+          </a:p>
+          <a:p>
+            <a:endParaRPr lang="en-US" dirty="0" smtClean="0"/>
+          </a:p>
+          <a:p>
+            <a:pPr>
+              <a:buNone/>
+            </a:pPr>
+            <a:r>
+              <a:rPr lang="en-US" dirty="0" smtClean="0"/>
+              <a:t>+ online material </a:t>
+            </a:r>
+            <a:endParaRPr lang="en-US" dirty="0" smtClean="0"/>
+          </a:p>
+          <a:p>
+            <a:endParaRPr lang="en-US" dirty="0"/>
+          </a:p>
+        </p:txBody>
+      </p:sp>
+    </p:spTree>
+  </p:cSld>
+  <p:clrMapOvr>
+    <a:masterClrMapping/>
+  </p:clrMapOvr>
+</p:sld>
+</file>
+
+<file path=ppt/slides/slide30.xml><?xml version="1.0" encoding="utf-8"?>
 <p:sld xmlns:a="http://schemas.openxmlformats.org/drawingml/2006/main" xmlns:r="http://schemas.openxmlformats.org/officeDocument/2006/relationships" xmlns:p="http://schemas.openxmlformats.org/presentationml/2006/main">
   <p:cSld>
     <p:spTree>
@@ -4756,7 +5342,7 @@
 </p:sld>
 </file>
 
-<file path=ppt/slides/slide28.xml><?xml version="1.0" encoding="utf-8"?>
+<file path=ppt/slides/slide31.xml><?xml version="1.0" encoding="utf-8"?>
 <p:sld xmlns:a="http://schemas.openxmlformats.org/drawingml/2006/main" xmlns:r="http://schemas.openxmlformats.org/officeDocument/2006/relationships" xmlns:p="http://schemas.openxmlformats.org/presentationml/2006/main">
   <p:cSld>
     <p:spTree>
@@ -4881,7 +5467,7 @@
 </p:sld>
 </file>
 
-<file path=ppt/slides/slide29.xml><?xml version="1.0" encoding="utf-8"?>
+<file path=ppt/slides/slide32.xml><?xml version="1.0" encoding="utf-8"?>
 <p:sld xmlns:a="http://schemas.openxmlformats.org/drawingml/2006/main" xmlns:r="http://schemas.openxmlformats.org/officeDocument/2006/relationships" xmlns:p="http://schemas.openxmlformats.org/presentationml/2006/main">
   <p:cSld>
     <p:spTree>
@@ -4959,85 +5545,7 @@
 </p:sld>
 </file>
 
-<file path=ppt/slides/slide3.xml><?xml version="1.0" encoding="utf-8"?>
-<p:sld xmlns:a="http://schemas.openxmlformats.org/drawingml/2006/main" xmlns:r="http://schemas.openxmlformats.org/officeDocument/2006/relationships" xmlns:p="http://schemas.openxmlformats.org/presentationml/2006/main">
-  <p:cSld>
-    <p:spTree>
-      <p:nvGrpSpPr>
-        <p:cNvPr id="1" name=""/>
-        <p:cNvGrpSpPr/>
-        <p:nvPr/>
-      </p:nvGrpSpPr>
-      <p:grpSpPr>
-        <a:xfrm>
-          <a:off x="0" y="0"/>
-          <a:ext cx="0" cy="0"/>
-          <a:chOff x="0" y="0"/>
-          <a:chExt cx="0" cy="0"/>
-        </a:xfrm>
-      </p:grpSpPr>
-      <p:sp>
-        <p:nvSpPr>
-          <p:cNvPr id="2" name="Title 1"/>
-          <p:cNvSpPr>
-            <a:spLocks noGrp="1"/>
-          </p:cNvSpPr>
-          <p:nvPr>
-            <p:ph type="title"/>
-          </p:nvPr>
-        </p:nvSpPr>
-        <p:spPr/>
-        <p:txBody>
-          <a:bodyPr>
-            <a:normAutofit fontScale="90000"/>
-          </a:bodyPr>
-          <a:lstStyle/>
-          <a:p>
-            <a:r>
-              <a:rPr lang="en-US" dirty="0" smtClean="0"/>
-              <a:t>Download Power Bi + Tableau Public</a:t>
-            </a:r>
-            <a:endParaRPr lang="en-US" dirty="0"/>
-          </a:p>
-        </p:txBody>
-      </p:sp>
-      <p:sp>
-        <p:nvSpPr>
-          <p:cNvPr id="3" name="Content Placeholder 2"/>
-          <p:cNvSpPr>
-            <a:spLocks noGrp="1"/>
-          </p:cNvSpPr>
-          <p:nvPr>
-            <p:ph idx="1"/>
-          </p:nvPr>
-        </p:nvSpPr>
-        <p:spPr/>
-        <p:txBody>
-          <a:bodyPr/>
-          <a:lstStyle/>
-          <a:p>
-            <a:r>
-              <a:rPr lang="en-US" dirty="0" smtClean="0">
-                <a:hlinkClick r:id="rId2"/>
-              </a:rPr>
-              <a:t>https://github.com/rao003/StartProgramming/tree/master/BusinessIntelligence</a:t>
-            </a:r>
-            <a:endParaRPr lang="en-US" dirty="0" smtClean="0"/>
-          </a:p>
-          <a:p>
-            <a:endParaRPr lang="en-US" dirty="0"/>
-          </a:p>
-        </p:txBody>
-      </p:sp>
-    </p:spTree>
-  </p:cSld>
-  <p:clrMapOvr>
-    <a:masterClrMapping/>
-  </p:clrMapOvr>
-</p:sld>
-</file>
-
-<file path=ppt/slides/slide30.xml><?xml version="1.0" encoding="utf-8"?>
+<file path=ppt/slides/slide33.xml><?xml version="1.0" encoding="utf-8"?>
 <p:sld xmlns:a="http://schemas.openxmlformats.org/drawingml/2006/main" xmlns:r="http://schemas.openxmlformats.org/officeDocument/2006/relationships" xmlns:p="http://schemas.openxmlformats.org/presentationml/2006/main">
   <p:cSld>
     <p:spTree>
@@ -5132,7 +5640,7 @@
 </p:sld>
 </file>
 
-<file path=ppt/slides/slide31.xml><?xml version="1.0" encoding="utf-8"?>
+<file path=ppt/slides/slide34.xml><?xml version="1.0" encoding="utf-8"?>
 <p:sld xmlns:a="http://schemas.openxmlformats.org/drawingml/2006/main" xmlns:r="http://schemas.openxmlformats.org/officeDocument/2006/relationships" xmlns:p="http://schemas.openxmlformats.org/presentationml/2006/main">
   <p:cSld>
     <p:spTree>
@@ -5210,7 +5718,7 @@
 </p:sld>
 </file>
 
-<file path=ppt/slides/slide32.xml><?xml version="1.0" encoding="utf-8"?>
+<file path=ppt/slides/slide35.xml><?xml version="1.0" encoding="utf-8"?>
 <p:sld xmlns:a="http://schemas.openxmlformats.org/drawingml/2006/main" xmlns:r="http://schemas.openxmlformats.org/officeDocument/2006/relationships" xmlns:p="http://schemas.openxmlformats.org/presentationml/2006/main">
   <p:cSld>
     <p:spTree>
@@ -5288,7 +5796,7 @@
 </p:sld>
 </file>
 
-<file path=ppt/slides/slide33.xml><?xml version="1.0" encoding="utf-8"?>
+<file path=ppt/slides/slide36.xml><?xml version="1.0" encoding="utf-8"?>
 <p:sld xmlns:a="http://schemas.openxmlformats.org/drawingml/2006/main" xmlns:r="http://schemas.openxmlformats.org/officeDocument/2006/relationships" xmlns:p="http://schemas.openxmlformats.org/presentationml/2006/main">
   <p:cSld>
     <p:spTree>
@@ -5351,7 +5859,7 @@
 </p:sld>
 </file>
 
-<file path=ppt/slides/slide34.xml><?xml version="1.0" encoding="utf-8"?>
+<file path=ppt/slides/slide37.xml><?xml version="1.0" encoding="utf-8"?>
 <p:sld xmlns:a="http://schemas.openxmlformats.org/drawingml/2006/main" xmlns:r="http://schemas.openxmlformats.org/officeDocument/2006/relationships" xmlns:p="http://schemas.openxmlformats.org/presentationml/2006/main">
   <p:cSld>
     <p:spTree>
@@ -5431,40 +5939,110 @@
           <a:chExt cx="0" cy="0"/>
         </a:xfrm>
       </p:grpSpPr>
-      <p:pic>
-        <p:nvPicPr>
-          <p:cNvPr id="2050" name="Picture 2"/>
-          <p:cNvPicPr>
-            <a:picLocks noGrp="1" noChangeAspect="1" noChangeArrowheads="1"/>
-          </p:cNvPicPr>
+      <p:sp>
+        <p:nvSpPr>
+          <p:cNvPr id="2" name="Title 1"/>
+          <p:cNvSpPr>
+            <a:spLocks noGrp="1"/>
+          </p:cNvSpPr>
+          <p:nvPr>
+            <p:ph type="title"/>
+          </p:nvPr>
+        </p:nvSpPr>
+        <p:spPr/>
+        <p:txBody>
+          <a:bodyPr/>
+          <a:lstStyle/>
+          <a:p>
+            <a:r>
+              <a:rPr lang="en-US" dirty="0" smtClean="0"/>
+              <a:t>Business Intelligence</a:t>
+            </a:r>
+            <a:endParaRPr lang="en-US" dirty="0"/>
+          </a:p>
+        </p:txBody>
+      </p:sp>
+      <p:sp>
+        <p:nvSpPr>
+          <p:cNvPr id="3" name="Content Placeholder 2"/>
+          <p:cNvSpPr>
+            <a:spLocks noGrp="1"/>
+          </p:cNvSpPr>
           <p:nvPr>
             <p:ph idx="1"/>
           </p:nvPr>
-        </p:nvPicPr>
-        <p:blipFill>
-          <a:blip r:embed="rId2" cstate="print"/>
-          <a:srcRect/>
-          <a:stretch>
-            <a:fillRect/>
-          </a:stretch>
-        </p:blipFill>
-        <p:spPr bwMode="auto">
-          <a:xfrm>
-            <a:off x="914400" y="609600"/>
-            <a:ext cx="7776433" cy="5784908"/>
-          </a:xfrm>
-          <a:prstGeom prst="rect">
-            <a:avLst/>
-          </a:prstGeom>
-          <a:noFill/>
-          <a:ln w="9525">
-            <a:noFill/>
-            <a:miter lim="800000"/>
-            <a:headEnd/>
-            <a:tailEnd/>
-          </a:ln>
-        </p:spPr>
-      </p:pic>
+        </p:nvSpPr>
+        <p:spPr/>
+        <p:txBody>
+          <a:bodyPr>
+            <a:normAutofit fontScale="77500" lnSpcReduction="20000"/>
+          </a:bodyPr>
+          <a:lstStyle/>
+          <a:p>
+            <a:r>
+              <a:rPr lang="de-DE" dirty="0"/>
+              <a:t>Ziel ist die Gewinnung von Erkenntnissen aus den im Unternehmen vorhandenen Daten zur Unterstützung von </a:t>
+            </a:r>
+            <a:r>
+              <a:rPr lang="de-DE" dirty="0">
+                <a:hlinkClick r:id="rId2" tooltip="Managemententscheidung"/>
+              </a:rPr>
+              <a:t>Managemententscheidungen</a:t>
+            </a:r>
+            <a:r>
+              <a:rPr lang="de-DE" dirty="0"/>
+              <a:t>.</a:t>
+            </a:r>
+            <a:r>
+              <a:rPr lang="de-DE" baseline="30000" dirty="0">
+                <a:hlinkClick r:id="rId3"/>
+              </a:rPr>
+              <a:t>[3]</a:t>
+            </a:r>
+            <a:r>
+              <a:rPr lang="de-DE" dirty="0"/>
+              <a:t> Die Auswertung von Daten – über das eigene Unternehmen, die Mitbewerber oder die Marktentwicklung – geschieht mit Hilfe analytischer Konzepte sowie mehr oder weniger spezialisierter </a:t>
+            </a:r>
+            <a:r>
+              <a:rPr lang="de-DE" dirty="0">
+                <a:hlinkClick r:id="rId4" tooltip="Software"/>
+              </a:rPr>
+              <a:t>Software</a:t>
+            </a:r>
+            <a:r>
+              <a:rPr lang="de-DE" dirty="0"/>
+              <a:t> und </a:t>
+            </a:r>
+            <a:r>
+              <a:rPr lang="de-DE" dirty="0">
+                <a:hlinkClick r:id="rId5" tooltip="Informationstechnik"/>
+              </a:rPr>
+              <a:t>IT-Systeme</a:t>
+            </a:r>
+            <a:r>
+              <a:rPr lang="de-DE" dirty="0"/>
+              <a:t>. Mit den gewonnenen Erkenntnissen kann das Unternehmen seine Geschäftsabläufe sowie seine Kunden- und Lieferantenbeziehungen erfolgreicher machen; Aspekte hierbei können Kostensenkung, Risikoreduzierung und Wertschöpfung sein</a:t>
+            </a:r>
+            <a:r>
+              <a:rPr lang="de-DE" dirty="0" smtClean="0"/>
+              <a:t>.</a:t>
+            </a:r>
+          </a:p>
+          <a:p>
+            <a:endParaRPr lang="de-DE" dirty="0"/>
+          </a:p>
+          <a:p>
+            <a:pPr>
+              <a:buNone/>
+            </a:pPr>
+            <a:r>
+              <a:rPr lang="de-DE" dirty="0" smtClean="0"/>
+              <a:t>(wikipedia de)</a:t>
+            </a:r>
+            <a:endParaRPr lang="en-US" dirty="0"/>
+          </a:p>
+        </p:txBody>
+      </p:sp>
     </p:spTree>
   </p:cSld>
   <p:clrMapOvr>
@@ -5492,7 +6070,7 @@
       </p:grpSpPr>
       <p:pic>
         <p:nvPicPr>
-          <p:cNvPr id="1027" name="Picture 3"/>
+          <p:cNvPr id="1026" name="Picture 2"/>
           <p:cNvPicPr>
             <a:picLocks noGrp="1" noChangeAspect="1" noChangeArrowheads="1"/>
           </p:cNvPicPr>
@@ -5509,8 +6087,8 @@
         </p:blipFill>
         <p:spPr bwMode="auto">
           <a:xfrm>
-            <a:off x="533400" y="914400"/>
-            <a:ext cx="7709523" cy="4468019"/>
+            <a:off x="609600" y="457200"/>
+            <a:ext cx="8108572" cy="5668963"/>
           </a:xfrm>
           <a:prstGeom prst="rect">
             <a:avLst/>
@@ -5549,32 +6127,9 @@
           <a:chExt cx="0" cy="0"/>
         </a:xfrm>
       </p:grpSpPr>
-      <p:sp>
-        <p:nvSpPr>
-          <p:cNvPr id="2" name="Title 1"/>
-          <p:cNvSpPr>
-            <a:spLocks noGrp="1"/>
-          </p:cNvSpPr>
-          <p:nvPr>
-            <p:ph type="title"/>
-          </p:nvPr>
-        </p:nvSpPr>
-        <p:spPr/>
-        <p:txBody>
-          <a:bodyPr/>
-          <a:lstStyle/>
-          <a:p>
-            <a:r>
-              <a:rPr lang="en-US" dirty="0" smtClean="0"/>
-              <a:t>Architecture</a:t>
-            </a:r>
-            <a:endParaRPr lang="en-US" dirty="0"/>
-          </a:p>
-        </p:txBody>
-      </p:sp>
       <p:pic>
         <p:nvPicPr>
-          <p:cNvPr id="15362" name="Picture 2"/>
+          <p:cNvPr id="2050" name="Picture 2"/>
           <p:cNvPicPr>
             <a:picLocks noGrp="1" noChangeAspect="1" noChangeArrowheads="1"/>
           </p:cNvPicPr>
@@ -5591,8 +6146,8 @@
         </p:blipFill>
         <p:spPr bwMode="auto">
           <a:xfrm>
-            <a:off x="1393050" y="1600200"/>
-            <a:ext cx="6357900" cy="4525963"/>
+            <a:off x="457200" y="1981200"/>
+            <a:ext cx="8229600" cy="2757653"/>
           </a:xfrm>
           <a:prstGeom prst="rect">
             <a:avLst/>
@@ -5631,32 +6186,9 @@
           <a:chExt cx="0" cy="0"/>
         </a:xfrm>
       </p:grpSpPr>
-      <p:sp>
-        <p:nvSpPr>
-          <p:cNvPr id="2" name="Title 1"/>
-          <p:cNvSpPr>
-            <a:spLocks noGrp="1"/>
-          </p:cNvSpPr>
-          <p:nvPr>
-            <p:ph type="title"/>
-          </p:nvPr>
-        </p:nvSpPr>
-        <p:spPr/>
-        <p:txBody>
-          <a:bodyPr/>
-          <a:lstStyle/>
-          <a:p>
-            <a:r>
-              <a:rPr lang="en-US" dirty="0" smtClean="0"/>
-              <a:t>Architecture</a:t>
-            </a:r>
-            <a:endParaRPr lang="en-US" dirty="0"/>
-          </a:p>
-        </p:txBody>
-      </p:sp>
       <p:pic>
         <p:nvPicPr>
-          <p:cNvPr id="16386" name="Picture 2"/>
+          <p:cNvPr id="2050" name="Picture 2"/>
           <p:cNvPicPr>
             <a:picLocks noGrp="1" noChangeAspect="1" noChangeArrowheads="1"/>
           </p:cNvPicPr>
@@ -5673,8 +6205,8 @@
         </p:blipFill>
         <p:spPr bwMode="auto">
           <a:xfrm>
-            <a:off x="1204912" y="1943894"/>
-            <a:ext cx="6734175" cy="3838575"/>
+            <a:off x="914400" y="609600"/>
+            <a:ext cx="7776433" cy="5784908"/>
           </a:xfrm>
           <a:prstGeom prst="rect">
             <a:avLst/>
@@ -5713,28 +6245,9 @@
           <a:chExt cx="0" cy="0"/>
         </a:xfrm>
       </p:grpSpPr>
-      <p:sp>
-        <p:nvSpPr>
-          <p:cNvPr id="2" name="Title 1"/>
-          <p:cNvSpPr>
-            <a:spLocks noGrp="1"/>
-          </p:cNvSpPr>
-          <p:nvPr>
-            <p:ph type="title"/>
-          </p:nvPr>
-        </p:nvSpPr>
-        <p:spPr/>
-        <p:txBody>
-          <a:bodyPr/>
-          <a:lstStyle/>
-          <a:p>
-            <a:endParaRPr lang="en-US"/>
-          </a:p>
-        </p:txBody>
-      </p:sp>
       <p:pic>
         <p:nvPicPr>
-          <p:cNvPr id="17410" name="Picture 2"/>
+          <p:cNvPr id="1027" name="Picture 3"/>
           <p:cNvPicPr>
             <a:picLocks noGrp="1" noChangeAspect="1" noChangeArrowheads="1"/>
           </p:cNvPicPr>
@@ -5751,8 +6264,8 @@
         </p:blipFill>
         <p:spPr bwMode="auto">
           <a:xfrm>
-            <a:off x="0" y="609600"/>
-            <a:ext cx="8989946" cy="5358606"/>
+            <a:off x="533400" y="914400"/>
+            <a:ext cx="7709523" cy="4468019"/>
           </a:xfrm>
           <a:prstGeom prst="rect">
             <a:avLst/>
@@ -5808,7 +6321,7 @@
           <a:p>
             <a:r>
               <a:rPr lang="en-US" dirty="0" smtClean="0"/>
-              <a:t>Tools</a:t>
+              <a:t>Architecture</a:t>
             </a:r>
             <a:endParaRPr lang="en-US" dirty="0"/>
           </a:p>
@@ -5816,7 +6329,7 @@
       </p:sp>
       <p:pic>
         <p:nvPicPr>
-          <p:cNvPr id="3074" name="Picture 2"/>
+          <p:cNvPr id="15362" name="Picture 2"/>
           <p:cNvPicPr>
             <a:picLocks noGrp="1" noChangeAspect="1" noChangeArrowheads="1"/>
           </p:cNvPicPr>
@@ -5833,8 +6346,8 @@
         </p:blipFill>
         <p:spPr bwMode="auto">
           <a:xfrm>
-            <a:off x="533400" y="1905000"/>
-            <a:ext cx="8229600" cy="2820601"/>
+            <a:off x="1393050" y="1600200"/>
+            <a:ext cx="6357900" cy="4525963"/>
           </a:xfrm>
           <a:prstGeom prst="rect">
             <a:avLst/>

--- a/BusinessIntelligence/Business Intelligence - VHS.pptx
+++ b/BusinessIntelligence/Business Intelligence - VHS.pptx
@@ -7,41 +7,44 @@
   <p:sldIdLst>
     <p:sldId id="256" r:id="rId2"/>
     <p:sldId id="290" r:id="rId3"/>
-    <p:sldId id="268" r:id="rId4"/>
-    <p:sldId id="259" r:id="rId5"/>
-    <p:sldId id="291" r:id="rId6"/>
-    <p:sldId id="292" r:id="rId7"/>
-    <p:sldId id="257" r:id="rId8"/>
-    <p:sldId id="258" r:id="rId9"/>
-    <p:sldId id="279" r:id="rId10"/>
-    <p:sldId id="280" r:id="rId11"/>
-    <p:sldId id="281" r:id="rId12"/>
-    <p:sldId id="260" r:id="rId13"/>
-    <p:sldId id="261" r:id="rId14"/>
-    <p:sldId id="278" r:id="rId15"/>
-    <p:sldId id="262" r:id="rId16"/>
-    <p:sldId id="277" r:id="rId17"/>
-    <p:sldId id="263" r:id="rId18"/>
-    <p:sldId id="264" r:id="rId19"/>
-    <p:sldId id="265" r:id="rId20"/>
-    <p:sldId id="266" r:id="rId21"/>
-    <p:sldId id="267" r:id="rId22"/>
-    <p:sldId id="269" r:id="rId23"/>
-    <p:sldId id="270" r:id="rId24"/>
-    <p:sldId id="271" r:id="rId25"/>
-    <p:sldId id="285" r:id="rId26"/>
-    <p:sldId id="286" r:id="rId27"/>
-    <p:sldId id="287" r:id="rId28"/>
-    <p:sldId id="289" r:id="rId29"/>
-    <p:sldId id="288" r:id="rId30"/>
-    <p:sldId id="272" r:id="rId31"/>
-    <p:sldId id="273" r:id="rId32"/>
-    <p:sldId id="274" r:id="rId33"/>
-    <p:sldId id="275" r:id="rId34"/>
-    <p:sldId id="276" r:id="rId35"/>
-    <p:sldId id="282" r:id="rId36"/>
-    <p:sldId id="283" r:id="rId37"/>
-    <p:sldId id="284" r:id="rId38"/>
+    <p:sldId id="294" r:id="rId4"/>
+    <p:sldId id="268" r:id="rId5"/>
+    <p:sldId id="259" r:id="rId6"/>
+    <p:sldId id="291" r:id="rId7"/>
+    <p:sldId id="292" r:id="rId8"/>
+    <p:sldId id="293" r:id="rId9"/>
+    <p:sldId id="257" r:id="rId10"/>
+    <p:sldId id="258" r:id="rId11"/>
+    <p:sldId id="279" r:id="rId12"/>
+    <p:sldId id="280" r:id="rId13"/>
+    <p:sldId id="281" r:id="rId14"/>
+    <p:sldId id="295" r:id="rId15"/>
+    <p:sldId id="260" r:id="rId16"/>
+    <p:sldId id="261" r:id="rId17"/>
+    <p:sldId id="278" r:id="rId18"/>
+    <p:sldId id="262" r:id="rId19"/>
+    <p:sldId id="277" r:id="rId20"/>
+    <p:sldId id="263" r:id="rId21"/>
+    <p:sldId id="264" r:id="rId22"/>
+    <p:sldId id="265" r:id="rId23"/>
+    <p:sldId id="266" r:id="rId24"/>
+    <p:sldId id="267" r:id="rId25"/>
+    <p:sldId id="269" r:id="rId26"/>
+    <p:sldId id="270" r:id="rId27"/>
+    <p:sldId id="271" r:id="rId28"/>
+    <p:sldId id="285" r:id="rId29"/>
+    <p:sldId id="286" r:id="rId30"/>
+    <p:sldId id="287" r:id="rId31"/>
+    <p:sldId id="289" r:id="rId32"/>
+    <p:sldId id="288" r:id="rId33"/>
+    <p:sldId id="272" r:id="rId34"/>
+    <p:sldId id="273" r:id="rId35"/>
+    <p:sldId id="274" r:id="rId36"/>
+    <p:sldId id="275" r:id="rId37"/>
+    <p:sldId id="276" r:id="rId38"/>
+    <p:sldId id="282" r:id="rId39"/>
+    <p:sldId id="283" r:id="rId40"/>
+    <p:sldId id="284" r:id="rId41"/>
   </p:sldIdLst>
   <p:sldSz cx="9144000" cy="6858000" type="screen4x3"/>
   <p:notesSz cx="6858000" cy="9144000"/>
@@ -325,7 +328,7 @@
             <a:fld id="{A86B5E0C-564A-4EDE-BB60-EF242CC8011B}" type="datetimeFigureOut">
               <a:rPr lang="en-US" smtClean="0"/>
               <a:pPr/>
-              <a:t>2/24/2021</a:t>
+              <a:t>4/28/2022</a:t>
             </a:fld>
             <a:endParaRPr lang="en-US"/>
           </a:p>
@@ -492,7 +495,7 @@
             <a:fld id="{A86B5E0C-564A-4EDE-BB60-EF242CC8011B}" type="datetimeFigureOut">
               <a:rPr lang="en-US" smtClean="0"/>
               <a:pPr/>
-              <a:t>2/24/2021</a:t>
+              <a:t>4/28/2022</a:t>
             </a:fld>
             <a:endParaRPr lang="en-US"/>
           </a:p>
@@ -669,7 +672,7 @@
             <a:fld id="{A86B5E0C-564A-4EDE-BB60-EF242CC8011B}" type="datetimeFigureOut">
               <a:rPr lang="en-US" smtClean="0"/>
               <a:pPr/>
-              <a:t>2/24/2021</a:t>
+              <a:t>4/28/2022</a:t>
             </a:fld>
             <a:endParaRPr lang="en-US"/>
           </a:p>
@@ -836,7 +839,7 @@
             <a:fld id="{A86B5E0C-564A-4EDE-BB60-EF242CC8011B}" type="datetimeFigureOut">
               <a:rPr lang="en-US" smtClean="0"/>
               <a:pPr/>
-              <a:t>2/24/2021</a:t>
+              <a:t>4/28/2022</a:t>
             </a:fld>
             <a:endParaRPr lang="en-US"/>
           </a:p>
@@ -1079,7 +1082,7 @@
             <a:fld id="{A86B5E0C-564A-4EDE-BB60-EF242CC8011B}" type="datetimeFigureOut">
               <a:rPr lang="en-US" smtClean="0"/>
               <a:pPr/>
-              <a:t>2/24/2021</a:t>
+              <a:t>4/28/2022</a:t>
             </a:fld>
             <a:endParaRPr lang="en-US"/>
           </a:p>
@@ -1364,7 +1367,7 @@
             <a:fld id="{A86B5E0C-564A-4EDE-BB60-EF242CC8011B}" type="datetimeFigureOut">
               <a:rPr lang="en-US" smtClean="0"/>
               <a:pPr/>
-              <a:t>2/24/2021</a:t>
+              <a:t>4/28/2022</a:t>
             </a:fld>
             <a:endParaRPr lang="en-US"/>
           </a:p>
@@ -1783,7 +1786,7 @@
             <a:fld id="{A86B5E0C-564A-4EDE-BB60-EF242CC8011B}" type="datetimeFigureOut">
               <a:rPr lang="en-US" smtClean="0"/>
               <a:pPr/>
-              <a:t>2/24/2021</a:t>
+              <a:t>4/28/2022</a:t>
             </a:fld>
             <a:endParaRPr lang="en-US"/>
           </a:p>
@@ -1898,7 +1901,7 @@
             <a:fld id="{A86B5E0C-564A-4EDE-BB60-EF242CC8011B}" type="datetimeFigureOut">
               <a:rPr lang="en-US" smtClean="0"/>
               <a:pPr/>
-              <a:t>2/24/2021</a:t>
+              <a:t>4/28/2022</a:t>
             </a:fld>
             <a:endParaRPr lang="en-US"/>
           </a:p>
@@ -1990,7 +1993,7 @@
             <a:fld id="{A86B5E0C-564A-4EDE-BB60-EF242CC8011B}" type="datetimeFigureOut">
               <a:rPr lang="en-US" smtClean="0"/>
               <a:pPr/>
-              <a:t>2/24/2021</a:t>
+              <a:t>4/28/2022</a:t>
             </a:fld>
             <a:endParaRPr lang="en-US"/>
           </a:p>
@@ -2264,7 +2267,7 @@
             <a:fld id="{A86B5E0C-564A-4EDE-BB60-EF242CC8011B}" type="datetimeFigureOut">
               <a:rPr lang="en-US" smtClean="0"/>
               <a:pPr/>
-              <a:t>2/24/2021</a:t>
+              <a:t>4/28/2022</a:t>
             </a:fld>
             <a:endParaRPr lang="en-US"/>
           </a:p>
@@ -2514,7 +2517,7 @@
             <a:fld id="{A86B5E0C-564A-4EDE-BB60-EF242CC8011B}" type="datetimeFigureOut">
               <a:rPr lang="en-US" smtClean="0"/>
               <a:pPr/>
-              <a:t>2/24/2021</a:t>
+              <a:t>4/28/2022</a:t>
             </a:fld>
             <a:endParaRPr lang="en-US"/>
           </a:p>
@@ -2724,7 +2727,7 @@
             <a:fld id="{A86B5E0C-564A-4EDE-BB60-EF242CC8011B}" type="datetimeFigureOut">
               <a:rPr lang="en-US" smtClean="0"/>
               <a:pPr/>
-              <a:t>2/24/2021</a:t>
+              <a:t>4/28/2022</a:t>
             </a:fld>
             <a:endParaRPr lang="en-US"/>
           </a:p>
@@ -3137,34 +3140,30 @@
             </a:br>
             <a:r>
               <a:rPr lang="en-US" dirty="0" smtClean="0"/>
-              <a:t>Business </a:t>
-            </a:r>
+              <a:t>Business Intelligence - VHS</a:t>
+            </a:r>
+            <a:endParaRPr lang="en-US" dirty="0"/>
+          </a:p>
+        </p:txBody>
+      </p:sp>
+      <p:sp>
+        <p:nvSpPr>
+          <p:cNvPr id="3" name="Subtitle 2"/>
+          <p:cNvSpPr>
+            <a:spLocks noGrp="1"/>
+          </p:cNvSpPr>
+          <p:nvPr>
+            <p:ph type="subTitle" idx="1"/>
+          </p:nvPr>
+        </p:nvSpPr>
+        <p:spPr/>
+        <p:txBody>
+          <a:bodyPr/>
+          <a:lstStyle/>
+          <a:p>
             <a:r>
               <a:rPr lang="en-US" dirty="0" smtClean="0"/>
-              <a:t>Intelligence - VHS</a:t>
-            </a:r>
-            <a:endParaRPr lang="en-US" dirty="0"/>
-          </a:p>
-        </p:txBody>
-      </p:sp>
-      <p:sp>
-        <p:nvSpPr>
-          <p:cNvPr id="3" name="Subtitle 2"/>
-          <p:cNvSpPr>
-            <a:spLocks noGrp="1"/>
-          </p:cNvSpPr>
-          <p:nvPr>
-            <p:ph type="subTitle" idx="1"/>
-          </p:nvPr>
-        </p:nvSpPr>
-        <p:spPr/>
-        <p:txBody>
-          <a:bodyPr/>
-          <a:lstStyle/>
-          <a:p>
-            <a:r>
-              <a:rPr lang="en-US" dirty="0" smtClean="0"/>
-              <a:t>TABLEAU + Power BI</a:t>
+              <a:t>Power BI</a:t>
             </a:r>
             <a:endParaRPr lang="en-US" dirty="0"/>
           </a:p>
@@ -3175,10 +3174,172 @@
   <p:clrMapOvr>
     <a:masterClrMapping/>
   </p:clrMapOvr>
+  <p:timing>
+    <p:tnLst>
+      <p:par>
+        <p:cTn id="1" dur="indefinite" restart="never" nodeType="tmRoot"/>
+      </p:par>
+    </p:tnLst>
+  </p:timing>
 </p:sld>
 </file>
 
 <file path=ppt/slides/slide10.xml><?xml version="1.0" encoding="utf-8"?>
+<p:sld xmlns:a="http://schemas.openxmlformats.org/drawingml/2006/main" xmlns:r="http://schemas.openxmlformats.org/officeDocument/2006/relationships" xmlns:p="http://schemas.openxmlformats.org/presentationml/2006/main">
+  <p:cSld>
+    <p:spTree>
+      <p:nvGrpSpPr>
+        <p:cNvPr id="1" name=""/>
+        <p:cNvGrpSpPr/>
+        <p:nvPr/>
+      </p:nvGrpSpPr>
+      <p:grpSpPr>
+        <a:xfrm>
+          <a:off x="0" y="0"/>
+          <a:ext cx="0" cy="0"/>
+          <a:chOff x="0" y="0"/>
+          <a:chExt cx="0" cy="0"/>
+        </a:xfrm>
+      </p:grpSpPr>
+      <p:pic>
+        <p:nvPicPr>
+          <p:cNvPr id="1027" name="Picture 3"/>
+          <p:cNvPicPr>
+            <a:picLocks noGrp="1" noChangeAspect="1" noChangeArrowheads="1"/>
+          </p:cNvPicPr>
+          <p:nvPr>
+            <p:ph idx="1"/>
+          </p:nvPr>
+        </p:nvPicPr>
+        <p:blipFill>
+          <a:blip r:embed="rId2" cstate="print"/>
+          <a:srcRect/>
+          <a:stretch>
+            <a:fillRect/>
+          </a:stretch>
+        </p:blipFill>
+        <p:spPr bwMode="auto">
+          <a:xfrm>
+            <a:off x="533400" y="914400"/>
+            <a:ext cx="7709523" cy="4468019"/>
+          </a:xfrm>
+          <a:prstGeom prst="rect">
+            <a:avLst/>
+          </a:prstGeom>
+          <a:noFill/>
+          <a:ln w="9525">
+            <a:noFill/>
+            <a:miter lim="800000"/>
+            <a:headEnd/>
+            <a:tailEnd/>
+          </a:ln>
+        </p:spPr>
+      </p:pic>
+    </p:spTree>
+  </p:cSld>
+  <p:clrMapOvr>
+    <a:masterClrMapping/>
+  </p:clrMapOvr>
+  <p:timing>
+    <p:tnLst>
+      <p:par>
+        <p:cTn id="1" dur="indefinite" restart="never" nodeType="tmRoot"/>
+      </p:par>
+    </p:tnLst>
+  </p:timing>
+</p:sld>
+</file>
+
+<file path=ppt/slides/slide11.xml><?xml version="1.0" encoding="utf-8"?>
+<p:sld xmlns:a="http://schemas.openxmlformats.org/drawingml/2006/main" xmlns:r="http://schemas.openxmlformats.org/officeDocument/2006/relationships" xmlns:p="http://schemas.openxmlformats.org/presentationml/2006/main">
+  <p:cSld>
+    <p:spTree>
+      <p:nvGrpSpPr>
+        <p:cNvPr id="1" name=""/>
+        <p:cNvGrpSpPr/>
+        <p:nvPr/>
+      </p:nvGrpSpPr>
+      <p:grpSpPr>
+        <a:xfrm>
+          <a:off x="0" y="0"/>
+          <a:ext cx="0" cy="0"/>
+          <a:chOff x="0" y="0"/>
+          <a:chExt cx="0" cy="0"/>
+        </a:xfrm>
+      </p:grpSpPr>
+      <p:sp>
+        <p:nvSpPr>
+          <p:cNvPr id="2" name="Title 1"/>
+          <p:cNvSpPr>
+            <a:spLocks noGrp="1"/>
+          </p:cNvSpPr>
+          <p:nvPr>
+            <p:ph type="title"/>
+          </p:nvPr>
+        </p:nvSpPr>
+        <p:spPr/>
+        <p:txBody>
+          <a:bodyPr/>
+          <a:lstStyle/>
+          <a:p>
+            <a:r>
+              <a:rPr lang="en-US" dirty="0" smtClean="0"/>
+              <a:t>Architecture</a:t>
+            </a:r>
+            <a:endParaRPr lang="en-US" dirty="0"/>
+          </a:p>
+        </p:txBody>
+      </p:sp>
+      <p:pic>
+        <p:nvPicPr>
+          <p:cNvPr id="15362" name="Picture 2"/>
+          <p:cNvPicPr>
+            <a:picLocks noGrp="1" noChangeAspect="1" noChangeArrowheads="1"/>
+          </p:cNvPicPr>
+          <p:nvPr>
+            <p:ph idx="1"/>
+          </p:nvPr>
+        </p:nvPicPr>
+        <p:blipFill>
+          <a:blip r:embed="rId2" cstate="print"/>
+          <a:srcRect/>
+          <a:stretch>
+            <a:fillRect/>
+          </a:stretch>
+        </p:blipFill>
+        <p:spPr bwMode="auto">
+          <a:xfrm>
+            <a:off x="1393050" y="1600200"/>
+            <a:ext cx="6357900" cy="4525963"/>
+          </a:xfrm>
+          <a:prstGeom prst="rect">
+            <a:avLst/>
+          </a:prstGeom>
+          <a:noFill/>
+          <a:ln w="9525">
+            <a:noFill/>
+            <a:miter lim="800000"/>
+            <a:headEnd/>
+            <a:tailEnd/>
+          </a:ln>
+        </p:spPr>
+      </p:pic>
+    </p:spTree>
+  </p:cSld>
+  <p:clrMapOvr>
+    <a:masterClrMapping/>
+  </p:clrMapOvr>
+  <p:timing>
+    <p:tnLst>
+      <p:par>
+        <p:cTn id="1" dur="indefinite" restart="never" nodeType="tmRoot"/>
+      </p:par>
+    </p:tnLst>
+  </p:timing>
+</p:sld>
+</file>
+
+<file path=ppt/slides/slide12.xml><?xml version="1.0" encoding="utf-8"?>
 <p:sld xmlns:a="http://schemas.openxmlformats.org/drawingml/2006/main" xmlns:r="http://schemas.openxmlformats.org/officeDocument/2006/relationships" xmlns:p="http://schemas.openxmlformats.org/presentationml/2006/main">
   <p:cSld>
     <p:spTree>
@@ -3257,10 +3418,17 @@
   <p:clrMapOvr>
     <a:masterClrMapping/>
   </p:clrMapOvr>
+  <p:timing>
+    <p:tnLst>
+      <p:par>
+        <p:cTn id="1" dur="indefinite" restart="never" nodeType="tmRoot"/>
+      </p:par>
+    </p:tnLst>
+  </p:timing>
 </p:sld>
 </file>
 
-<file path=ppt/slides/slide11.xml><?xml version="1.0" encoding="utf-8"?>
+<file path=ppt/slides/slide13.xml><?xml version="1.0" encoding="utf-8"?>
 <p:sld xmlns:a="http://schemas.openxmlformats.org/drawingml/2006/main" xmlns:r="http://schemas.openxmlformats.org/officeDocument/2006/relationships" xmlns:p="http://schemas.openxmlformats.org/presentationml/2006/main">
   <p:cSld>
     <p:spTree>
@@ -3335,10 +3503,507 @@
   <p:clrMapOvr>
     <a:masterClrMapping/>
   </p:clrMapOvr>
+  <p:timing>
+    <p:tnLst>
+      <p:par>
+        <p:cTn id="1" dur="indefinite" restart="never" nodeType="tmRoot"/>
+      </p:par>
+    </p:tnLst>
+  </p:timing>
 </p:sld>
 </file>
 
-<file path=ppt/slides/slide12.xml><?xml version="1.0" encoding="utf-8"?>
+<file path=ppt/slides/slide14.xml><?xml version="1.0" encoding="utf-8"?>
+<p:sld xmlns:a="http://schemas.openxmlformats.org/drawingml/2006/main" xmlns:r="http://schemas.openxmlformats.org/officeDocument/2006/relationships" xmlns:p="http://schemas.openxmlformats.org/presentationml/2006/main">
+  <p:cSld>
+    <p:spTree>
+      <p:nvGrpSpPr>
+        <p:cNvPr id="1" name=""/>
+        <p:cNvGrpSpPr/>
+        <p:nvPr/>
+      </p:nvGrpSpPr>
+      <p:grpSpPr>
+        <a:xfrm>
+          <a:off x="0" y="0"/>
+          <a:ext cx="0" cy="0"/>
+          <a:chOff x="0" y="0"/>
+          <a:chExt cx="0" cy="0"/>
+        </a:xfrm>
+      </p:grpSpPr>
+      <p:sp>
+        <p:nvSpPr>
+          <p:cNvPr id="2" name="Title 1"/>
+          <p:cNvSpPr>
+            <a:spLocks noGrp="1"/>
+          </p:cNvSpPr>
+          <p:nvPr>
+            <p:ph type="title"/>
+          </p:nvPr>
+        </p:nvSpPr>
+        <p:spPr/>
+        <p:txBody>
+          <a:bodyPr/>
+          <a:lstStyle/>
+          <a:p>
+            <a:r>
+              <a:rPr lang="de-DE" dirty="0" smtClean="0"/>
+              <a:t>Power BI</a:t>
+            </a:r>
+            <a:endParaRPr lang="de-DE" dirty="0"/>
+          </a:p>
+        </p:txBody>
+      </p:sp>
+      <p:sp>
+        <p:nvSpPr>
+          <p:cNvPr id="3" name="Content Placeholder 2"/>
+          <p:cNvSpPr>
+            <a:spLocks noGrp="1"/>
+          </p:cNvSpPr>
+          <p:nvPr>
+            <p:ph idx="1"/>
+          </p:nvPr>
+        </p:nvSpPr>
+        <p:spPr/>
+        <p:txBody>
+          <a:bodyPr/>
+          <a:lstStyle/>
+          <a:p>
+            <a:r>
+              <a:rPr lang="de-DE" dirty="0" smtClean="0"/>
+              <a:t>Power BI enables end-users to create their own reports, with or without IT assistance</a:t>
+            </a:r>
+            <a:endParaRPr lang="de-DE" dirty="0"/>
+          </a:p>
+        </p:txBody>
+      </p:sp>
+      <p:pic>
+        <p:nvPicPr>
+          <p:cNvPr id="1026" name="Picture 2"/>
+          <p:cNvPicPr>
+            <a:picLocks noChangeAspect="1" noChangeArrowheads="1"/>
+          </p:cNvPicPr>
+          <p:nvPr/>
+        </p:nvPicPr>
+        <p:blipFill>
+          <a:blip r:embed="rId2">
+            <a:extLst>
+              <a:ext uri="{28A0092B-C50C-407E-A947-70E740481C1C}">
+                <a14:useLocalDpi xmlns:a14="http://schemas.microsoft.com/office/drawing/2010/main" val="0"/>
+              </a:ext>
+            </a:extLst>
+          </a:blip>
+          <a:srcRect/>
+          <a:stretch>
+            <a:fillRect/>
+          </a:stretch>
+        </p:blipFill>
+        <p:spPr bwMode="auto">
+          <a:xfrm>
+            <a:off x="3243943" y="3439957"/>
+            <a:ext cx="1836738" cy="1981200"/>
+          </a:xfrm>
+          <a:prstGeom prst="rect">
+            <a:avLst/>
+          </a:prstGeom>
+          <a:noFill/>
+          <a:ln>
+            <a:noFill/>
+          </a:ln>
+          <a:extLst>
+            <a:ext uri="{909E8E84-426E-40DD-AFC4-6F175D3DCCD1}">
+              <a14:hiddenFill xmlns:a14="http://schemas.microsoft.com/office/drawing/2010/main">
+                <a:solidFill>
+                  <a:schemeClr val="accent1"/>
+                </a:solidFill>
+              </a14:hiddenFill>
+            </a:ext>
+            <a:ext uri="{91240B29-F687-4F45-9708-019B960494DF}">
+              <a14:hiddenLine xmlns:a14="http://schemas.microsoft.com/office/drawing/2010/main" w="9525">
+                <a:solidFill>
+                  <a:schemeClr val="tx1"/>
+                </a:solidFill>
+                <a:miter lim="800000"/>
+                <a:headEnd/>
+                <a:tailEnd/>
+              </a14:hiddenLine>
+            </a:ext>
+          </a:extLst>
+        </p:spPr>
+      </p:pic>
+      <p:pic>
+        <p:nvPicPr>
+          <p:cNvPr id="1027" name="Picture 3"/>
+          <p:cNvPicPr>
+            <a:picLocks noChangeAspect="1" noChangeArrowheads="1"/>
+          </p:cNvPicPr>
+          <p:nvPr/>
+        </p:nvPicPr>
+        <p:blipFill>
+          <a:blip r:embed="rId3">
+            <a:extLst>
+              <a:ext uri="{28A0092B-C50C-407E-A947-70E740481C1C}">
+                <a14:useLocalDpi xmlns:a14="http://schemas.microsoft.com/office/drawing/2010/main" val="0"/>
+              </a:ext>
+            </a:extLst>
+          </a:blip>
+          <a:srcRect/>
+          <a:stretch>
+            <a:fillRect/>
+          </a:stretch>
+        </p:blipFill>
+        <p:spPr bwMode="auto">
+          <a:xfrm>
+            <a:off x="914400" y="3180670"/>
+            <a:ext cx="1133936" cy="1238930"/>
+          </a:xfrm>
+          <a:prstGeom prst="rect">
+            <a:avLst/>
+          </a:prstGeom>
+          <a:noFill/>
+          <a:ln>
+            <a:noFill/>
+          </a:ln>
+          <a:extLst>
+            <a:ext uri="{909E8E84-426E-40DD-AFC4-6F175D3DCCD1}">
+              <a14:hiddenFill xmlns:a14="http://schemas.microsoft.com/office/drawing/2010/main">
+                <a:solidFill>
+                  <a:schemeClr val="accent1"/>
+                </a:solidFill>
+              </a14:hiddenFill>
+            </a:ext>
+            <a:ext uri="{91240B29-F687-4F45-9708-019B960494DF}">
+              <a14:hiddenLine xmlns:a14="http://schemas.microsoft.com/office/drawing/2010/main" w="9525">
+                <a:solidFill>
+                  <a:schemeClr val="tx1"/>
+                </a:solidFill>
+                <a:miter lim="800000"/>
+                <a:headEnd/>
+                <a:tailEnd/>
+              </a14:hiddenLine>
+            </a:ext>
+          </a:extLst>
+        </p:spPr>
+      </p:pic>
+      <p:pic>
+        <p:nvPicPr>
+          <p:cNvPr id="1028" name="Picture 4"/>
+          <p:cNvPicPr>
+            <a:picLocks noChangeAspect="1" noChangeArrowheads="1"/>
+          </p:cNvPicPr>
+          <p:nvPr/>
+        </p:nvPicPr>
+        <p:blipFill>
+          <a:blip r:embed="rId4">
+            <a:extLst>
+              <a:ext uri="{28A0092B-C50C-407E-A947-70E740481C1C}">
+                <a14:useLocalDpi xmlns:a14="http://schemas.microsoft.com/office/drawing/2010/main" val="0"/>
+              </a:ext>
+            </a:extLst>
+          </a:blip>
+          <a:srcRect/>
+          <a:stretch>
+            <a:fillRect/>
+          </a:stretch>
+        </p:blipFill>
+        <p:spPr bwMode="auto">
+          <a:xfrm>
+            <a:off x="1047980" y="4452257"/>
+            <a:ext cx="866775" cy="958014"/>
+          </a:xfrm>
+          <a:prstGeom prst="rect">
+            <a:avLst/>
+          </a:prstGeom>
+          <a:noFill/>
+          <a:ln>
+            <a:noFill/>
+          </a:ln>
+          <a:extLst>
+            <a:ext uri="{909E8E84-426E-40DD-AFC4-6F175D3DCCD1}">
+              <a14:hiddenFill xmlns:a14="http://schemas.microsoft.com/office/drawing/2010/main">
+                <a:solidFill>
+                  <a:schemeClr val="accent1"/>
+                </a:solidFill>
+              </a14:hiddenFill>
+            </a:ext>
+            <a:ext uri="{91240B29-F687-4F45-9708-019B960494DF}">
+              <a14:hiddenLine xmlns:a14="http://schemas.microsoft.com/office/drawing/2010/main" w="9525">
+                <a:solidFill>
+                  <a:schemeClr val="tx1"/>
+                </a:solidFill>
+                <a:miter lim="800000"/>
+                <a:headEnd/>
+                <a:tailEnd/>
+              </a14:hiddenLine>
+            </a:ext>
+          </a:extLst>
+        </p:spPr>
+      </p:pic>
+      <p:pic>
+        <p:nvPicPr>
+          <p:cNvPr id="1029" name="Picture 5"/>
+          <p:cNvPicPr>
+            <a:picLocks noChangeAspect="1" noChangeArrowheads="1"/>
+          </p:cNvPicPr>
+          <p:nvPr/>
+        </p:nvPicPr>
+        <p:blipFill>
+          <a:blip r:embed="rId5">
+            <a:extLst>
+              <a:ext uri="{28A0092B-C50C-407E-A947-70E740481C1C}">
+                <a14:useLocalDpi xmlns:a14="http://schemas.microsoft.com/office/drawing/2010/main" val="0"/>
+              </a:ext>
+            </a:extLst>
+          </a:blip>
+          <a:srcRect/>
+          <a:stretch>
+            <a:fillRect/>
+          </a:stretch>
+        </p:blipFill>
+        <p:spPr bwMode="auto">
+          <a:xfrm>
+            <a:off x="1080637" y="5421157"/>
+            <a:ext cx="901201" cy="852487"/>
+          </a:xfrm>
+          <a:prstGeom prst="rect">
+            <a:avLst/>
+          </a:prstGeom>
+          <a:noFill/>
+          <a:ln>
+            <a:noFill/>
+          </a:ln>
+          <a:extLst>
+            <a:ext uri="{909E8E84-426E-40DD-AFC4-6F175D3DCCD1}">
+              <a14:hiddenFill xmlns:a14="http://schemas.microsoft.com/office/drawing/2010/main">
+                <a:solidFill>
+                  <a:schemeClr val="accent1"/>
+                </a:solidFill>
+              </a14:hiddenFill>
+            </a:ext>
+            <a:ext uri="{91240B29-F687-4F45-9708-019B960494DF}">
+              <a14:hiddenLine xmlns:a14="http://schemas.microsoft.com/office/drawing/2010/main" w="9525">
+                <a:solidFill>
+                  <a:schemeClr val="tx1"/>
+                </a:solidFill>
+                <a:miter lim="800000"/>
+                <a:headEnd/>
+                <a:tailEnd/>
+              </a14:hiddenLine>
+            </a:ext>
+          </a:extLst>
+        </p:spPr>
+      </p:pic>
+      <p:pic>
+        <p:nvPicPr>
+          <p:cNvPr id="1030" name="Picture 6"/>
+          <p:cNvPicPr>
+            <a:picLocks noChangeAspect="1" noChangeArrowheads="1"/>
+          </p:cNvPicPr>
+          <p:nvPr/>
+        </p:nvPicPr>
+        <p:blipFill>
+          <a:blip r:embed="rId6">
+            <a:extLst>
+              <a:ext uri="{28A0092B-C50C-407E-A947-70E740481C1C}">
+                <a14:useLocalDpi xmlns:a14="http://schemas.microsoft.com/office/drawing/2010/main" val="0"/>
+              </a:ext>
+            </a:extLst>
+          </a:blip>
+          <a:srcRect/>
+          <a:stretch>
+            <a:fillRect/>
+          </a:stretch>
+        </p:blipFill>
+        <p:spPr bwMode="auto">
+          <a:xfrm>
+            <a:off x="6019800" y="3275727"/>
+            <a:ext cx="2791033" cy="2560787"/>
+          </a:xfrm>
+          <a:prstGeom prst="rect">
+            <a:avLst/>
+          </a:prstGeom>
+          <a:noFill/>
+          <a:ln>
+            <a:noFill/>
+          </a:ln>
+          <a:extLst>
+            <a:ext uri="{909E8E84-426E-40DD-AFC4-6F175D3DCCD1}">
+              <a14:hiddenFill xmlns:a14="http://schemas.microsoft.com/office/drawing/2010/main">
+                <a:solidFill>
+                  <a:schemeClr val="accent1"/>
+                </a:solidFill>
+              </a14:hiddenFill>
+            </a:ext>
+            <a:ext uri="{91240B29-F687-4F45-9708-019B960494DF}">
+              <a14:hiddenLine xmlns:a14="http://schemas.microsoft.com/office/drawing/2010/main" w="9525">
+                <a:solidFill>
+                  <a:schemeClr val="tx1"/>
+                </a:solidFill>
+                <a:miter lim="800000"/>
+                <a:headEnd/>
+                <a:tailEnd/>
+              </a14:hiddenLine>
+            </a:ext>
+          </a:extLst>
+        </p:spPr>
+      </p:pic>
+      <p:cxnSp>
+        <p:nvCxnSpPr>
+          <p:cNvPr id="5" name="Straight Arrow Connector 4"/>
+          <p:cNvCxnSpPr>
+            <a:stCxn id="1027" idx="3"/>
+            <a:endCxn id="1026" idx="1"/>
+          </p:cNvCxnSpPr>
+          <p:nvPr/>
+        </p:nvCxnSpPr>
+        <p:spPr>
+          <a:xfrm>
+            <a:off x="2048336" y="3800135"/>
+            <a:ext cx="1195607" cy="630422"/>
+          </a:xfrm>
+          <a:prstGeom prst="straightConnector1">
+            <a:avLst/>
+          </a:prstGeom>
+          <a:ln>
+            <a:tailEnd type="arrow"/>
+          </a:ln>
+        </p:spPr>
+        <p:style>
+          <a:lnRef idx="1">
+            <a:schemeClr val="accent1"/>
+          </a:lnRef>
+          <a:fillRef idx="0">
+            <a:schemeClr val="accent1"/>
+          </a:fillRef>
+          <a:effectRef idx="0">
+            <a:schemeClr val="accent1"/>
+          </a:effectRef>
+          <a:fontRef idx="minor">
+            <a:schemeClr val="tx1"/>
+          </a:fontRef>
+        </p:style>
+      </p:cxnSp>
+      <p:cxnSp>
+        <p:nvCxnSpPr>
+          <p:cNvPr id="7" name="Straight Arrow Connector 6"/>
+          <p:cNvCxnSpPr>
+            <a:stCxn id="1028" idx="3"/>
+            <a:endCxn id="1026" idx="1"/>
+          </p:cNvCxnSpPr>
+          <p:nvPr/>
+        </p:nvCxnSpPr>
+        <p:spPr>
+          <a:xfrm flipV="1">
+            <a:off x="1914755" y="4430557"/>
+            <a:ext cx="1329188" cy="500707"/>
+          </a:xfrm>
+          <a:prstGeom prst="straightConnector1">
+            <a:avLst/>
+          </a:prstGeom>
+          <a:ln>
+            <a:tailEnd type="arrow"/>
+          </a:ln>
+        </p:spPr>
+        <p:style>
+          <a:lnRef idx="1">
+            <a:schemeClr val="accent1"/>
+          </a:lnRef>
+          <a:fillRef idx="0">
+            <a:schemeClr val="accent1"/>
+          </a:fillRef>
+          <a:effectRef idx="0">
+            <a:schemeClr val="accent1"/>
+          </a:effectRef>
+          <a:fontRef idx="minor">
+            <a:schemeClr val="tx1"/>
+          </a:fontRef>
+        </p:style>
+      </p:cxnSp>
+      <p:cxnSp>
+        <p:nvCxnSpPr>
+          <p:cNvPr id="9" name="Straight Arrow Connector 8"/>
+          <p:cNvCxnSpPr>
+            <a:stCxn id="1029" idx="3"/>
+            <a:endCxn id="1026" idx="1"/>
+          </p:cNvCxnSpPr>
+          <p:nvPr/>
+        </p:nvCxnSpPr>
+        <p:spPr>
+          <a:xfrm flipV="1">
+            <a:off x="1981838" y="4430557"/>
+            <a:ext cx="1262105" cy="1416844"/>
+          </a:xfrm>
+          <a:prstGeom prst="straightConnector1">
+            <a:avLst/>
+          </a:prstGeom>
+          <a:ln>
+            <a:tailEnd type="arrow"/>
+          </a:ln>
+        </p:spPr>
+        <p:style>
+          <a:lnRef idx="1">
+            <a:schemeClr val="accent1"/>
+          </a:lnRef>
+          <a:fillRef idx="0">
+            <a:schemeClr val="accent1"/>
+          </a:fillRef>
+          <a:effectRef idx="0">
+            <a:schemeClr val="accent1"/>
+          </a:effectRef>
+          <a:fontRef idx="minor">
+            <a:schemeClr val="tx1"/>
+          </a:fontRef>
+        </p:style>
+      </p:cxnSp>
+      <p:cxnSp>
+        <p:nvCxnSpPr>
+          <p:cNvPr id="11" name="Straight Arrow Connector 10"/>
+          <p:cNvCxnSpPr>
+            <a:stCxn id="1026" idx="3"/>
+            <a:endCxn id="1030" idx="1"/>
+          </p:cNvCxnSpPr>
+          <p:nvPr/>
+        </p:nvCxnSpPr>
+        <p:spPr>
+          <a:xfrm>
+            <a:off x="5080681" y="4430557"/>
+            <a:ext cx="939119" cy="125564"/>
+          </a:xfrm>
+          <a:prstGeom prst="straightConnector1">
+            <a:avLst/>
+          </a:prstGeom>
+          <a:ln>
+            <a:tailEnd type="arrow"/>
+          </a:ln>
+        </p:spPr>
+        <p:style>
+          <a:lnRef idx="1">
+            <a:schemeClr val="accent1"/>
+          </a:lnRef>
+          <a:fillRef idx="0">
+            <a:schemeClr val="accent1"/>
+          </a:fillRef>
+          <a:effectRef idx="0">
+            <a:schemeClr val="accent1"/>
+          </a:effectRef>
+          <a:fontRef idx="minor">
+            <a:schemeClr val="tx1"/>
+          </a:fontRef>
+        </p:style>
+      </p:cxnSp>
+    </p:spTree>
+    <p:extLst>
+      <p:ext uri="{BB962C8B-B14F-4D97-AF65-F5344CB8AC3E}">
+        <p14:creationId xmlns:p14="http://schemas.microsoft.com/office/powerpoint/2010/main" val="3312711154"/>
+      </p:ext>
+    </p:extLst>
+  </p:cSld>
+  <p:clrMapOvr>
+    <a:masterClrMapping/>
+  </p:clrMapOvr>
+</p:sld>
+</file>
+
+<file path=ppt/slides/slide15.xml><?xml version="1.0" encoding="utf-8"?>
 <p:sld xmlns:a="http://schemas.openxmlformats.org/drawingml/2006/main" xmlns:r="http://schemas.openxmlformats.org/officeDocument/2006/relationships" xmlns:p="http://schemas.openxmlformats.org/presentationml/2006/main">
   <p:cSld>
     <p:spTree>
@@ -3417,10 +4082,17 @@
   <p:clrMapOvr>
     <a:masterClrMapping/>
   </p:clrMapOvr>
+  <p:timing>
+    <p:tnLst>
+      <p:par>
+        <p:cTn id="1" dur="indefinite" restart="never" nodeType="tmRoot"/>
+      </p:par>
+    </p:tnLst>
+  </p:timing>
 </p:sld>
 </file>
 
-<file path=ppt/slides/slide13.xml><?xml version="1.0" encoding="utf-8"?>
+<file path=ppt/slides/slide16.xml><?xml version="1.0" encoding="utf-8"?>
 <p:sld xmlns:a="http://schemas.openxmlformats.org/drawingml/2006/main" xmlns:r="http://schemas.openxmlformats.org/officeDocument/2006/relationships" xmlns:p="http://schemas.openxmlformats.org/presentationml/2006/main">
   <p:cSld>
     <p:spTree>
@@ -3499,10 +4171,17 @@
   <p:clrMapOvr>
     <a:masterClrMapping/>
   </p:clrMapOvr>
+  <p:timing>
+    <p:tnLst>
+      <p:par>
+        <p:cTn id="1" dur="indefinite" restart="never" nodeType="tmRoot"/>
+      </p:par>
+    </p:tnLst>
+  </p:timing>
 </p:sld>
 </file>
 
-<file path=ppt/slides/slide14.xml><?xml version="1.0" encoding="utf-8"?>
+<file path=ppt/slides/slide17.xml><?xml version="1.0" encoding="utf-8"?>
 <p:sld xmlns:a="http://schemas.openxmlformats.org/drawingml/2006/main" xmlns:r="http://schemas.openxmlformats.org/officeDocument/2006/relationships" xmlns:p="http://schemas.openxmlformats.org/presentationml/2006/main">
   <p:cSld>
     <p:spTree>
@@ -3570,21 +4249,13 @@
           <a:p>
             <a:r>
               <a:rPr lang="en-US" dirty="0" smtClean="0"/>
-              <a:t>Power </a:t>
-            </a:r>
+              <a:t>Power BI licensed user</a:t>
+            </a:r>
+          </a:p>
+          <a:p>
             <a:r>
               <a:rPr lang="en-US" dirty="0" smtClean="0"/>
-              <a:t>BI licensed user</a:t>
-            </a:r>
-          </a:p>
-          <a:p>
-            <a:r>
-              <a:rPr lang="en-US" dirty="0" smtClean="0"/>
-              <a:t>Power </a:t>
-            </a:r>
-            <a:r>
-              <a:rPr lang="en-US" dirty="0" smtClean="0"/>
-              <a:t>BI premium content</a:t>
+              <a:t>Power BI premium content</a:t>
             </a:r>
             <a:endParaRPr lang="en-US" dirty="0"/>
           </a:p>
@@ -3815,10 +4486,17 @@
   <p:clrMapOvr>
     <a:masterClrMapping/>
   </p:clrMapOvr>
+  <p:timing>
+    <p:tnLst>
+      <p:par>
+        <p:cTn id="1" dur="indefinite" restart="never" nodeType="tmRoot"/>
+      </p:par>
+    </p:tnLst>
+  </p:timing>
 </p:sld>
 </file>
 
-<file path=ppt/slides/slide15.xml><?xml version="1.0" encoding="utf-8"?>
+<file path=ppt/slides/slide18.xml><?xml version="1.0" encoding="utf-8"?>
 <p:sld xmlns:a="http://schemas.openxmlformats.org/drawingml/2006/main" xmlns:r="http://schemas.openxmlformats.org/officeDocument/2006/relationships" xmlns:p="http://schemas.openxmlformats.org/presentationml/2006/main">
   <p:cSld>
     <p:spTree>
@@ -3927,10 +4605,17 @@
   <p:clrMapOvr>
     <a:masterClrMapping/>
   </p:clrMapOvr>
+  <p:timing>
+    <p:tnLst>
+      <p:par>
+        <p:cTn id="1" dur="indefinite" restart="never" nodeType="tmRoot"/>
+      </p:par>
+    </p:tnLst>
+  </p:timing>
 </p:sld>
 </file>
 
-<file path=ppt/slides/slide16.xml><?xml version="1.0" encoding="utf-8"?>
+<file path=ppt/slides/slide19.xml><?xml version="1.0" encoding="utf-8"?>
 <p:sld xmlns:a="http://schemas.openxmlformats.org/drawingml/2006/main" xmlns:r="http://schemas.openxmlformats.org/officeDocument/2006/relationships" xmlns:p="http://schemas.openxmlformats.org/presentationml/2006/main">
   <p:cSld>
     <p:spTree>
@@ -4023,10 +4708,153 @@
   <p:clrMapOvr>
     <a:masterClrMapping/>
   </p:clrMapOvr>
+  <p:timing>
+    <p:tnLst>
+      <p:par>
+        <p:cTn id="1" dur="indefinite" restart="never" nodeType="tmRoot"/>
+      </p:par>
+    </p:tnLst>
+  </p:timing>
 </p:sld>
 </file>
 
-<file path=ppt/slides/slide17.xml><?xml version="1.0" encoding="utf-8"?>
+<file path=ppt/slides/slide2.xml><?xml version="1.0" encoding="utf-8"?>
+<p:sld xmlns:a="http://schemas.openxmlformats.org/drawingml/2006/main" xmlns:r="http://schemas.openxmlformats.org/officeDocument/2006/relationships" xmlns:p="http://schemas.openxmlformats.org/presentationml/2006/main">
+  <p:cSld>
+    <p:spTree>
+      <p:nvGrpSpPr>
+        <p:cNvPr id="1" name=""/>
+        <p:cNvGrpSpPr/>
+        <p:nvPr/>
+      </p:nvGrpSpPr>
+      <p:grpSpPr>
+        <a:xfrm>
+          <a:off x="0" y="0"/>
+          <a:ext cx="0" cy="0"/>
+          <a:chOff x="0" y="0"/>
+          <a:chExt cx="0" cy="0"/>
+        </a:xfrm>
+      </p:grpSpPr>
+      <p:sp>
+        <p:nvSpPr>
+          <p:cNvPr id="2" name="Title 1"/>
+          <p:cNvSpPr>
+            <a:spLocks noGrp="1"/>
+          </p:cNvSpPr>
+          <p:nvPr>
+            <p:ph type="title"/>
+          </p:nvPr>
+        </p:nvSpPr>
+        <p:spPr/>
+        <p:txBody>
+          <a:bodyPr/>
+          <a:lstStyle/>
+          <a:p>
+            <a:r>
+              <a:rPr lang="en-US" dirty="0" smtClean="0"/>
+              <a:t>AGENDA</a:t>
+            </a:r>
+            <a:endParaRPr lang="en-US" dirty="0"/>
+          </a:p>
+        </p:txBody>
+      </p:sp>
+      <p:sp>
+        <p:nvSpPr>
+          <p:cNvPr id="3" name="Content Placeholder 2"/>
+          <p:cNvSpPr>
+            <a:spLocks noGrp="1"/>
+          </p:cNvSpPr>
+          <p:nvPr>
+            <p:ph idx="1"/>
+          </p:nvPr>
+        </p:nvSpPr>
+        <p:spPr/>
+        <p:txBody>
+          <a:bodyPr/>
+          <a:lstStyle/>
+          <a:p>
+            <a:r>
+              <a:rPr lang="en-US" dirty="0" smtClean="0"/>
+              <a:t>My intro</a:t>
+            </a:r>
+          </a:p>
+          <a:p>
+            <a:r>
+              <a:rPr lang="en-US" dirty="0" smtClean="0"/>
+              <a:t>Who has downloaded </a:t>
+            </a:r>
+            <a:r>
+              <a:rPr lang="en-US" dirty="0" err="1" smtClean="0"/>
+              <a:t>PowerBI</a:t>
+            </a:r>
+            <a:endParaRPr lang="en-US" dirty="0" smtClean="0"/>
+          </a:p>
+          <a:p>
+            <a:r>
+              <a:rPr lang="en-US" dirty="0" smtClean="0"/>
+              <a:t>Your intro ( + </a:t>
+            </a:r>
+            <a:r>
+              <a:rPr lang="en-US" dirty="0" err="1" smtClean="0"/>
+              <a:t>Erwartungen</a:t>
+            </a:r>
+            <a:r>
+              <a:rPr lang="en-US" dirty="0" smtClean="0"/>
+              <a:t> ….) </a:t>
+            </a:r>
+          </a:p>
+          <a:p>
+            <a:r>
+              <a:rPr lang="en-US" dirty="0" err="1" smtClean="0"/>
+              <a:t>Datenbank</a:t>
+            </a:r>
+            <a:r>
+              <a:rPr lang="en-US" dirty="0" smtClean="0"/>
+              <a:t> ?</a:t>
+            </a:r>
+          </a:p>
+          <a:p>
+            <a:r>
+              <a:rPr lang="en-US" dirty="0" smtClean="0"/>
+              <a:t>BI</a:t>
+            </a:r>
+          </a:p>
+          <a:p>
+            <a:r>
+              <a:rPr lang="en-US" dirty="0" smtClean="0"/>
+              <a:t>Power BI</a:t>
+            </a:r>
+          </a:p>
+          <a:p>
+            <a:r>
+              <a:rPr lang="en-US" dirty="0" smtClean="0"/>
+              <a:t>TABLEAU</a:t>
+            </a:r>
+          </a:p>
+          <a:p>
+            <a:endParaRPr lang="en-US" dirty="0" smtClean="0"/>
+          </a:p>
+          <a:p>
+            <a:endParaRPr lang="en-US" dirty="0"/>
+          </a:p>
+        </p:txBody>
+      </p:sp>
+    </p:spTree>
+  </p:cSld>
+  <p:clrMapOvr>
+    <a:masterClrMapping/>
+  </p:clrMapOvr>
+  <p:timing>
+    <p:tnLst>
+      <p:par>
+        <p:cTn id="1" dur="indefinite" restart="never" nodeType="tmRoot"/>
+      </p:par>
+    </p:tnLst>
+  </p:timing>
+</p:sld>
+</file>
+
+<file path=ppt/slides/slide20.xml><?xml version="1.0" encoding="utf-8"?>
 <p:sld xmlns:a="http://schemas.openxmlformats.org/drawingml/2006/main" xmlns:r="http://schemas.openxmlformats.org/officeDocument/2006/relationships" xmlns:p="http://schemas.openxmlformats.org/presentationml/2006/main">
   <p:cSld>
     <p:spTree>
@@ -4082,10 +4910,17 @@
   <p:clrMapOvr>
     <a:masterClrMapping/>
   </p:clrMapOvr>
+  <p:timing>
+    <p:tnLst>
+      <p:par>
+        <p:cTn id="1" dur="indefinite" restart="never" nodeType="tmRoot"/>
+      </p:par>
+    </p:tnLst>
+  </p:timing>
 </p:sld>
 </file>
 
-<file path=ppt/slides/slide18.xml><?xml version="1.0" encoding="utf-8"?>
+<file path=ppt/slides/slide21.xml><?xml version="1.0" encoding="utf-8"?>
 <p:sld xmlns:a="http://schemas.openxmlformats.org/drawingml/2006/main" xmlns:r="http://schemas.openxmlformats.org/officeDocument/2006/relationships" xmlns:p="http://schemas.openxmlformats.org/presentationml/2006/main">
   <p:cSld>
     <p:spTree>
@@ -4163,7 +4998,7 @@
 </p:sld>
 </file>
 
-<file path=ppt/slides/slide19.xml><?xml version="1.0" encoding="utf-8"?>
+<file path=ppt/slides/slide22.xml><?xml version="1.0" encoding="utf-8"?>
 <p:sld xmlns:a="http://schemas.openxmlformats.org/drawingml/2006/main" xmlns:r="http://schemas.openxmlformats.org/officeDocument/2006/relationships" xmlns:p="http://schemas.openxmlformats.org/presentationml/2006/main">
   <p:cSld>
     <p:spTree>
@@ -4241,140 +5076,7 @@
 </p:sld>
 </file>
 
-<file path=ppt/slides/slide2.xml><?xml version="1.0" encoding="utf-8"?>
-<p:sld xmlns:a="http://schemas.openxmlformats.org/drawingml/2006/main" xmlns:r="http://schemas.openxmlformats.org/officeDocument/2006/relationships" xmlns:p="http://schemas.openxmlformats.org/presentationml/2006/main">
-  <p:cSld>
-    <p:spTree>
-      <p:nvGrpSpPr>
-        <p:cNvPr id="1" name=""/>
-        <p:cNvGrpSpPr/>
-        <p:nvPr/>
-      </p:nvGrpSpPr>
-      <p:grpSpPr>
-        <a:xfrm>
-          <a:off x="0" y="0"/>
-          <a:ext cx="0" cy="0"/>
-          <a:chOff x="0" y="0"/>
-          <a:chExt cx="0" cy="0"/>
-        </a:xfrm>
-      </p:grpSpPr>
-      <p:sp>
-        <p:nvSpPr>
-          <p:cNvPr id="2" name="Title 1"/>
-          <p:cNvSpPr>
-            <a:spLocks noGrp="1"/>
-          </p:cNvSpPr>
-          <p:nvPr>
-            <p:ph type="title"/>
-          </p:nvPr>
-        </p:nvSpPr>
-        <p:spPr/>
-        <p:txBody>
-          <a:bodyPr/>
-          <a:lstStyle/>
-          <a:p>
-            <a:r>
-              <a:rPr lang="en-US" dirty="0" smtClean="0"/>
-              <a:t>AGENDA</a:t>
-            </a:r>
-            <a:endParaRPr lang="en-US" dirty="0"/>
-          </a:p>
-        </p:txBody>
-      </p:sp>
-      <p:sp>
-        <p:nvSpPr>
-          <p:cNvPr id="3" name="Content Placeholder 2"/>
-          <p:cNvSpPr>
-            <a:spLocks noGrp="1"/>
-          </p:cNvSpPr>
-          <p:nvPr>
-            <p:ph idx="1"/>
-          </p:nvPr>
-        </p:nvSpPr>
-        <p:spPr/>
-        <p:txBody>
-          <a:bodyPr/>
-          <a:lstStyle/>
-          <a:p>
-            <a:r>
-              <a:rPr lang="en-US" dirty="0" smtClean="0"/>
-              <a:t>My intro</a:t>
-            </a:r>
-          </a:p>
-          <a:p>
-            <a:r>
-              <a:rPr lang="en-US" dirty="0" smtClean="0"/>
-              <a:t>Who has downloaded TABLEAU and </a:t>
-            </a:r>
-            <a:r>
-              <a:rPr lang="en-US" dirty="0" err="1" smtClean="0"/>
-              <a:t>PowerBI</a:t>
-            </a:r>
-            <a:endParaRPr lang="en-US" dirty="0" smtClean="0"/>
-          </a:p>
-          <a:p>
-            <a:r>
-              <a:rPr lang="en-US" dirty="0" smtClean="0"/>
-              <a:t>Your intro ( + </a:t>
-            </a:r>
-            <a:r>
-              <a:rPr lang="en-US" dirty="0" err="1" smtClean="0"/>
-              <a:t>E</a:t>
-            </a:r>
-            <a:r>
-              <a:rPr lang="en-US" dirty="0" err="1" smtClean="0"/>
-              <a:t>rwartungen</a:t>
-            </a:r>
-            <a:r>
-              <a:rPr lang="en-US" dirty="0" smtClean="0"/>
-              <a:t> ….) </a:t>
-            </a:r>
-          </a:p>
-          <a:p>
-            <a:r>
-              <a:rPr lang="en-US" dirty="0" err="1" smtClean="0"/>
-              <a:t>Datenbank</a:t>
-            </a:r>
-            <a:r>
-              <a:rPr lang="en-US" dirty="0" smtClean="0"/>
-              <a:t> ?</a:t>
-            </a:r>
-          </a:p>
-          <a:p>
-            <a:r>
-              <a:rPr lang="en-US" dirty="0" smtClean="0"/>
-              <a:t>BI</a:t>
-            </a:r>
-          </a:p>
-          <a:p>
-            <a:r>
-              <a:rPr lang="en-US" dirty="0" smtClean="0"/>
-              <a:t>Power BI</a:t>
-            </a:r>
-          </a:p>
-          <a:p>
-            <a:r>
-              <a:rPr lang="en-US" dirty="0" smtClean="0"/>
-              <a:t>TABLEAU</a:t>
-            </a:r>
-          </a:p>
-          <a:p>
-            <a:endParaRPr lang="en-US" dirty="0" smtClean="0"/>
-          </a:p>
-          <a:p>
-            <a:endParaRPr lang="en-US" dirty="0"/>
-          </a:p>
-        </p:txBody>
-      </p:sp>
-    </p:spTree>
-  </p:cSld>
-  <p:clrMapOvr>
-    <a:masterClrMapping/>
-  </p:clrMapOvr>
-</p:sld>
-</file>
-
-<file path=ppt/slides/slide20.xml><?xml version="1.0" encoding="utf-8"?>
+<file path=ppt/slides/slide23.xml><?xml version="1.0" encoding="utf-8"?>
 <p:sld xmlns:a="http://schemas.openxmlformats.org/drawingml/2006/main" xmlns:r="http://schemas.openxmlformats.org/officeDocument/2006/relationships" xmlns:p="http://schemas.openxmlformats.org/presentationml/2006/main">
   <p:cSld>
     <p:spTree>
@@ -4469,240 +5171,6 @@
 </p:sld>
 </file>
 
-<file path=ppt/slides/slide21.xml><?xml version="1.0" encoding="utf-8"?>
-<p:sld xmlns:a="http://schemas.openxmlformats.org/drawingml/2006/main" xmlns:r="http://schemas.openxmlformats.org/officeDocument/2006/relationships" xmlns:p="http://schemas.openxmlformats.org/presentationml/2006/main">
-  <p:cSld>
-    <p:spTree>
-      <p:nvGrpSpPr>
-        <p:cNvPr id="1" name=""/>
-        <p:cNvGrpSpPr/>
-        <p:nvPr/>
-      </p:nvGrpSpPr>
-      <p:grpSpPr>
-        <a:xfrm>
-          <a:off x="0" y="0"/>
-          <a:ext cx="0" cy="0"/>
-          <a:chOff x="0" y="0"/>
-          <a:chExt cx="0" cy="0"/>
-        </a:xfrm>
-      </p:grpSpPr>
-      <p:sp>
-        <p:nvSpPr>
-          <p:cNvPr id="2" name="Title 1"/>
-          <p:cNvSpPr>
-            <a:spLocks noGrp="1"/>
-          </p:cNvSpPr>
-          <p:nvPr>
-            <p:ph type="title"/>
-          </p:nvPr>
-        </p:nvSpPr>
-        <p:spPr/>
-        <p:txBody>
-          <a:bodyPr/>
-          <a:lstStyle/>
-          <a:p>
-            <a:endParaRPr lang="en-US"/>
-          </a:p>
-        </p:txBody>
-      </p:sp>
-      <p:pic>
-        <p:nvPicPr>
-          <p:cNvPr id="10242" name="Picture 2"/>
-          <p:cNvPicPr>
-            <a:picLocks noGrp="1" noChangeAspect="1" noChangeArrowheads="1"/>
-          </p:cNvPicPr>
-          <p:nvPr>
-            <p:ph idx="1"/>
-          </p:nvPr>
-        </p:nvPicPr>
-        <p:blipFill>
-          <a:blip r:embed="rId2" cstate="print"/>
-          <a:srcRect/>
-          <a:stretch>
-            <a:fillRect/>
-          </a:stretch>
-        </p:blipFill>
-        <p:spPr bwMode="auto">
-          <a:xfrm>
-            <a:off x="381000" y="838200"/>
-            <a:ext cx="8630928" cy="5287963"/>
-          </a:xfrm>
-          <a:prstGeom prst="rect">
-            <a:avLst/>
-          </a:prstGeom>
-          <a:noFill/>
-          <a:ln w="9525">
-            <a:noFill/>
-            <a:miter lim="800000"/>
-            <a:headEnd/>
-            <a:tailEnd/>
-          </a:ln>
-        </p:spPr>
-      </p:pic>
-    </p:spTree>
-  </p:cSld>
-  <p:clrMapOvr>
-    <a:masterClrMapping/>
-  </p:clrMapOvr>
-</p:sld>
-</file>
-
-<file path=ppt/slides/slide22.xml><?xml version="1.0" encoding="utf-8"?>
-<p:sld xmlns:a="http://schemas.openxmlformats.org/drawingml/2006/main" xmlns:r="http://schemas.openxmlformats.org/officeDocument/2006/relationships" xmlns:p="http://schemas.openxmlformats.org/presentationml/2006/main">
-  <p:cSld>
-    <p:spTree>
-      <p:nvGrpSpPr>
-        <p:cNvPr id="1" name=""/>
-        <p:cNvGrpSpPr/>
-        <p:nvPr/>
-      </p:nvGrpSpPr>
-      <p:grpSpPr>
-        <a:xfrm>
-          <a:off x="0" y="0"/>
-          <a:ext cx="0" cy="0"/>
-          <a:chOff x="0" y="0"/>
-          <a:chExt cx="0" cy="0"/>
-        </a:xfrm>
-      </p:grpSpPr>
-      <p:sp>
-        <p:nvSpPr>
-          <p:cNvPr id="2" name="Title 1"/>
-          <p:cNvSpPr>
-            <a:spLocks noGrp="1"/>
-          </p:cNvSpPr>
-          <p:nvPr>
-            <p:ph type="title"/>
-          </p:nvPr>
-        </p:nvSpPr>
-        <p:spPr/>
-        <p:txBody>
-          <a:bodyPr/>
-          <a:lstStyle/>
-          <a:p>
-            <a:endParaRPr lang="en-US"/>
-          </a:p>
-        </p:txBody>
-      </p:sp>
-      <p:pic>
-        <p:nvPicPr>
-          <p:cNvPr id="11266" name="Picture 2"/>
-          <p:cNvPicPr>
-            <a:picLocks noGrp="1" noChangeAspect="1" noChangeArrowheads="1"/>
-          </p:cNvPicPr>
-          <p:nvPr>
-            <p:ph idx="1"/>
-          </p:nvPr>
-        </p:nvPicPr>
-        <p:blipFill>
-          <a:blip r:embed="rId2" cstate="print"/>
-          <a:srcRect/>
-          <a:stretch>
-            <a:fillRect/>
-          </a:stretch>
-        </p:blipFill>
-        <p:spPr bwMode="auto">
-          <a:xfrm>
-            <a:off x="533400" y="304800"/>
-            <a:ext cx="8083681" cy="6154160"/>
-          </a:xfrm>
-          <a:prstGeom prst="rect">
-            <a:avLst/>
-          </a:prstGeom>
-          <a:noFill/>
-          <a:ln w="9525">
-            <a:noFill/>
-            <a:miter lim="800000"/>
-            <a:headEnd/>
-            <a:tailEnd/>
-          </a:ln>
-        </p:spPr>
-      </p:pic>
-    </p:spTree>
-  </p:cSld>
-  <p:clrMapOvr>
-    <a:masterClrMapping/>
-  </p:clrMapOvr>
-</p:sld>
-</file>
-
-<file path=ppt/slides/slide23.xml><?xml version="1.0" encoding="utf-8"?>
-<p:sld xmlns:a="http://schemas.openxmlformats.org/drawingml/2006/main" xmlns:r="http://schemas.openxmlformats.org/officeDocument/2006/relationships" xmlns:p="http://schemas.openxmlformats.org/presentationml/2006/main">
-  <p:cSld>
-    <p:spTree>
-      <p:nvGrpSpPr>
-        <p:cNvPr id="1" name=""/>
-        <p:cNvGrpSpPr/>
-        <p:nvPr/>
-      </p:nvGrpSpPr>
-      <p:grpSpPr>
-        <a:xfrm>
-          <a:off x="0" y="0"/>
-          <a:ext cx="0" cy="0"/>
-          <a:chOff x="0" y="0"/>
-          <a:chExt cx="0" cy="0"/>
-        </a:xfrm>
-      </p:grpSpPr>
-      <p:sp>
-        <p:nvSpPr>
-          <p:cNvPr id="2" name="Title 1"/>
-          <p:cNvSpPr>
-            <a:spLocks noGrp="1"/>
-          </p:cNvSpPr>
-          <p:nvPr>
-            <p:ph type="title"/>
-          </p:nvPr>
-        </p:nvSpPr>
-        <p:spPr/>
-        <p:txBody>
-          <a:bodyPr/>
-          <a:lstStyle/>
-          <a:p>
-            <a:endParaRPr lang="en-US"/>
-          </a:p>
-        </p:txBody>
-      </p:sp>
-      <p:pic>
-        <p:nvPicPr>
-          <p:cNvPr id="12290" name="Picture 2"/>
-          <p:cNvPicPr>
-            <a:picLocks noGrp="1" noChangeAspect="1" noChangeArrowheads="1"/>
-          </p:cNvPicPr>
-          <p:nvPr>
-            <p:ph idx="1"/>
-          </p:nvPr>
-        </p:nvPicPr>
-        <p:blipFill>
-          <a:blip r:embed="rId2" cstate="print"/>
-          <a:srcRect/>
-          <a:stretch>
-            <a:fillRect/>
-          </a:stretch>
-        </p:blipFill>
-        <p:spPr bwMode="auto">
-          <a:xfrm>
-            <a:off x="2432072" y="1600200"/>
-            <a:ext cx="4279856" cy="4525963"/>
-          </a:xfrm>
-          <a:prstGeom prst="rect">
-            <a:avLst/>
-          </a:prstGeom>
-          <a:noFill/>
-          <a:ln w="9525">
-            <a:noFill/>
-            <a:miter lim="800000"/>
-            <a:headEnd/>
-            <a:tailEnd/>
-          </a:ln>
-        </p:spPr>
-      </p:pic>
-    </p:spTree>
-  </p:cSld>
-  <p:clrMapOvr>
-    <a:masterClrMapping/>
-  </p:clrMapOvr>
-</p:sld>
-</file>
-
 <file path=ppt/slides/slide24.xml><?xml version="1.0" encoding="utf-8"?>
 <p:sld xmlns:a="http://schemas.openxmlformats.org/drawingml/2006/main" xmlns:r="http://schemas.openxmlformats.org/officeDocument/2006/relationships" xmlns:p="http://schemas.openxmlformats.org/presentationml/2006/main">
   <p:cSld>
@@ -4741,7 +5209,7 @@
       </p:sp>
       <p:pic>
         <p:nvPicPr>
-          <p:cNvPr id="13314" name="Picture 2"/>
+          <p:cNvPr id="10242" name="Picture 2"/>
           <p:cNvPicPr>
             <a:picLocks noGrp="1" noChangeAspect="1" noChangeArrowheads="1"/>
           </p:cNvPicPr>
@@ -4758,8 +5226,8 @@
         </p:blipFill>
         <p:spPr bwMode="auto">
           <a:xfrm>
-            <a:off x="1295400" y="0"/>
-            <a:ext cx="6227273" cy="6757090"/>
+            <a:off x="381000" y="838200"/>
+            <a:ext cx="8630928" cy="5287963"/>
           </a:xfrm>
           <a:prstGeom prst="rect">
             <a:avLst/>
@@ -4813,17 +5281,13 @@
           <a:bodyPr/>
           <a:lstStyle/>
           <a:p>
-            <a:r>
-              <a:rPr lang="en-US" dirty="0" smtClean="0"/>
-              <a:t>PowerBI.com</a:t>
-            </a:r>
-            <a:endParaRPr lang="en-US" dirty="0"/>
+            <a:endParaRPr lang="en-US"/>
           </a:p>
         </p:txBody>
       </p:sp>
       <p:pic>
         <p:nvPicPr>
-          <p:cNvPr id="23554" name="Picture 2"/>
+          <p:cNvPr id="11266" name="Picture 2"/>
           <p:cNvPicPr>
             <a:picLocks noGrp="1" noChangeAspect="1" noChangeArrowheads="1"/>
           </p:cNvPicPr>
@@ -4840,8 +5304,8 @@
         </p:blipFill>
         <p:spPr bwMode="auto">
           <a:xfrm>
-            <a:off x="457200" y="2090300"/>
-            <a:ext cx="8229600" cy="3545762"/>
+            <a:off x="533400" y="304800"/>
+            <a:ext cx="8083681" cy="6154160"/>
           </a:xfrm>
           <a:prstGeom prst="rect">
             <a:avLst/>
@@ -4901,7 +5365,7 @@
       </p:sp>
       <p:pic>
         <p:nvPicPr>
-          <p:cNvPr id="24578" name="Picture 2"/>
+          <p:cNvPr id="12290" name="Picture 2"/>
           <p:cNvPicPr>
             <a:picLocks noGrp="1" noChangeAspect="1" noChangeArrowheads="1"/>
           </p:cNvPicPr>
@@ -4918,8 +5382,8 @@
         </p:blipFill>
         <p:spPr bwMode="auto">
           <a:xfrm>
-            <a:off x="457200" y="1992296"/>
-            <a:ext cx="8229600" cy="3741771"/>
+            <a:off x="2432072" y="1600200"/>
+            <a:ext cx="4279856" cy="4525963"/>
           </a:xfrm>
           <a:prstGeom prst="rect">
             <a:avLst/>
@@ -4979,7 +5443,7 @@
       </p:sp>
       <p:pic>
         <p:nvPicPr>
-          <p:cNvPr id="25602" name="Picture 2"/>
+          <p:cNvPr id="13314" name="Picture 2"/>
           <p:cNvPicPr>
             <a:picLocks noGrp="1" noChangeAspect="1" noChangeArrowheads="1"/>
           </p:cNvPicPr>
@@ -4996,8 +5460,8 @@
         </p:blipFill>
         <p:spPr bwMode="auto">
           <a:xfrm>
-            <a:off x="457200" y="1940646"/>
-            <a:ext cx="8229600" cy="3845071"/>
+            <a:off x="1295400" y="0"/>
+            <a:ext cx="6227273" cy="6757090"/>
           </a:xfrm>
           <a:prstGeom prst="rect">
             <a:avLst/>
@@ -5051,13 +5515,17 @@
           <a:bodyPr/>
           <a:lstStyle/>
           <a:p>
-            <a:endParaRPr lang="en-US"/>
+            <a:r>
+              <a:rPr lang="en-US" dirty="0" smtClean="0"/>
+              <a:t>PowerBI.com</a:t>
+            </a:r>
+            <a:endParaRPr lang="en-US" dirty="0"/>
           </a:p>
         </p:txBody>
       </p:sp>
       <p:pic>
         <p:nvPicPr>
-          <p:cNvPr id="26627" name="Picture 3"/>
+          <p:cNvPr id="23554" name="Picture 2"/>
           <p:cNvPicPr>
             <a:picLocks noGrp="1" noChangeAspect="1" noChangeArrowheads="1"/>
           </p:cNvPicPr>
@@ -5074,8 +5542,8 @@
         </p:blipFill>
         <p:spPr bwMode="auto">
           <a:xfrm>
-            <a:off x="457200" y="1738302"/>
-            <a:ext cx="8229600" cy="4249759"/>
+            <a:off x="457200" y="2090300"/>
+            <a:ext cx="8229600" cy="3545762"/>
           </a:xfrm>
           <a:prstGeom prst="rect">
             <a:avLst/>
@@ -5116,42 +5584,57 @@
       </p:grpSpPr>
       <p:sp>
         <p:nvSpPr>
-          <p:cNvPr id="3" name="Content Placeholder 2"/>
-          <p:cNvSpPr>
-            <a:spLocks noGrp="1"/>
-          </p:cNvSpPr>
+          <p:cNvPr id="2" name="Title 1"/>
+          <p:cNvSpPr>
+            <a:spLocks noGrp="1"/>
+          </p:cNvSpPr>
+          <p:nvPr>
+            <p:ph type="title"/>
+          </p:nvPr>
+        </p:nvSpPr>
+        <p:spPr/>
+        <p:txBody>
+          <a:bodyPr/>
+          <a:lstStyle/>
+          <a:p>
+            <a:endParaRPr lang="en-US"/>
+          </a:p>
+        </p:txBody>
+      </p:sp>
+      <p:pic>
+        <p:nvPicPr>
+          <p:cNvPr id="24578" name="Picture 2"/>
+          <p:cNvPicPr>
+            <a:picLocks noGrp="1" noChangeAspect="1" noChangeArrowheads="1"/>
+          </p:cNvPicPr>
           <p:nvPr>
             <p:ph idx="1"/>
           </p:nvPr>
-        </p:nvSpPr>
-        <p:spPr/>
-        <p:txBody>
-          <a:bodyPr/>
-          <a:lstStyle/>
-          <a:p>
-            <a:endParaRPr lang="en-US"/>
-          </a:p>
-        </p:txBody>
-      </p:sp>
-      <p:sp>
-        <p:nvSpPr>
-          <p:cNvPr id="4" name="Title 3"/>
-          <p:cNvSpPr>
-            <a:spLocks noGrp="1"/>
-          </p:cNvSpPr>
-          <p:nvPr>
-            <p:ph type="title"/>
-          </p:nvPr>
-        </p:nvSpPr>
-        <p:spPr/>
-        <p:txBody>
-          <a:bodyPr/>
-          <a:lstStyle/>
-          <a:p>
-            <a:endParaRPr lang="en-US"/>
-          </a:p>
-        </p:txBody>
-      </p:sp>
+        </p:nvPicPr>
+        <p:blipFill>
+          <a:blip r:embed="rId2" cstate="print"/>
+          <a:srcRect/>
+          <a:stretch>
+            <a:fillRect/>
+          </a:stretch>
+        </p:blipFill>
+        <p:spPr bwMode="auto">
+          <a:xfrm>
+            <a:off x="457200" y="1992296"/>
+            <a:ext cx="8229600" cy="3741771"/>
+          </a:xfrm>
+          <a:prstGeom prst="rect">
+            <a:avLst/>
+          </a:prstGeom>
+          <a:noFill/>
+          <a:ln w="9525">
+            <a:noFill/>
+            <a:miter lim="800000"/>
+            <a:headEnd/>
+            <a:tailEnd/>
+          </a:ln>
+        </p:spPr>
+      </p:pic>
     </p:spTree>
   </p:cSld>
   <p:clrMapOvr>
@@ -5177,6 +5660,92 @@
           <a:chExt cx="0" cy="0"/>
         </a:xfrm>
       </p:grpSpPr>
+      <p:pic>
+        <p:nvPicPr>
+          <p:cNvPr id="1026" name="Picture 2"/>
+          <p:cNvPicPr>
+            <a:picLocks noGrp="1" noChangeAspect="1" noChangeArrowheads="1"/>
+          </p:cNvPicPr>
+          <p:nvPr>
+            <p:ph idx="1"/>
+          </p:nvPr>
+        </p:nvPicPr>
+        <p:blipFill>
+          <a:blip r:embed="rId2">
+            <a:extLst>
+              <a:ext uri="{28A0092B-C50C-407E-A947-70E740481C1C}">
+                <a14:useLocalDpi xmlns:a14="http://schemas.microsoft.com/office/drawing/2010/main" val="0"/>
+              </a:ext>
+            </a:extLst>
+          </a:blip>
+          <a:srcRect/>
+          <a:stretch>
+            <a:fillRect/>
+          </a:stretch>
+        </p:blipFill>
+        <p:spPr bwMode="auto">
+          <a:xfrm>
+            <a:off x="862012" y="1862931"/>
+            <a:ext cx="7419975" cy="4000500"/>
+          </a:xfrm>
+          <a:prstGeom prst="rect">
+            <a:avLst/>
+          </a:prstGeom>
+          <a:noFill/>
+          <a:ln>
+            <a:noFill/>
+          </a:ln>
+          <a:extLst>
+            <a:ext uri="{909E8E84-426E-40DD-AFC4-6F175D3DCCD1}">
+              <a14:hiddenFill xmlns:a14="http://schemas.microsoft.com/office/drawing/2010/main">
+                <a:solidFill>
+                  <a:schemeClr val="accent1"/>
+                </a:solidFill>
+              </a14:hiddenFill>
+            </a:ext>
+            <a:ext uri="{91240B29-F687-4F45-9708-019B960494DF}">
+              <a14:hiddenLine xmlns:a14="http://schemas.microsoft.com/office/drawing/2010/main" w="9525">
+                <a:solidFill>
+                  <a:schemeClr val="tx1"/>
+                </a:solidFill>
+                <a:miter lim="800000"/>
+                <a:headEnd/>
+                <a:tailEnd/>
+              </a14:hiddenLine>
+            </a:ext>
+          </a:extLst>
+        </p:spPr>
+      </p:pic>
+    </p:spTree>
+    <p:extLst>
+      <p:ext uri="{BB962C8B-B14F-4D97-AF65-F5344CB8AC3E}">
+        <p14:creationId xmlns:p14="http://schemas.microsoft.com/office/powerpoint/2010/main" val="3777184536"/>
+      </p:ext>
+    </p:extLst>
+  </p:cSld>
+  <p:clrMapOvr>
+    <a:masterClrMapping/>
+  </p:clrMapOvr>
+</p:sld>
+</file>
+
+<file path=ppt/slides/slide30.xml><?xml version="1.0" encoding="utf-8"?>
+<p:sld xmlns:a="http://schemas.openxmlformats.org/drawingml/2006/main" xmlns:r="http://schemas.openxmlformats.org/officeDocument/2006/relationships" xmlns:p="http://schemas.openxmlformats.org/presentationml/2006/main">
+  <p:cSld>
+    <p:spTree>
+      <p:nvGrpSpPr>
+        <p:cNvPr id="1" name=""/>
+        <p:cNvGrpSpPr/>
+        <p:nvPr/>
+      </p:nvGrpSpPr>
+      <p:grpSpPr>
+        <a:xfrm>
+          <a:off x="0" y="0"/>
+          <a:ext cx="0" cy="0"/>
+          <a:chOff x="0" y="0"/>
+          <a:chExt cx="0" cy="0"/>
+        </a:xfrm>
+      </p:grpSpPr>
       <p:sp>
         <p:nvSpPr>
           <p:cNvPr id="2" name="Title 1"/>
@@ -5189,69 +5758,47 @@
         </p:nvSpPr>
         <p:spPr/>
         <p:txBody>
-          <a:bodyPr>
-            <a:normAutofit fontScale="90000"/>
-          </a:bodyPr>
-          <a:lstStyle/>
-          <a:p>
-            <a:r>
-              <a:rPr lang="en-US" dirty="0" smtClean="0"/>
-              <a:t>Download Power Bi + Tableau Public</a:t>
-            </a:r>
-            <a:endParaRPr lang="en-US" dirty="0"/>
-          </a:p>
-        </p:txBody>
-      </p:sp>
-      <p:sp>
-        <p:nvSpPr>
-          <p:cNvPr id="3" name="Content Placeholder 2"/>
-          <p:cNvSpPr>
-            <a:spLocks noGrp="1"/>
-          </p:cNvSpPr>
+          <a:bodyPr/>
+          <a:lstStyle/>
+          <a:p>
+            <a:endParaRPr lang="en-US"/>
+          </a:p>
+        </p:txBody>
+      </p:sp>
+      <p:pic>
+        <p:nvPicPr>
+          <p:cNvPr id="25602" name="Picture 2"/>
+          <p:cNvPicPr>
+            <a:picLocks noGrp="1" noChangeAspect="1" noChangeArrowheads="1"/>
+          </p:cNvPicPr>
           <p:nvPr>
             <p:ph idx="1"/>
           </p:nvPr>
-        </p:nvSpPr>
-        <p:spPr/>
-        <p:txBody>
-          <a:bodyPr/>
-          <a:lstStyle/>
-          <a:p>
-            <a:r>
-              <a:rPr lang="en-US" dirty="0" smtClean="0">
-                <a:hlinkClick r:id="rId2"/>
-              </a:rPr>
-              <a:t>https://</a:t>
-            </a:r>
-            <a:r>
-              <a:rPr lang="en-US" dirty="0" smtClean="0">
-                <a:hlinkClick r:id="rId2"/>
-              </a:rPr>
-              <a:t>github.com/rao003/StartProgramming/tree/master/BusinessIntelligence</a:t>
-            </a:r>
-            <a:endParaRPr lang="en-US" dirty="0" smtClean="0"/>
-          </a:p>
-          <a:p>
-            <a:endParaRPr lang="en-US" dirty="0" smtClean="0"/>
-          </a:p>
-          <a:p>
-            <a:endParaRPr lang="en-US" dirty="0" smtClean="0"/>
-          </a:p>
-          <a:p>
-            <a:pPr>
-              <a:buNone/>
-            </a:pPr>
-            <a:r>
-              <a:rPr lang="en-US" dirty="0" smtClean="0"/>
-              <a:t>+ online material </a:t>
-            </a:r>
-            <a:endParaRPr lang="en-US" dirty="0" smtClean="0"/>
-          </a:p>
-          <a:p>
-            <a:endParaRPr lang="en-US" dirty="0"/>
-          </a:p>
-        </p:txBody>
-      </p:sp>
+        </p:nvPicPr>
+        <p:blipFill>
+          <a:blip r:embed="rId2" cstate="print"/>
+          <a:srcRect/>
+          <a:stretch>
+            <a:fillRect/>
+          </a:stretch>
+        </p:blipFill>
+        <p:spPr bwMode="auto">
+          <a:xfrm>
+            <a:off x="457200" y="1940646"/>
+            <a:ext cx="8229600" cy="3845071"/>
+          </a:xfrm>
+          <a:prstGeom prst="rect">
+            <a:avLst/>
+          </a:prstGeom>
+          <a:noFill/>
+          <a:ln w="9525">
+            <a:noFill/>
+            <a:miter lim="800000"/>
+            <a:headEnd/>
+            <a:tailEnd/>
+          </a:ln>
+        </p:spPr>
+      </p:pic>
     </p:spTree>
   </p:cSld>
   <p:clrMapOvr>
@@ -5260,7 +5807,148 @@
 </p:sld>
 </file>
 
-<file path=ppt/slides/slide30.xml><?xml version="1.0" encoding="utf-8"?>
+<file path=ppt/slides/slide31.xml><?xml version="1.0" encoding="utf-8"?>
+<p:sld xmlns:a="http://schemas.openxmlformats.org/drawingml/2006/main" xmlns:r="http://schemas.openxmlformats.org/officeDocument/2006/relationships" xmlns:p="http://schemas.openxmlformats.org/presentationml/2006/main">
+  <p:cSld>
+    <p:spTree>
+      <p:nvGrpSpPr>
+        <p:cNvPr id="1" name=""/>
+        <p:cNvGrpSpPr/>
+        <p:nvPr/>
+      </p:nvGrpSpPr>
+      <p:grpSpPr>
+        <a:xfrm>
+          <a:off x="0" y="0"/>
+          <a:ext cx="0" cy="0"/>
+          <a:chOff x="0" y="0"/>
+          <a:chExt cx="0" cy="0"/>
+        </a:xfrm>
+      </p:grpSpPr>
+      <p:sp>
+        <p:nvSpPr>
+          <p:cNvPr id="2" name="Title 1"/>
+          <p:cNvSpPr>
+            <a:spLocks noGrp="1"/>
+          </p:cNvSpPr>
+          <p:nvPr>
+            <p:ph type="title"/>
+          </p:nvPr>
+        </p:nvSpPr>
+        <p:spPr/>
+        <p:txBody>
+          <a:bodyPr/>
+          <a:lstStyle/>
+          <a:p>
+            <a:endParaRPr lang="en-US"/>
+          </a:p>
+        </p:txBody>
+      </p:sp>
+      <p:pic>
+        <p:nvPicPr>
+          <p:cNvPr id="26627" name="Picture 3"/>
+          <p:cNvPicPr>
+            <a:picLocks noGrp="1" noChangeAspect="1" noChangeArrowheads="1"/>
+          </p:cNvPicPr>
+          <p:nvPr>
+            <p:ph idx="1"/>
+          </p:nvPr>
+        </p:nvPicPr>
+        <p:blipFill>
+          <a:blip r:embed="rId2" cstate="print"/>
+          <a:srcRect/>
+          <a:stretch>
+            <a:fillRect/>
+          </a:stretch>
+        </p:blipFill>
+        <p:spPr bwMode="auto">
+          <a:xfrm>
+            <a:off x="457200" y="1738302"/>
+            <a:ext cx="8229600" cy="4249759"/>
+          </a:xfrm>
+          <a:prstGeom prst="rect">
+            <a:avLst/>
+          </a:prstGeom>
+          <a:noFill/>
+          <a:ln w="9525">
+            <a:noFill/>
+            <a:miter lim="800000"/>
+            <a:headEnd/>
+            <a:tailEnd/>
+          </a:ln>
+        </p:spPr>
+      </p:pic>
+    </p:spTree>
+  </p:cSld>
+  <p:clrMapOvr>
+    <a:masterClrMapping/>
+  </p:clrMapOvr>
+</p:sld>
+</file>
+
+<file path=ppt/slides/slide32.xml><?xml version="1.0" encoding="utf-8"?>
+<p:sld xmlns:a="http://schemas.openxmlformats.org/drawingml/2006/main" xmlns:r="http://schemas.openxmlformats.org/officeDocument/2006/relationships" xmlns:p="http://schemas.openxmlformats.org/presentationml/2006/main">
+  <p:cSld>
+    <p:spTree>
+      <p:nvGrpSpPr>
+        <p:cNvPr id="1" name=""/>
+        <p:cNvGrpSpPr/>
+        <p:nvPr/>
+      </p:nvGrpSpPr>
+      <p:grpSpPr>
+        <a:xfrm>
+          <a:off x="0" y="0"/>
+          <a:ext cx="0" cy="0"/>
+          <a:chOff x="0" y="0"/>
+          <a:chExt cx="0" cy="0"/>
+        </a:xfrm>
+      </p:grpSpPr>
+      <p:sp>
+        <p:nvSpPr>
+          <p:cNvPr id="3" name="Content Placeholder 2"/>
+          <p:cNvSpPr>
+            <a:spLocks noGrp="1"/>
+          </p:cNvSpPr>
+          <p:nvPr>
+            <p:ph idx="1"/>
+          </p:nvPr>
+        </p:nvSpPr>
+        <p:spPr/>
+        <p:txBody>
+          <a:bodyPr/>
+          <a:lstStyle/>
+          <a:p>
+            <a:endParaRPr lang="en-US"/>
+          </a:p>
+        </p:txBody>
+      </p:sp>
+      <p:sp>
+        <p:nvSpPr>
+          <p:cNvPr id="4" name="Title 3"/>
+          <p:cNvSpPr>
+            <a:spLocks noGrp="1"/>
+          </p:cNvSpPr>
+          <p:nvPr>
+            <p:ph type="title"/>
+          </p:nvPr>
+        </p:nvSpPr>
+        <p:spPr/>
+        <p:txBody>
+          <a:bodyPr/>
+          <a:lstStyle/>
+          <a:p>
+            <a:endParaRPr lang="en-US"/>
+          </a:p>
+        </p:txBody>
+      </p:sp>
+    </p:spTree>
+  </p:cSld>
+  <p:clrMapOvr>
+    <a:masterClrMapping/>
+  </p:clrMapOvr>
+</p:sld>
+</file>
+
+<file path=ppt/slides/slide33.xml><?xml version="1.0" encoding="utf-8"?>
 <p:sld xmlns:a="http://schemas.openxmlformats.org/drawingml/2006/main" xmlns:r="http://schemas.openxmlformats.org/officeDocument/2006/relationships" xmlns:p="http://schemas.openxmlformats.org/presentationml/2006/main">
   <p:cSld>
     <p:spTree>
@@ -5342,7 +6030,7 @@
 </p:sld>
 </file>
 
-<file path=ppt/slides/slide31.xml><?xml version="1.0" encoding="utf-8"?>
+<file path=ppt/slides/slide34.xml><?xml version="1.0" encoding="utf-8"?>
 <p:sld xmlns:a="http://schemas.openxmlformats.org/drawingml/2006/main" xmlns:r="http://schemas.openxmlformats.org/officeDocument/2006/relationships" xmlns:p="http://schemas.openxmlformats.org/presentationml/2006/main">
   <p:cSld>
     <p:spTree>
@@ -5467,7 +6155,7 @@
 </p:sld>
 </file>
 
-<file path=ppt/slides/slide32.xml><?xml version="1.0" encoding="utf-8"?>
+<file path=ppt/slides/slide35.xml><?xml version="1.0" encoding="utf-8"?>
 <p:sld xmlns:a="http://schemas.openxmlformats.org/drawingml/2006/main" xmlns:r="http://schemas.openxmlformats.org/officeDocument/2006/relationships" xmlns:p="http://schemas.openxmlformats.org/presentationml/2006/main">
   <p:cSld>
     <p:spTree>
@@ -5545,7 +6233,7 @@
 </p:sld>
 </file>
 
-<file path=ppt/slides/slide33.xml><?xml version="1.0" encoding="utf-8"?>
+<file path=ppt/slides/slide36.xml><?xml version="1.0" encoding="utf-8"?>
 <p:sld xmlns:a="http://schemas.openxmlformats.org/drawingml/2006/main" xmlns:r="http://schemas.openxmlformats.org/officeDocument/2006/relationships" xmlns:p="http://schemas.openxmlformats.org/presentationml/2006/main">
   <p:cSld>
     <p:spTree>
@@ -5640,7 +6328,7 @@
 </p:sld>
 </file>
 
-<file path=ppt/slides/slide34.xml><?xml version="1.0" encoding="utf-8"?>
+<file path=ppt/slides/slide37.xml><?xml version="1.0" encoding="utf-8"?>
 <p:sld xmlns:a="http://schemas.openxmlformats.org/drawingml/2006/main" xmlns:r="http://schemas.openxmlformats.org/officeDocument/2006/relationships" xmlns:p="http://schemas.openxmlformats.org/presentationml/2006/main">
   <p:cSld>
     <p:spTree>
@@ -5718,7 +6406,7 @@
 </p:sld>
 </file>
 
-<file path=ppt/slides/slide35.xml><?xml version="1.0" encoding="utf-8"?>
+<file path=ppt/slides/slide38.xml><?xml version="1.0" encoding="utf-8"?>
 <p:sld xmlns:a="http://schemas.openxmlformats.org/drawingml/2006/main" xmlns:r="http://schemas.openxmlformats.org/officeDocument/2006/relationships" xmlns:p="http://schemas.openxmlformats.org/presentationml/2006/main">
   <p:cSld>
     <p:spTree>
@@ -5796,70 +6484,7 @@
 </p:sld>
 </file>
 
-<file path=ppt/slides/slide36.xml><?xml version="1.0" encoding="utf-8"?>
-<p:sld xmlns:a="http://schemas.openxmlformats.org/drawingml/2006/main" xmlns:r="http://schemas.openxmlformats.org/officeDocument/2006/relationships" xmlns:p="http://schemas.openxmlformats.org/presentationml/2006/main">
-  <p:cSld>
-    <p:spTree>
-      <p:nvGrpSpPr>
-        <p:cNvPr id="1" name=""/>
-        <p:cNvGrpSpPr/>
-        <p:nvPr/>
-      </p:nvGrpSpPr>
-      <p:grpSpPr>
-        <a:xfrm>
-          <a:off x="0" y="0"/>
-          <a:ext cx="0" cy="0"/>
-          <a:chOff x="0" y="0"/>
-          <a:chExt cx="0" cy="0"/>
-        </a:xfrm>
-      </p:grpSpPr>
-      <p:sp>
-        <p:nvSpPr>
-          <p:cNvPr id="2" name="Title 1"/>
-          <p:cNvSpPr>
-            <a:spLocks noGrp="1"/>
-          </p:cNvSpPr>
-          <p:nvPr>
-            <p:ph type="title"/>
-          </p:nvPr>
-        </p:nvSpPr>
-        <p:spPr/>
-        <p:txBody>
-          <a:bodyPr/>
-          <a:lstStyle/>
-          <a:p>
-            <a:endParaRPr lang="en-US"/>
-          </a:p>
-        </p:txBody>
-      </p:sp>
-      <p:sp>
-        <p:nvSpPr>
-          <p:cNvPr id="3" name="Content Placeholder 2"/>
-          <p:cNvSpPr>
-            <a:spLocks noGrp="1"/>
-          </p:cNvSpPr>
-          <p:nvPr>
-            <p:ph idx="1"/>
-          </p:nvPr>
-        </p:nvSpPr>
-        <p:spPr/>
-        <p:txBody>
-          <a:bodyPr/>
-          <a:lstStyle/>
-          <a:p>
-            <a:endParaRPr lang="en-US"/>
-          </a:p>
-        </p:txBody>
-      </p:sp>
-    </p:spTree>
-  </p:cSld>
-  <p:clrMapOvr>
-    <a:masterClrMapping/>
-  </p:clrMapOvr>
-</p:sld>
-</file>
-
-<file path=ppt/slides/slide37.xml><?xml version="1.0" encoding="utf-8"?>
+<file path=ppt/slides/slide39.xml><?xml version="1.0" encoding="utf-8"?>
 <p:sld xmlns:a="http://schemas.openxmlformats.org/drawingml/2006/main" xmlns:r="http://schemas.openxmlformats.org/officeDocument/2006/relationships" xmlns:p="http://schemas.openxmlformats.org/presentationml/2006/main">
   <p:cSld>
     <p:spTree>
@@ -5951,12 +6576,14 @@
         </p:nvSpPr>
         <p:spPr/>
         <p:txBody>
-          <a:bodyPr/>
+          <a:bodyPr>
+            <a:normAutofit fontScale="90000"/>
+          </a:bodyPr>
           <a:lstStyle/>
           <a:p>
             <a:r>
               <a:rPr lang="en-US" dirty="0" smtClean="0"/>
-              <a:t>Business Intelligence</a:t>
+              <a:t>Download Power Bi + Tableau Public</a:t>
             </a:r>
             <a:endParaRPr lang="en-US" dirty="0"/>
           </a:p>
@@ -5974,72 +6601,104 @@
         </p:nvSpPr>
         <p:spPr/>
         <p:txBody>
-          <a:bodyPr>
-            <a:normAutofit fontScale="77500" lnSpcReduction="20000"/>
-          </a:bodyPr>
-          <a:lstStyle/>
-          <a:p>
-            <a:r>
-              <a:rPr lang="de-DE" dirty="0"/>
-              <a:t>Ziel ist die Gewinnung von Erkenntnissen aus den im Unternehmen vorhandenen Daten zur Unterstützung von </a:t>
-            </a:r>
-            <a:r>
-              <a:rPr lang="de-DE" dirty="0">
-                <a:hlinkClick r:id="rId2" tooltip="Managemententscheidung"/>
+          <a:bodyPr/>
+          <a:lstStyle/>
+          <a:p>
+            <a:r>
+              <a:rPr lang="en-US" dirty="0" smtClean="0">
+                <a:hlinkClick r:id="rId2"/>
               </a:rPr>
-              <a:t>Managemententscheidungen</a:t>
-            </a:r>
-            <a:r>
-              <a:rPr lang="de-DE" dirty="0"/>
-              <a:t>.</a:t>
-            </a:r>
-            <a:r>
-              <a:rPr lang="de-DE" baseline="30000" dirty="0">
-                <a:hlinkClick r:id="rId3"/>
-              </a:rPr>
-              <a:t>[3]</a:t>
-            </a:r>
-            <a:r>
-              <a:rPr lang="de-DE" dirty="0"/>
-              <a:t> Die Auswertung von Daten – über das eigene Unternehmen, die Mitbewerber oder die Marktentwicklung – geschieht mit Hilfe analytischer Konzepte sowie mehr oder weniger spezialisierter </a:t>
-            </a:r>
-            <a:r>
-              <a:rPr lang="de-DE" dirty="0">
-                <a:hlinkClick r:id="rId4" tooltip="Software"/>
-              </a:rPr>
-              <a:t>Software</a:t>
-            </a:r>
-            <a:r>
-              <a:rPr lang="de-DE" dirty="0"/>
-              <a:t> und </a:t>
-            </a:r>
-            <a:r>
-              <a:rPr lang="de-DE" dirty="0">
-                <a:hlinkClick r:id="rId5" tooltip="Informationstechnik"/>
-              </a:rPr>
-              <a:t>IT-Systeme</a:t>
-            </a:r>
-            <a:r>
-              <a:rPr lang="de-DE" dirty="0"/>
-              <a:t>. Mit den gewonnenen Erkenntnissen kann das Unternehmen seine Geschäftsabläufe sowie seine Kunden- und Lieferantenbeziehungen erfolgreicher machen; Aspekte hierbei können Kostensenkung, Risikoreduzierung und Wertschöpfung sein</a:t>
-            </a:r>
-            <a:r>
-              <a:rPr lang="de-DE" dirty="0" smtClean="0"/>
-              <a:t>.</a:t>
-            </a:r>
-          </a:p>
-          <a:p>
-            <a:endParaRPr lang="de-DE" dirty="0"/>
+              <a:t>https://github.com/rao003/StartProgramming/tree/master/BusinessIntelligence</a:t>
+            </a:r>
+            <a:endParaRPr lang="en-US" dirty="0" smtClean="0"/>
+          </a:p>
+          <a:p>
+            <a:endParaRPr lang="en-US" dirty="0" smtClean="0"/>
+          </a:p>
+          <a:p>
+            <a:endParaRPr lang="en-US" dirty="0" smtClean="0"/>
           </a:p>
           <a:p>
             <a:pPr>
               <a:buNone/>
             </a:pPr>
             <a:r>
-              <a:rPr lang="de-DE" dirty="0" smtClean="0"/>
-              <a:t>(wikipedia de)</a:t>
-            </a:r>
+              <a:rPr lang="en-US" dirty="0" smtClean="0"/>
+              <a:t>+ online material </a:t>
+            </a:r>
+          </a:p>
+          <a:p>
             <a:endParaRPr lang="en-US" dirty="0"/>
+          </a:p>
+        </p:txBody>
+      </p:sp>
+    </p:spTree>
+  </p:cSld>
+  <p:clrMapOvr>
+    <a:masterClrMapping/>
+  </p:clrMapOvr>
+  <p:timing>
+    <p:tnLst>
+      <p:par>
+        <p:cTn id="1" dur="indefinite" restart="never" nodeType="tmRoot"/>
+      </p:par>
+    </p:tnLst>
+  </p:timing>
+</p:sld>
+</file>
+
+<file path=ppt/slides/slide40.xml><?xml version="1.0" encoding="utf-8"?>
+<p:sld xmlns:a="http://schemas.openxmlformats.org/drawingml/2006/main" xmlns:r="http://schemas.openxmlformats.org/officeDocument/2006/relationships" xmlns:p="http://schemas.openxmlformats.org/presentationml/2006/main">
+  <p:cSld>
+    <p:spTree>
+      <p:nvGrpSpPr>
+        <p:cNvPr id="1" name=""/>
+        <p:cNvGrpSpPr/>
+        <p:nvPr/>
+      </p:nvGrpSpPr>
+      <p:grpSpPr>
+        <a:xfrm>
+          <a:off x="0" y="0"/>
+          <a:ext cx="0" cy="0"/>
+          <a:chOff x="0" y="0"/>
+          <a:chExt cx="0" cy="0"/>
+        </a:xfrm>
+      </p:grpSpPr>
+      <p:sp>
+        <p:nvSpPr>
+          <p:cNvPr id="2" name="Title 1"/>
+          <p:cNvSpPr>
+            <a:spLocks noGrp="1"/>
+          </p:cNvSpPr>
+          <p:nvPr>
+            <p:ph type="title"/>
+          </p:nvPr>
+        </p:nvSpPr>
+        <p:spPr/>
+        <p:txBody>
+          <a:bodyPr/>
+          <a:lstStyle/>
+          <a:p>
+            <a:endParaRPr lang="en-US"/>
+          </a:p>
+        </p:txBody>
+      </p:sp>
+      <p:sp>
+        <p:nvSpPr>
+          <p:cNvPr id="3" name="Content Placeholder 2"/>
+          <p:cNvSpPr>
+            <a:spLocks noGrp="1"/>
+          </p:cNvSpPr>
+          <p:nvPr>
+            <p:ph idx="1"/>
+          </p:nvPr>
+        </p:nvSpPr>
+        <p:spPr/>
+        <p:txBody>
+          <a:bodyPr/>
+          <a:lstStyle/>
+          <a:p>
+            <a:endParaRPr lang="en-US"/>
           </a:p>
         </p:txBody>
       </p:sp>
@@ -6052,6 +6711,142 @@
 </file>
 
 <file path=ppt/slides/slide5.xml><?xml version="1.0" encoding="utf-8"?>
+<p:sld xmlns:a="http://schemas.openxmlformats.org/drawingml/2006/main" xmlns:r="http://schemas.openxmlformats.org/officeDocument/2006/relationships" xmlns:p="http://schemas.openxmlformats.org/presentationml/2006/main">
+  <p:cSld>
+    <p:spTree>
+      <p:nvGrpSpPr>
+        <p:cNvPr id="1" name=""/>
+        <p:cNvGrpSpPr/>
+        <p:nvPr/>
+      </p:nvGrpSpPr>
+      <p:grpSpPr>
+        <a:xfrm>
+          <a:off x="0" y="0"/>
+          <a:ext cx="0" cy="0"/>
+          <a:chOff x="0" y="0"/>
+          <a:chExt cx="0" cy="0"/>
+        </a:xfrm>
+      </p:grpSpPr>
+      <p:sp>
+        <p:nvSpPr>
+          <p:cNvPr id="2" name="Title 1"/>
+          <p:cNvSpPr>
+            <a:spLocks noGrp="1"/>
+          </p:cNvSpPr>
+          <p:nvPr>
+            <p:ph type="title"/>
+          </p:nvPr>
+        </p:nvSpPr>
+        <p:spPr/>
+        <p:txBody>
+          <a:bodyPr/>
+          <a:lstStyle/>
+          <a:p>
+            <a:r>
+              <a:rPr lang="en-US" dirty="0" smtClean="0"/>
+              <a:t>Business Intelligence</a:t>
+            </a:r>
+            <a:endParaRPr lang="en-US" dirty="0"/>
+          </a:p>
+        </p:txBody>
+      </p:sp>
+      <p:sp>
+        <p:nvSpPr>
+          <p:cNvPr id="3" name="Content Placeholder 2"/>
+          <p:cNvSpPr>
+            <a:spLocks noGrp="1"/>
+          </p:cNvSpPr>
+          <p:nvPr>
+            <p:ph idx="1"/>
+          </p:nvPr>
+        </p:nvSpPr>
+        <p:spPr/>
+        <p:txBody>
+          <a:bodyPr>
+            <a:normAutofit fontScale="77500" lnSpcReduction="20000"/>
+          </a:bodyPr>
+          <a:lstStyle/>
+          <a:p>
+            <a:r>
+              <a:rPr lang="de-DE" dirty="0"/>
+              <a:t>Ziel ist die Gewinnung von Erkenntnissen aus den im Unternehmen vorhandenen Daten zur Unterstützung von </a:t>
+            </a:r>
+            <a:r>
+              <a:rPr lang="de-DE" dirty="0">
+                <a:hlinkClick r:id="rId2" tooltip="Managemententscheidung"/>
+              </a:rPr>
+              <a:t>Managemententscheidungen</a:t>
+            </a:r>
+            <a:r>
+              <a:rPr lang="de-DE" dirty="0"/>
+              <a:t>.</a:t>
+            </a:r>
+            <a:r>
+              <a:rPr lang="de-DE" baseline="30000" dirty="0">
+                <a:hlinkClick r:id="rId3"/>
+              </a:rPr>
+              <a:t>[3]</a:t>
+            </a:r>
+            <a:r>
+              <a:rPr lang="de-DE" dirty="0"/>
+              <a:t> Die Auswertung von Daten – über das eigene Unternehmen, die Mitbewerber oder die Marktentwicklung – geschieht mit Hilfe analytischer Konzepte sowie mehr oder weniger spezialisierter </a:t>
+            </a:r>
+            <a:r>
+              <a:rPr lang="de-DE" dirty="0">
+                <a:hlinkClick r:id="rId4" tooltip="Software"/>
+              </a:rPr>
+              <a:t>Software</a:t>
+            </a:r>
+            <a:r>
+              <a:rPr lang="de-DE" dirty="0"/>
+              <a:t> und </a:t>
+            </a:r>
+            <a:r>
+              <a:rPr lang="de-DE" dirty="0">
+                <a:hlinkClick r:id="rId5" tooltip="Informationstechnik"/>
+              </a:rPr>
+              <a:t>IT-Systeme</a:t>
+            </a:r>
+            <a:r>
+              <a:rPr lang="de-DE" dirty="0"/>
+              <a:t>. Mit den gewonnenen Erkenntnissen kann das Unternehmen seine Geschäftsabläufe sowie seine Kunden- und Lieferantenbeziehungen erfolgreicher machen; Aspekte hierbei können Kostensenkung, Risikoreduzierung und Wertschöpfung sein</a:t>
+            </a:r>
+            <a:r>
+              <a:rPr lang="de-DE" dirty="0" smtClean="0"/>
+              <a:t>.</a:t>
+            </a:r>
+          </a:p>
+          <a:p>
+            <a:endParaRPr lang="de-DE" dirty="0"/>
+          </a:p>
+          <a:p>
+            <a:pPr>
+              <a:buNone/>
+            </a:pPr>
+            <a:r>
+              <a:rPr lang="de-DE" dirty="0" smtClean="0"/>
+              <a:t>(wikipedia de)</a:t>
+            </a:r>
+            <a:endParaRPr lang="en-US" dirty="0"/>
+          </a:p>
+        </p:txBody>
+      </p:sp>
+    </p:spTree>
+  </p:cSld>
+  <p:clrMapOvr>
+    <a:masterClrMapping/>
+  </p:clrMapOvr>
+  <p:timing>
+    <p:tnLst>
+      <p:par>
+        <p:cTn id="1" dur="indefinite" restart="never" nodeType="tmRoot"/>
+      </p:par>
+    </p:tnLst>
+  </p:timing>
+</p:sld>
+</file>
+
+<file path=ppt/slides/slide6.xml><?xml version="1.0" encoding="utf-8"?>
 <p:sld xmlns:a="http://schemas.openxmlformats.org/drawingml/2006/main" xmlns:r="http://schemas.openxmlformats.org/officeDocument/2006/relationships" xmlns:p="http://schemas.openxmlformats.org/presentationml/2006/main">
   <p:cSld>
     <p:spTree>
@@ -6107,10 +6902,17 @@
   <p:clrMapOvr>
     <a:masterClrMapping/>
   </p:clrMapOvr>
+  <p:timing>
+    <p:tnLst>
+      <p:par>
+        <p:cTn id="1" dur="indefinite" restart="never" nodeType="tmRoot"/>
+      </p:par>
+    </p:tnLst>
+  </p:timing>
 </p:sld>
 </file>
 
-<file path=ppt/slides/slide6.xml><?xml version="1.0" encoding="utf-8"?>
+<file path=ppt/slides/slide7.xml><?xml version="1.0" encoding="utf-8"?>
 <p:sld xmlns:a="http://schemas.openxmlformats.org/drawingml/2006/main" xmlns:r="http://schemas.openxmlformats.org/officeDocument/2006/relationships" xmlns:p="http://schemas.openxmlformats.org/presentationml/2006/main">
   <p:cSld>
     <p:spTree>
@@ -6166,10 +6968,122 @@
   <p:clrMapOvr>
     <a:masterClrMapping/>
   </p:clrMapOvr>
+  <p:timing>
+    <p:tnLst>
+      <p:par>
+        <p:cTn id="1" dur="indefinite" restart="never" nodeType="tmRoot"/>
+      </p:par>
+    </p:tnLst>
+  </p:timing>
 </p:sld>
 </file>
 
-<file path=ppt/slides/slide7.xml><?xml version="1.0" encoding="utf-8"?>
+<file path=ppt/slides/slide8.xml><?xml version="1.0" encoding="utf-8"?>
+<p:sld xmlns:a="http://schemas.openxmlformats.org/drawingml/2006/main" xmlns:r="http://schemas.openxmlformats.org/officeDocument/2006/relationships" xmlns:p="http://schemas.openxmlformats.org/presentationml/2006/main">
+  <p:cSld>
+    <p:spTree>
+      <p:nvGrpSpPr>
+        <p:cNvPr id="1" name=""/>
+        <p:cNvGrpSpPr/>
+        <p:nvPr/>
+      </p:nvGrpSpPr>
+      <p:grpSpPr>
+        <a:xfrm>
+          <a:off x="0" y="0"/>
+          <a:ext cx="0" cy="0"/>
+          <a:chOff x="0" y="0"/>
+          <a:chExt cx="0" cy="0"/>
+        </a:xfrm>
+      </p:grpSpPr>
+      <p:sp>
+        <p:nvSpPr>
+          <p:cNvPr id="2" name="Title 1"/>
+          <p:cNvSpPr>
+            <a:spLocks noGrp="1"/>
+          </p:cNvSpPr>
+          <p:nvPr>
+            <p:ph type="title"/>
+          </p:nvPr>
+        </p:nvSpPr>
+        <p:spPr/>
+        <p:txBody>
+          <a:bodyPr/>
+          <a:lstStyle/>
+          <a:p>
+            <a:endParaRPr lang="de-DE"/>
+          </a:p>
+        </p:txBody>
+      </p:sp>
+      <p:pic>
+        <p:nvPicPr>
+          <p:cNvPr id="1026" name="Picture 2"/>
+          <p:cNvPicPr>
+            <a:picLocks noGrp="1" noChangeAspect="1" noChangeArrowheads="1"/>
+          </p:cNvPicPr>
+          <p:nvPr>
+            <p:ph idx="1"/>
+          </p:nvPr>
+        </p:nvPicPr>
+        <p:blipFill>
+          <a:blip r:embed="rId2">
+            <a:extLst>
+              <a:ext uri="{28A0092B-C50C-407E-A947-70E740481C1C}">
+                <a14:useLocalDpi xmlns:a14="http://schemas.microsoft.com/office/drawing/2010/main" val="0"/>
+              </a:ext>
+            </a:extLst>
+          </a:blip>
+          <a:srcRect/>
+          <a:stretch>
+            <a:fillRect/>
+          </a:stretch>
+        </p:blipFill>
+        <p:spPr bwMode="auto">
+          <a:xfrm>
+            <a:off x="-919313" y="1447800"/>
+            <a:ext cx="9606113" cy="4225297"/>
+          </a:xfrm>
+          <a:prstGeom prst="rect">
+            <a:avLst/>
+          </a:prstGeom>
+          <a:noFill/>
+          <a:ln>
+            <a:noFill/>
+          </a:ln>
+          <a:extLst>
+            <a:ext uri="{909E8E84-426E-40DD-AFC4-6F175D3DCCD1}">
+              <a14:hiddenFill xmlns:a14="http://schemas.microsoft.com/office/drawing/2010/main">
+                <a:solidFill>
+                  <a:schemeClr val="accent1"/>
+                </a:solidFill>
+              </a14:hiddenFill>
+            </a:ext>
+            <a:ext uri="{91240B29-F687-4F45-9708-019B960494DF}">
+              <a14:hiddenLine xmlns:a14="http://schemas.microsoft.com/office/drawing/2010/main" w="9525">
+                <a:solidFill>
+                  <a:schemeClr val="tx1"/>
+                </a:solidFill>
+                <a:miter lim="800000"/>
+                <a:headEnd/>
+                <a:tailEnd/>
+              </a14:hiddenLine>
+            </a:ext>
+          </a:extLst>
+        </p:spPr>
+      </p:pic>
+    </p:spTree>
+    <p:extLst>
+      <p:ext uri="{BB962C8B-B14F-4D97-AF65-F5344CB8AC3E}">
+        <p14:creationId xmlns:p14="http://schemas.microsoft.com/office/powerpoint/2010/main" val="3424308183"/>
+      </p:ext>
+    </p:extLst>
+  </p:cSld>
+  <p:clrMapOvr>
+    <a:masterClrMapping/>
+  </p:clrMapOvr>
+</p:sld>
+</file>
+
+<file path=ppt/slides/slide9.xml><?xml version="1.0" encoding="utf-8"?>
 <p:sld xmlns:a="http://schemas.openxmlformats.org/drawingml/2006/main" xmlns:r="http://schemas.openxmlformats.org/officeDocument/2006/relationships" xmlns:p="http://schemas.openxmlformats.org/presentationml/2006/main">
   <p:cSld>
     <p:spTree>
@@ -6225,147 +7139,13 @@
   <p:clrMapOvr>
     <a:masterClrMapping/>
   </p:clrMapOvr>
-</p:sld>
-</file>
-
-<file path=ppt/slides/slide8.xml><?xml version="1.0" encoding="utf-8"?>
-<p:sld xmlns:a="http://schemas.openxmlformats.org/drawingml/2006/main" xmlns:r="http://schemas.openxmlformats.org/officeDocument/2006/relationships" xmlns:p="http://schemas.openxmlformats.org/presentationml/2006/main">
-  <p:cSld>
-    <p:spTree>
-      <p:nvGrpSpPr>
-        <p:cNvPr id="1" name=""/>
-        <p:cNvGrpSpPr/>
-        <p:nvPr/>
-      </p:nvGrpSpPr>
-      <p:grpSpPr>
-        <a:xfrm>
-          <a:off x="0" y="0"/>
-          <a:ext cx="0" cy="0"/>
-          <a:chOff x="0" y="0"/>
-          <a:chExt cx="0" cy="0"/>
-        </a:xfrm>
-      </p:grpSpPr>
-      <p:pic>
-        <p:nvPicPr>
-          <p:cNvPr id="1027" name="Picture 3"/>
-          <p:cNvPicPr>
-            <a:picLocks noGrp="1" noChangeAspect="1" noChangeArrowheads="1"/>
-          </p:cNvPicPr>
-          <p:nvPr>
-            <p:ph idx="1"/>
-          </p:nvPr>
-        </p:nvPicPr>
-        <p:blipFill>
-          <a:blip r:embed="rId2" cstate="print"/>
-          <a:srcRect/>
-          <a:stretch>
-            <a:fillRect/>
-          </a:stretch>
-        </p:blipFill>
-        <p:spPr bwMode="auto">
-          <a:xfrm>
-            <a:off x="533400" y="914400"/>
-            <a:ext cx="7709523" cy="4468019"/>
-          </a:xfrm>
-          <a:prstGeom prst="rect">
-            <a:avLst/>
-          </a:prstGeom>
-          <a:noFill/>
-          <a:ln w="9525">
-            <a:noFill/>
-            <a:miter lim="800000"/>
-            <a:headEnd/>
-            <a:tailEnd/>
-          </a:ln>
-        </p:spPr>
-      </p:pic>
-    </p:spTree>
-  </p:cSld>
-  <p:clrMapOvr>
-    <a:masterClrMapping/>
-  </p:clrMapOvr>
-</p:sld>
-</file>
-
-<file path=ppt/slides/slide9.xml><?xml version="1.0" encoding="utf-8"?>
-<p:sld xmlns:a="http://schemas.openxmlformats.org/drawingml/2006/main" xmlns:r="http://schemas.openxmlformats.org/officeDocument/2006/relationships" xmlns:p="http://schemas.openxmlformats.org/presentationml/2006/main">
-  <p:cSld>
-    <p:spTree>
-      <p:nvGrpSpPr>
-        <p:cNvPr id="1" name=""/>
-        <p:cNvGrpSpPr/>
-        <p:nvPr/>
-      </p:nvGrpSpPr>
-      <p:grpSpPr>
-        <a:xfrm>
-          <a:off x="0" y="0"/>
-          <a:ext cx="0" cy="0"/>
-          <a:chOff x="0" y="0"/>
-          <a:chExt cx="0" cy="0"/>
-        </a:xfrm>
-      </p:grpSpPr>
-      <p:sp>
-        <p:nvSpPr>
-          <p:cNvPr id="2" name="Title 1"/>
-          <p:cNvSpPr>
-            <a:spLocks noGrp="1"/>
-          </p:cNvSpPr>
-          <p:nvPr>
-            <p:ph type="title"/>
-          </p:nvPr>
-        </p:nvSpPr>
-        <p:spPr/>
-        <p:txBody>
-          <a:bodyPr/>
-          <a:lstStyle/>
-          <a:p>
-            <a:r>
-              <a:rPr lang="en-US" dirty="0" smtClean="0"/>
-              <a:t>Architecture</a:t>
-            </a:r>
-            <a:endParaRPr lang="en-US" dirty="0"/>
-          </a:p>
-        </p:txBody>
-      </p:sp>
-      <p:pic>
-        <p:nvPicPr>
-          <p:cNvPr id="15362" name="Picture 2"/>
-          <p:cNvPicPr>
-            <a:picLocks noGrp="1" noChangeAspect="1" noChangeArrowheads="1"/>
-          </p:cNvPicPr>
-          <p:nvPr>
-            <p:ph idx="1"/>
-          </p:nvPr>
-        </p:nvPicPr>
-        <p:blipFill>
-          <a:blip r:embed="rId2" cstate="print"/>
-          <a:srcRect/>
-          <a:stretch>
-            <a:fillRect/>
-          </a:stretch>
-        </p:blipFill>
-        <p:spPr bwMode="auto">
-          <a:xfrm>
-            <a:off x="1393050" y="1600200"/>
-            <a:ext cx="6357900" cy="4525963"/>
-          </a:xfrm>
-          <a:prstGeom prst="rect">
-            <a:avLst/>
-          </a:prstGeom>
-          <a:noFill/>
-          <a:ln w="9525">
-            <a:noFill/>
-            <a:miter lim="800000"/>
-            <a:headEnd/>
-            <a:tailEnd/>
-          </a:ln>
-        </p:spPr>
-      </p:pic>
-    </p:spTree>
-  </p:cSld>
-  <p:clrMapOvr>
-    <a:masterClrMapping/>
-  </p:clrMapOvr>
+  <p:timing>
+    <p:tnLst>
+      <p:par>
+        <p:cTn id="1" dur="indefinite" restart="never" nodeType="tmRoot"/>
+      </p:par>
+    </p:tnLst>
+  </p:timing>
 </p:sld>
 </file>
 

--- a/BusinessIntelligence/Business Intelligence - VHS.pptx
+++ b/BusinessIntelligence/Business Intelligence - VHS.pptx
@@ -22,29 +22,31 @@
     <p:sldId id="260" r:id="rId16"/>
     <p:sldId id="261" r:id="rId17"/>
     <p:sldId id="278" r:id="rId18"/>
-    <p:sldId id="262" r:id="rId19"/>
-    <p:sldId id="277" r:id="rId20"/>
-    <p:sldId id="263" r:id="rId21"/>
-    <p:sldId id="264" r:id="rId22"/>
-    <p:sldId id="265" r:id="rId23"/>
-    <p:sldId id="266" r:id="rId24"/>
-    <p:sldId id="267" r:id="rId25"/>
-    <p:sldId id="269" r:id="rId26"/>
-    <p:sldId id="270" r:id="rId27"/>
-    <p:sldId id="271" r:id="rId28"/>
-    <p:sldId id="285" r:id="rId29"/>
-    <p:sldId id="286" r:id="rId30"/>
-    <p:sldId id="287" r:id="rId31"/>
-    <p:sldId id="289" r:id="rId32"/>
-    <p:sldId id="288" r:id="rId33"/>
-    <p:sldId id="272" r:id="rId34"/>
-    <p:sldId id="273" r:id="rId35"/>
-    <p:sldId id="274" r:id="rId36"/>
-    <p:sldId id="275" r:id="rId37"/>
-    <p:sldId id="276" r:id="rId38"/>
-    <p:sldId id="282" r:id="rId39"/>
-    <p:sldId id="283" r:id="rId40"/>
-    <p:sldId id="284" r:id="rId41"/>
+    <p:sldId id="296" r:id="rId19"/>
+    <p:sldId id="297" r:id="rId20"/>
+    <p:sldId id="262" r:id="rId21"/>
+    <p:sldId id="277" r:id="rId22"/>
+    <p:sldId id="263" r:id="rId23"/>
+    <p:sldId id="264" r:id="rId24"/>
+    <p:sldId id="265" r:id="rId25"/>
+    <p:sldId id="266" r:id="rId26"/>
+    <p:sldId id="267" r:id="rId27"/>
+    <p:sldId id="269" r:id="rId28"/>
+    <p:sldId id="270" r:id="rId29"/>
+    <p:sldId id="271" r:id="rId30"/>
+    <p:sldId id="285" r:id="rId31"/>
+    <p:sldId id="286" r:id="rId32"/>
+    <p:sldId id="287" r:id="rId33"/>
+    <p:sldId id="289" r:id="rId34"/>
+    <p:sldId id="288" r:id="rId35"/>
+    <p:sldId id="272" r:id="rId36"/>
+    <p:sldId id="273" r:id="rId37"/>
+    <p:sldId id="274" r:id="rId38"/>
+    <p:sldId id="275" r:id="rId39"/>
+    <p:sldId id="276" r:id="rId40"/>
+    <p:sldId id="282" r:id="rId41"/>
+    <p:sldId id="283" r:id="rId42"/>
+    <p:sldId id="284" r:id="rId43"/>
   </p:sldIdLst>
   <p:sldSz cx="9144000" cy="6858000" type="screen4x3"/>
   <p:notesSz cx="6858000" cy="9144000"/>
@@ -328,7 +330,7 @@
             <a:fld id="{A86B5E0C-564A-4EDE-BB60-EF242CC8011B}" type="datetimeFigureOut">
               <a:rPr lang="en-US" smtClean="0"/>
               <a:pPr/>
-              <a:t>4/28/2022</a:t>
+              <a:t>11/2/2022</a:t>
             </a:fld>
             <a:endParaRPr lang="en-US"/>
           </a:p>
@@ -495,7 +497,7 @@
             <a:fld id="{A86B5E0C-564A-4EDE-BB60-EF242CC8011B}" type="datetimeFigureOut">
               <a:rPr lang="en-US" smtClean="0"/>
               <a:pPr/>
-              <a:t>4/28/2022</a:t>
+              <a:t>11/2/2022</a:t>
             </a:fld>
             <a:endParaRPr lang="en-US"/>
           </a:p>
@@ -672,7 +674,7 @@
             <a:fld id="{A86B5E0C-564A-4EDE-BB60-EF242CC8011B}" type="datetimeFigureOut">
               <a:rPr lang="en-US" smtClean="0"/>
               <a:pPr/>
-              <a:t>4/28/2022</a:t>
+              <a:t>11/2/2022</a:t>
             </a:fld>
             <a:endParaRPr lang="en-US"/>
           </a:p>
@@ -839,7 +841,7 @@
             <a:fld id="{A86B5E0C-564A-4EDE-BB60-EF242CC8011B}" type="datetimeFigureOut">
               <a:rPr lang="en-US" smtClean="0"/>
               <a:pPr/>
-              <a:t>4/28/2022</a:t>
+              <a:t>11/2/2022</a:t>
             </a:fld>
             <a:endParaRPr lang="en-US"/>
           </a:p>
@@ -1082,7 +1084,7 @@
             <a:fld id="{A86B5E0C-564A-4EDE-BB60-EF242CC8011B}" type="datetimeFigureOut">
               <a:rPr lang="en-US" smtClean="0"/>
               <a:pPr/>
-              <a:t>4/28/2022</a:t>
+              <a:t>11/2/2022</a:t>
             </a:fld>
             <a:endParaRPr lang="en-US"/>
           </a:p>
@@ -1367,7 +1369,7 @@
             <a:fld id="{A86B5E0C-564A-4EDE-BB60-EF242CC8011B}" type="datetimeFigureOut">
               <a:rPr lang="en-US" smtClean="0"/>
               <a:pPr/>
-              <a:t>4/28/2022</a:t>
+              <a:t>11/2/2022</a:t>
             </a:fld>
             <a:endParaRPr lang="en-US"/>
           </a:p>
@@ -1786,7 +1788,7 @@
             <a:fld id="{A86B5E0C-564A-4EDE-BB60-EF242CC8011B}" type="datetimeFigureOut">
               <a:rPr lang="en-US" smtClean="0"/>
               <a:pPr/>
-              <a:t>4/28/2022</a:t>
+              <a:t>11/2/2022</a:t>
             </a:fld>
             <a:endParaRPr lang="en-US"/>
           </a:p>
@@ -1901,7 +1903,7 @@
             <a:fld id="{A86B5E0C-564A-4EDE-BB60-EF242CC8011B}" type="datetimeFigureOut">
               <a:rPr lang="en-US" smtClean="0"/>
               <a:pPr/>
-              <a:t>4/28/2022</a:t>
+              <a:t>11/2/2022</a:t>
             </a:fld>
             <a:endParaRPr lang="en-US"/>
           </a:p>
@@ -1993,7 +1995,7 @@
             <a:fld id="{A86B5E0C-564A-4EDE-BB60-EF242CC8011B}" type="datetimeFigureOut">
               <a:rPr lang="en-US" smtClean="0"/>
               <a:pPr/>
-              <a:t>4/28/2022</a:t>
+              <a:t>11/2/2022</a:t>
             </a:fld>
             <a:endParaRPr lang="en-US"/>
           </a:p>
@@ -2267,7 +2269,7 @@
             <a:fld id="{A86B5E0C-564A-4EDE-BB60-EF242CC8011B}" type="datetimeFigureOut">
               <a:rPr lang="en-US" smtClean="0"/>
               <a:pPr/>
-              <a:t>4/28/2022</a:t>
+              <a:t>11/2/2022</a:t>
             </a:fld>
             <a:endParaRPr lang="en-US"/>
           </a:p>
@@ -2517,7 +2519,7 @@
             <a:fld id="{A86B5E0C-564A-4EDE-BB60-EF242CC8011B}" type="datetimeFigureOut">
               <a:rPr lang="en-US" smtClean="0"/>
               <a:pPr/>
-              <a:t>4/28/2022</a:t>
+              <a:t>11/2/2022</a:t>
             </a:fld>
             <a:endParaRPr lang="en-US"/>
           </a:p>
@@ -2727,7 +2729,7 @@
             <a:fld id="{A86B5E0C-564A-4EDE-BB60-EF242CC8011B}" type="datetimeFigureOut">
               <a:rPr lang="en-US" smtClean="0"/>
               <a:pPr/>
-              <a:t>4/28/2022</a:t>
+              <a:t>11/2/2022</a:t>
             </a:fld>
             <a:endParaRPr lang="en-US"/>
           </a:p>
@@ -4528,6 +4530,313 @@
           <a:bodyPr/>
           <a:lstStyle/>
           <a:p>
+            <a:endParaRPr lang="de-DE"/>
+          </a:p>
+        </p:txBody>
+      </p:sp>
+      <p:sp>
+        <p:nvSpPr>
+          <p:cNvPr id="3" name="Content Placeholder 2"/>
+          <p:cNvSpPr>
+            <a:spLocks noGrp="1"/>
+          </p:cNvSpPr>
+          <p:nvPr>
+            <p:ph idx="1"/>
+          </p:nvPr>
+        </p:nvSpPr>
+        <p:spPr/>
+        <p:txBody>
+          <a:bodyPr/>
+          <a:lstStyle/>
+          <a:p>
+            <a:endParaRPr lang="de-DE"/>
+          </a:p>
+        </p:txBody>
+      </p:sp>
+    </p:spTree>
+    <p:extLst>
+      <p:ext uri="{BB962C8B-B14F-4D97-AF65-F5344CB8AC3E}">
+        <p14:creationId xmlns:p14="http://schemas.microsoft.com/office/powerpoint/2010/main" val="1373145652"/>
+      </p:ext>
+    </p:extLst>
+  </p:cSld>
+  <p:clrMapOvr>
+    <a:masterClrMapping/>
+  </p:clrMapOvr>
+</p:sld>
+</file>
+
+<file path=ppt/slides/slide19.xml><?xml version="1.0" encoding="utf-8"?>
+<p:sld xmlns:a="http://schemas.openxmlformats.org/drawingml/2006/main" xmlns:r="http://schemas.openxmlformats.org/officeDocument/2006/relationships" xmlns:p="http://schemas.openxmlformats.org/presentationml/2006/main">
+  <p:cSld>
+    <p:spTree>
+      <p:nvGrpSpPr>
+        <p:cNvPr id="1" name=""/>
+        <p:cNvGrpSpPr/>
+        <p:nvPr/>
+      </p:nvGrpSpPr>
+      <p:grpSpPr>
+        <a:xfrm>
+          <a:off x="0" y="0"/>
+          <a:ext cx="0" cy="0"/>
+          <a:chOff x="0" y="0"/>
+          <a:chExt cx="0" cy="0"/>
+        </a:xfrm>
+      </p:grpSpPr>
+      <p:sp>
+        <p:nvSpPr>
+          <p:cNvPr id="2" name="Title 1"/>
+          <p:cNvSpPr>
+            <a:spLocks noGrp="1"/>
+          </p:cNvSpPr>
+          <p:nvPr>
+            <p:ph type="title"/>
+          </p:nvPr>
+        </p:nvSpPr>
+        <p:spPr/>
+        <p:txBody>
+          <a:bodyPr/>
+          <a:lstStyle/>
+          <a:p>
+            <a:endParaRPr lang="de-DE"/>
+          </a:p>
+        </p:txBody>
+      </p:sp>
+      <p:sp>
+        <p:nvSpPr>
+          <p:cNvPr id="3" name="Content Placeholder 2"/>
+          <p:cNvSpPr>
+            <a:spLocks noGrp="1"/>
+          </p:cNvSpPr>
+          <p:nvPr>
+            <p:ph idx="1"/>
+          </p:nvPr>
+        </p:nvSpPr>
+        <p:spPr/>
+        <p:txBody>
+          <a:bodyPr>
+            <a:normAutofit fontScale="85000" lnSpcReduction="20000"/>
+          </a:bodyPr>
+          <a:lstStyle/>
+          <a:p>
+            <a:r>
+              <a:rPr lang="en-US" dirty="0"/>
+              <a:t>Which month and year had the most profit?</a:t>
+            </a:r>
+          </a:p>
+          <a:p>
+            <a:r>
+              <a:rPr lang="en-US" dirty="0"/>
+              <a:t>Where is the company seeing the most success (by country)?</a:t>
+            </a:r>
+          </a:p>
+          <a:p>
+            <a:r>
+              <a:rPr lang="en-US" dirty="0"/>
+              <a:t>Which product and segment should the company continue to invest in?</a:t>
+            </a:r>
+          </a:p>
+          <a:p>
+            <a:r>
+              <a:rPr lang="de-DE" dirty="0"/>
+              <a:t>Welcher Monat und welches Jahr hatte den größten Gewinn?</a:t>
+            </a:r>
+          </a:p>
+          <a:p>
+            <a:r>
+              <a:rPr lang="de-DE" dirty="0"/>
+              <a:t>Wo ist das Unternehmen am erfolgreichsten (nach Ländern)?</a:t>
+            </a:r>
+          </a:p>
+          <a:p>
+            <a:r>
+              <a:rPr lang="de-DE"/>
+              <a:t>In welches Produkt und Segment soll das Unternehmen weiter investieren?</a:t>
+            </a:r>
+          </a:p>
+        </p:txBody>
+      </p:sp>
+    </p:spTree>
+    <p:extLst>
+      <p:ext uri="{BB962C8B-B14F-4D97-AF65-F5344CB8AC3E}">
+        <p14:creationId xmlns:p14="http://schemas.microsoft.com/office/powerpoint/2010/main" val="4107939"/>
+      </p:ext>
+    </p:extLst>
+  </p:cSld>
+  <p:clrMapOvr>
+    <a:masterClrMapping/>
+  </p:clrMapOvr>
+</p:sld>
+</file>
+
+<file path=ppt/slides/slide2.xml><?xml version="1.0" encoding="utf-8"?>
+<p:sld xmlns:a="http://schemas.openxmlformats.org/drawingml/2006/main" xmlns:r="http://schemas.openxmlformats.org/officeDocument/2006/relationships" xmlns:p="http://schemas.openxmlformats.org/presentationml/2006/main">
+  <p:cSld>
+    <p:spTree>
+      <p:nvGrpSpPr>
+        <p:cNvPr id="1" name=""/>
+        <p:cNvGrpSpPr/>
+        <p:nvPr/>
+      </p:nvGrpSpPr>
+      <p:grpSpPr>
+        <a:xfrm>
+          <a:off x="0" y="0"/>
+          <a:ext cx="0" cy="0"/>
+          <a:chOff x="0" y="0"/>
+          <a:chExt cx="0" cy="0"/>
+        </a:xfrm>
+      </p:grpSpPr>
+      <p:sp>
+        <p:nvSpPr>
+          <p:cNvPr id="2" name="Title 1"/>
+          <p:cNvSpPr>
+            <a:spLocks noGrp="1"/>
+          </p:cNvSpPr>
+          <p:nvPr>
+            <p:ph type="title"/>
+          </p:nvPr>
+        </p:nvSpPr>
+        <p:spPr/>
+        <p:txBody>
+          <a:bodyPr/>
+          <a:lstStyle/>
+          <a:p>
+            <a:r>
+              <a:rPr lang="en-US" dirty="0" smtClean="0"/>
+              <a:t>AGENDA</a:t>
+            </a:r>
+            <a:endParaRPr lang="en-US" dirty="0"/>
+          </a:p>
+        </p:txBody>
+      </p:sp>
+      <p:sp>
+        <p:nvSpPr>
+          <p:cNvPr id="3" name="Content Placeholder 2"/>
+          <p:cNvSpPr>
+            <a:spLocks noGrp="1"/>
+          </p:cNvSpPr>
+          <p:nvPr>
+            <p:ph idx="1"/>
+          </p:nvPr>
+        </p:nvSpPr>
+        <p:spPr/>
+        <p:txBody>
+          <a:bodyPr/>
+          <a:lstStyle/>
+          <a:p>
+            <a:r>
+              <a:rPr lang="en-US" dirty="0" smtClean="0"/>
+              <a:t>My intro</a:t>
+            </a:r>
+          </a:p>
+          <a:p>
+            <a:r>
+              <a:rPr lang="en-US" dirty="0" smtClean="0"/>
+              <a:t>Who has downloaded </a:t>
+            </a:r>
+            <a:r>
+              <a:rPr lang="en-US" dirty="0" err="1" smtClean="0"/>
+              <a:t>PowerBI</a:t>
+            </a:r>
+            <a:endParaRPr lang="en-US" dirty="0" smtClean="0"/>
+          </a:p>
+          <a:p>
+            <a:r>
+              <a:rPr lang="en-US" dirty="0" smtClean="0"/>
+              <a:t>Your intro ( + </a:t>
+            </a:r>
+            <a:r>
+              <a:rPr lang="en-US" dirty="0" err="1" smtClean="0"/>
+              <a:t>Erwartungen</a:t>
+            </a:r>
+            <a:r>
+              <a:rPr lang="en-US" dirty="0" smtClean="0"/>
+              <a:t> ….) </a:t>
+            </a:r>
+          </a:p>
+          <a:p>
+            <a:r>
+              <a:rPr lang="en-US" dirty="0" err="1" smtClean="0"/>
+              <a:t>Datenbank</a:t>
+            </a:r>
+            <a:r>
+              <a:rPr lang="en-US" dirty="0" smtClean="0"/>
+              <a:t> ?</a:t>
+            </a:r>
+          </a:p>
+          <a:p>
+            <a:r>
+              <a:rPr lang="en-US" dirty="0" smtClean="0"/>
+              <a:t>BI</a:t>
+            </a:r>
+          </a:p>
+          <a:p>
+            <a:r>
+              <a:rPr lang="en-US" dirty="0" smtClean="0"/>
+              <a:t>Power BI</a:t>
+            </a:r>
+          </a:p>
+          <a:p>
+            <a:r>
+              <a:rPr lang="en-US" dirty="0" smtClean="0"/>
+              <a:t>TABLEAU</a:t>
+            </a:r>
+          </a:p>
+          <a:p>
+            <a:endParaRPr lang="en-US" dirty="0" smtClean="0"/>
+          </a:p>
+          <a:p>
+            <a:endParaRPr lang="en-US" dirty="0"/>
+          </a:p>
+        </p:txBody>
+      </p:sp>
+    </p:spTree>
+  </p:cSld>
+  <p:clrMapOvr>
+    <a:masterClrMapping/>
+  </p:clrMapOvr>
+  <p:timing>
+    <p:tnLst>
+      <p:par>
+        <p:cTn id="1" dur="indefinite" restart="never" nodeType="tmRoot"/>
+      </p:par>
+    </p:tnLst>
+  </p:timing>
+</p:sld>
+</file>
+
+<file path=ppt/slides/slide20.xml><?xml version="1.0" encoding="utf-8"?>
+<p:sld xmlns:a="http://schemas.openxmlformats.org/drawingml/2006/main" xmlns:r="http://schemas.openxmlformats.org/officeDocument/2006/relationships" xmlns:p="http://schemas.openxmlformats.org/presentationml/2006/main">
+  <p:cSld>
+    <p:spTree>
+      <p:nvGrpSpPr>
+        <p:cNvPr id="1" name=""/>
+        <p:cNvGrpSpPr/>
+        <p:nvPr/>
+      </p:nvGrpSpPr>
+      <p:grpSpPr>
+        <a:xfrm>
+          <a:off x="0" y="0"/>
+          <a:ext cx="0" cy="0"/>
+          <a:chOff x="0" y="0"/>
+          <a:chExt cx="0" cy="0"/>
+        </a:xfrm>
+      </p:grpSpPr>
+      <p:sp>
+        <p:nvSpPr>
+          <p:cNvPr id="2" name="Title 1"/>
+          <p:cNvSpPr>
+            <a:spLocks noGrp="1"/>
+          </p:cNvSpPr>
+          <p:nvPr>
+            <p:ph type="title"/>
+          </p:nvPr>
+        </p:nvSpPr>
+        <p:spPr/>
+        <p:txBody>
+          <a:bodyPr/>
+          <a:lstStyle/>
+          <a:p>
             <a:r>
               <a:rPr lang="en-US" dirty="0" smtClean="0"/>
               <a:t>Power BI</a:t>
@@ -4615,7 +4924,7 @@
 </p:sld>
 </file>
 
-<file path=ppt/slides/slide19.xml><?xml version="1.0" encoding="utf-8"?>
+<file path=ppt/slides/slide21.xml><?xml version="1.0" encoding="utf-8"?>
 <p:sld xmlns:a="http://schemas.openxmlformats.org/drawingml/2006/main" xmlns:r="http://schemas.openxmlformats.org/officeDocument/2006/relationships" xmlns:p="http://schemas.openxmlformats.org/presentationml/2006/main">
   <p:cSld>
     <p:spTree>
@@ -4718,143 +5027,7 @@
 </p:sld>
 </file>
 
-<file path=ppt/slides/slide2.xml><?xml version="1.0" encoding="utf-8"?>
-<p:sld xmlns:a="http://schemas.openxmlformats.org/drawingml/2006/main" xmlns:r="http://schemas.openxmlformats.org/officeDocument/2006/relationships" xmlns:p="http://schemas.openxmlformats.org/presentationml/2006/main">
-  <p:cSld>
-    <p:spTree>
-      <p:nvGrpSpPr>
-        <p:cNvPr id="1" name=""/>
-        <p:cNvGrpSpPr/>
-        <p:nvPr/>
-      </p:nvGrpSpPr>
-      <p:grpSpPr>
-        <a:xfrm>
-          <a:off x="0" y="0"/>
-          <a:ext cx="0" cy="0"/>
-          <a:chOff x="0" y="0"/>
-          <a:chExt cx="0" cy="0"/>
-        </a:xfrm>
-      </p:grpSpPr>
-      <p:sp>
-        <p:nvSpPr>
-          <p:cNvPr id="2" name="Title 1"/>
-          <p:cNvSpPr>
-            <a:spLocks noGrp="1"/>
-          </p:cNvSpPr>
-          <p:nvPr>
-            <p:ph type="title"/>
-          </p:nvPr>
-        </p:nvSpPr>
-        <p:spPr/>
-        <p:txBody>
-          <a:bodyPr/>
-          <a:lstStyle/>
-          <a:p>
-            <a:r>
-              <a:rPr lang="en-US" dirty="0" smtClean="0"/>
-              <a:t>AGENDA</a:t>
-            </a:r>
-            <a:endParaRPr lang="en-US" dirty="0"/>
-          </a:p>
-        </p:txBody>
-      </p:sp>
-      <p:sp>
-        <p:nvSpPr>
-          <p:cNvPr id="3" name="Content Placeholder 2"/>
-          <p:cNvSpPr>
-            <a:spLocks noGrp="1"/>
-          </p:cNvSpPr>
-          <p:nvPr>
-            <p:ph idx="1"/>
-          </p:nvPr>
-        </p:nvSpPr>
-        <p:spPr/>
-        <p:txBody>
-          <a:bodyPr/>
-          <a:lstStyle/>
-          <a:p>
-            <a:r>
-              <a:rPr lang="en-US" dirty="0" smtClean="0"/>
-              <a:t>My intro</a:t>
-            </a:r>
-          </a:p>
-          <a:p>
-            <a:r>
-              <a:rPr lang="en-US" dirty="0" smtClean="0"/>
-              <a:t>Who has downloaded </a:t>
-            </a:r>
-            <a:r>
-              <a:rPr lang="en-US" dirty="0" err="1" smtClean="0"/>
-              <a:t>PowerBI</a:t>
-            </a:r>
-            <a:endParaRPr lang="en-US" dirty="0" smtClean="0"/>
-          </a:p>
-          <a:p>
-            <a:r>
-              <a:rPr lang="en-US" dirty="0" smtClean="0"/>
-              <a:t>Your intro ( + </a:t>
-            </a:r>
-            <a:r>
-              <a:rPr lang="en-US" dirty="0" err="1" smtClean="0"/>
-              <a:t>Erwartungen</a:t>
-            </a:r>
-            <a:r>
-              <a:rPr lang="en-US" dirty="0" smtClean="0"/>
-              <a:t> ….) </a:t>
-            </a:r>
-          </a:p>
-          <a:p>
-            <a:r>
-              <a:rPr lang="en-US" dirty="0" err="1" smtClean="0"/>
-              <a:t>Datenbank</a:t>
-            </a:r>
-            <a:r>
-              <a:rPr lang="en-US" dirty="0" smtClean="0"/>
-              <a:t> ?</a:t>
-            </a:r>
-          </a:p>
-          <a:p>
-            <a:r>
-              <a:rPr lang="en-US" dirty="0" smtClean="0"/>
-              <a:t>BI</a:t>
-            </a:r>
-          </a:p>
-          <a:p>
-            <a:r>
-              <a:rPr lang="en-US" dirty="0" smtClean="0"/>
-              <a:t>Power BI</a:t>
-            </a:r>
-          </a:p>
-          <a:p>
-            <a:r>
-              <a:rPr lang="en-US" dirty="0" smtClean="0"/>
-              <a:t>TABLEAU</a:t>
-            </a:r>
-          </a:p>
-          <a:p>
-            <a:endParaRPr lang="en-US" dirty="0" smtClean="0"/>
-          </a:p>
-          <a:p>
-            <a:endParaRPr lang="en-US" dirty="0"/>
-          </a:p>
-        </p:txBody>
-      </p:sp>
-    </p:spTree>
-  </p:cSld>
-  <p:clrMapOvr>
-    <a:masterClrMapping/>
-  </p:clrMapOvr>
-  <p:timing>
-    <p:tnLst>
-      <p:par>
-        <p:cTn id="1" dur="indefinite" restart="never" nodeType="tmRoot"/>
-      </p:par>
-    </p:tnLst>
-  </p:timing>
-</p:sld>
-</file>
-
-<file path=ppt/slides/slide20.xml><?xml version="1.0" encoding="utf-8"?>
+<file path=ppt/slides/slide22.xml><?xml version="1.0" encoding="utf-8"?>
 <p:sld xmlns:a="http://schemas.openxmlformats.org/drawingml/2006/main" xmlns:r="http://schemas.openxmlformats.org/officeDocument/2006/relationships" xmlns:p="http://schemas.openxmlformats.org/presentationml/2006/main">
   <p:cSld>
     <p:spTree>
@@ -4920,7 +5093,7 @@
 </p:sld>
 </file>
 
-<file path=ppt/slides/slide21.xml><?xml version="1.0" encoding="utf-8"?>
+<file path=ppt/slides/slide23.xml><?xml version="1.0" encoding="utf-8"?>
 <p:sld xmlns:a="http://schemas.openxmlformats.org/drawingml/2006/main" xmlns:r="http://schemas.openxmlformats.org/officeDocument/2006/relationships" xmlns:p="http://schemas.openxmlformats.org/presentationml/2006/main">
   <p:cSld>
     <p:spTree>
@@ -4998,7 +5171,7 @@
 </p:sld>
 </file>
 
-<file path=ppt/slides/slide22.xml><?xml version="1.0" encoding="utf-8"?>
+<file path=ppt/slides/slide24.xml><?xml version="1.0" encoding="utf-8"?>
 <p:sld xmlns:a="http://schemas.openxmlformats.org/drawingml/2006/main" xmlns:r="http://schemas.openxmlformats.org/officeDocument/2006/relationships" xmlns:p="http://schemas.openxmlformats.org/presentationml/2006/main">
   <p:cSld>
     <p:spTree>
@@ -5076,7 +5249,7 @@
 </p:sld>
 </file>
 
-<file path=ppt/slides/slide23.xml><?xml version="1.0" encoding="utf-8"?>
+<file path=ppt/slides/slide25.xml><?xml version="1.0" encoding="utf-8"?>
 <p:sld xmlns:a="http://schemas.openxmlformats.org/drawingml/2006/main" xmlns:r="http://schemas.openxmlformats.org/officeDocument/2006/relationships" xmlns:p="http://schemas.openxmlformats.org/presentationml/2006/main">
   <p:cSld>
     <p:spTree>
@@ -5171,162 +5344,6 @@
 </p:sld>
 </file>
 
-<file path=ppt/slides/slide24.xml><?xml version="1.0" encoding="utf-8"?>
-<p:sld xmlns:a="http://schemas.openxmlformats.org/drawingml/2006/main" xmlns:r="http://schemas.openxmlformats.org/officeDocument/2006/relationships" xmlns:p="http://schemas.openxmlformats.org/presentationml/2006/main">
-  <p:cSld>
-    <p:spTree>
-      <p:nvGrpSpPr>
-        <p:cNvPr id="1" name=""/>
-        <p:cNvGrpSpPr/>
-        <p:nvPr/>
-      </p:nvGrpSpPr>
-      <p:grpSpPr>
-        <a:xfrm>
-          <a:off x="0" y="0"/>
-          <a:ext cx="0" cy="0"/>
-          <a:chOff x="0" y="0"/>
-          <a:chExt cx="0" cy="0"/>
-        </a:xfrm>
-      </p:grpSpPr>
-      <p:sp>
-        <p:nvSpPr>
-          <p:cNvPr id="2" name="Title 1"/>
-          <p:cNvSpPr>
-            <a:spLocks noGrp="1"/>
-          </p:cNvSpPr>
-          <p:nvPr>
-            <p:ph type="title"/>
-          </p:nvPr>
-        </p:nvSpPr>
-        <p:spPr/>
-        <p:txBody>
-          <a:bodyPr/>
-          <a:lstStyle/>
-          <a:p>
-            <a:endParaRPr lang="en-US"/>
-          </a:p>
-        </p:txBody>
-      </p:sp>
-      <p:pic>
-        <p:nvPicPr>
-          <p:cNvPr id="10242" name="Picture 2"/>
-          <p:cNvPicPr>
-            <a:picLocks noGrp="1" noChangeAspect="1" noChangeArrowheads="1"/>
-          </p:cNvPicPr>
-          <p:nvPr>
-            <p:ph idx="1"/>
-          </p:nvPr>
-        </p:nvPicPr>
-        <p:blipFill>
-          <a:blip r:embed="rId2" cstate="print"/>
-          <a:srcRect/>
-          <a:stretch>
-            <a:fillRect/>
-          </a:stretch>
-        </p:blipFill>
-        <p:spPr bwMode="auto">
-          <a:xfrm>
-            <a:off x="381000" y="838200"/>
-            <a:ext cx="8630928" cy="5287963"/>
-          </a:xfrm>
-          <a:prstGeom prst="rect">
-            <a:avLst/>
-          </a:prstGeom>
-          <a:noFill/>
-          <a:ln w="9525">
-            <a:noFill/>
-            <a:miter lim="800000"/>
-            <a:headEnd/>
-            <a:tailEnd/>
-          </a:ln>
-        </p:spPr>
-      </p:pic>
-    </p:spTree>
-  </p:cSld>
-  <p:clrMapOvr>
-    <a:masterClrMapping/>
-  </p:clrMapOvr>
-</p:sld>
-</file>
-
-<file path=ppt/slides/slide25.xml><?xml version="1.0" encoding="utf-8"?>
-<p:sld xmlns:a="http://schemas.openxmlformats.org/drawingml/2006/main" xmlns:r="http://schemas.openxmlformats.org/officeDocument/2006/relationships" xmlns:p="http://schemas.openxmlformats.org/presentationml/2006/main">
-  <p:cSld>
-    <p:spTree>
-      <p:nvGrpSpPr>
-        <p:cNvPr id="1" name=""/>
-        <p:cNvGrpSpPr/>
-        <p:nvPr/>
-      </p:nvGrpSpPr>
-      <p:grpSpPr>
-        <a:xfrm>
-          <a:off x="0" y="0"/>
-          <a:ext cx="0" cy="0"/>
-          <a:chOff x="0" y="0"/>
-          <a:chExt cx="0" cy="0"/>
-        </a:xfrm>
-      </p:grpSpPr>
-      <p:sp>
-        <p:nvSpPr>
-          <p:cNvPr id="2" name="Title 1"/>
-          <p:cNvSpPr>
-            <a:spLocks noGrp="1"/>
-          </p:cNvSpPr>
-          <p:nvPr>
-            <p:ph type="title"/>
-          </p:nvPr>
-        </p:nvSpPr>
-        <p:spPr/>
-        <p:txBody>
-          <a:bodyPr/>
-          <a:lstStyle/>
-          <a:p>
-            <a:endParaRPr lang="en-US"/>
-          </a:p>
-        </p:txBody>
-      </p:sp>
-      <p:pic>
-        <p:nvPicPr>
-          <p:cNvPr id="11266" name="Picture 2"/>
-          <p:cNvPicPr>
-            <a:picLocks noGrp="1" noChangeAspect="1" noChangeArrowheads="1"/>
-          </p:cNvPicPr>
-          <p:nvPr>
-            <p:ph idx="1"/>
-          </p:nvPr>
-        </p:nvPicPr>
-        <p:blipFill>
-          <a:blip r:embed="rId2" cstate="print"/>
-          <a:srcRect/>
-          <a:stretch>
-            <a:fillRect/>
-          </a:stretch>
-        </p:blipFill>
-        <p:spPr bwMode="auto">
-          <a:xfrm>
-            <a:off x="533400" y="304800"/>
-            <a:ext cx="8083681" cy="6154160"/>
-          </a:xfrm>
-          <a:prstGeom prst="rect">
-            <a:avLst/>
-          </a:prstGeom>
-          <a:noFill/>
-          <a:ln w="9525">
-            <a:noFill/>
-            <a:miter lim="800000"/>
-            <a:headEnd/>
-            <a:tailEnd/>
-          </a:ln>
-        </p:spPr>
-      </p:pic>
-    </p:spTree>
-  </p:cSld>
-  <p:clrMapOvr>
-    <a:masterClrMapping/>
-  </p:clrMapOvr>
-</p:sld>
-</file>
-
 <file path=ppt/slides/slide26.xml><?xml version="1.0" encoding="utf-8"?>
 <p:sld xmlns:a="http://schemas.openxmlformats.org/drawingml/2006/main" xmlns:r="http://schemas.openxmlformats.org/officeDocument/2006/relationships" xmlns:p="http://schemas.openxmlformats.org/presentationml/2006/main">
   <p:cSld>
@@ -5365,7 +5382,7 @@
       </p:sp>
       <p:pic>
         <p:nvPicPr>
-          <p:cNvPr id="12290" name="Picture 2"/>
+          <p:cNvPr id="10242" name="Picture 2"/>
           <p:cNvPicPr>
             <a:picLocks noGrp="1" noChangeAspect="1" noChangeArrowheads="1"/>
           </p:cNvPicPr>
@@ -5382,8 +5399,8 @@
         </p:blipFill>
         <p:spPr bwMode="auto">
           <a:xfrm>
-            <a:off x="2432072" y="1600200"/>
-            <a:ext cx="4279856" cy="4525963"/>
+            <a:off x="381000" y="838200"/>
+            <a:ext cx="8630928" cy="5287963"/>
           </a:xfrm>
           <a:prstGeom prst="rect">
             <a:avLst/>
@@ -5443,7 +5460,7 @@
       </p:sp>
       <p:pic>
         <p:nvPicPr>
-          <p:cNvPr id="13314" name="Picture 2"/>
+          <p:cNvPr id="11266" name="Picture 2"/>
           <p:cNvPicPr>
             <a:picLocks noGrp="1" noChangeAspect="1" noChangeArrowheads="1"/>
           </p:cNvPicPr>
@@ -5460,8 +5477,8 @@
         </p:blipFill>
         <p:spPr bwMode="auto">
           <a:xfrm>
-            <a:off x="1295400" y="0"/>
-            <a:ext cx="6227273" cy="6757090"/>
+            <a:off x="533400" y="304800"/>
+            <a:ext cx="8083681" cy="6154160"/>
           </a:xfrm>
           <a:prstGeom prst="rect">
             <a:avLst/>
@@ -5515,17 +5532,13 @@
           <a:bodyPr/>
           <a:lstStyle/>
           <a:p>
-            <a:r>
-              <a:rPr lang="en-US" dirty="0" smtClean="0"/>
-              <a:t>PowerBI.com</a:t>
-            </a:r>
-            <a:endParaRPr lang="en-US" dirty="0"/>
+            <a:endParaRPr lang="en-US"/>
           </a:p>
         </p:txBody>
       </p:sp>
       <p:pic>
         <p:nvPicPr>
-          <p:cNvPr id="23554" name="Picture 2"/>
+          <p:cNvPr id="12290" name="Picture 2"/>
           <p:cNvPicPr>
             <a:picLocks noGrp="1" noChangeAspect="1" noChangeArrowheads="1"/>
           </p:cNvPicPr>
@@ -5542,8 +5555,8 @@
         </p:blipFill>
         <p:spPr bwMode="auto">
           <a:xfrm>
-            <a:off x="457200" y="2090300"/>
-            <a:ext cx="8229600" cy="3545762"/>
+            <a:off x="2432072" y="1600200"/>
+            <a:ext cx="4279856" cy="4525963"/>
           </a:xfrm>
           <a:prstGeom prst="rect">
             <a:avLst/>
@@ -5603,7 +5616,7 @@
       </p:sp>
       <p:pic>
         <p:nvPicPr>
-          <p:cNvPr id="24578" name="Picture 2"/>
+          <p:cNvPr id="13314" name="Picture 2"/>
           <p:cNvPicPr>
             <a:picLocks noGrp="1" noChangeAspect="1" noChangeArrowheads="1"/>
           </p:cNvPicPr>
@@ -5620,8 +5633,8 @@
         </p:blipFill>
         <p:spPr bwMode="auto">
           <a:xfrm>
-            <a:off x="457200" y="1992296"/>
-            <a:ext cx="8229600" cy="3741771"/>
+            <a:off x="1295400" y="0"/>
+            <a:ext cx="6227273" cy="6757090"/>
           </a:xfrm>
           <a:prstGeom prst="rect">
             <a:avLst/>
@@ -5761,13 +5774,17 @@
           <a:bodyPr/>
           <a:lstStyle/>
           <a:p>
-            <a:endParaRPr lang="en-US"/>
+            <a:r>
+              <a:rPr lang="en-US" dirty="0" smtClean="0"/>
+              <a:t>PowerBI.com</a:t>
+            </a:r>
+            <a:endParaRPr lang="en-US" dirty="0"/>
           </a:p>
         </p:txBody>
       </p:sp>
       <p:pic>
         <p:nvPicPr>
-          <p:cNvPr id="25602" name="Picture 2"/>
+          <p:cNvPr id="23554" name="Picture 2"/>
           <p:cNvPicPr>
             <a:picLocks noGrp="1" noChangeAspect="1" noChangeArrowheads="1"/>
           </p:cNvPicPr>
@@ -5784,8 +5801,8 @@
         </p:blipFill>
         <p:spPr bwMode="auto">
           <a:xfrm>
-            <a:off x="457200" y="1940646"/>
-            <a:ext cx="8229600" cy="3845071"/>
+            <a:off x="457200" y="2090300"/>
+            <a:ext cx="8229600" cy="3545762"/>
           </a:xfrm>
           <a:prstGeom prst="rect">
             <a:avLst/>
@@ -5845,7 +5862,7 @@
       </p:sp>
       <p:pic>
         <p:nvPicPr>
-          <p:cNvPr id="26627" name="Picture 3"/>
+          <p:cNvPr id="24578" name="Picture 2"/>
           <p:cNvPicPr>
             <a:picLocks noGrp="1" noChangeAspect="1" noChangeArrowheads="1"/>
           </p:cNvPicPr>
@@ -5862,8 +5879,8 @@
         </p:blipFill>
         <p:spPr bwMode="auto">
           <a:xfrm>
-            <a:off x="457200" y="1738302"/>
-            <a:ext cx="8229600" cy="4249759"/>
+            <a:off x="457200" y="1992296"/>
+            <a:ext cx="8229600" cy="3741771"/>
           </a:xfrm>
           <a:prstGeom prst="rect">
             <a:avLst/>
@@ -5904,42 +5921,57 @@
       </p:grpSpPr>
       <p:sp>
         <p:nvSpPr>
-          <p:cNvPr id="3" name="Content Placeholder 2"/>
-          <p:cNvSpPr>
-            <a:spLocks noGrp="1"/>
-          </p:cNvSpPr>
+          <p:cNvPr id="2" name="Title 1"/>
+          <p:cNvSpPr>
+            <a:spLocks noGrp="1"/>
+          </p:cNvSpPr>
+          <p:nvPr>
+            <p:ph type="title"/>
+          </p:nvPr>
+        </p:nvSpPr>
+        <p:spPr/>
+        <p:txBody>
+          <a:bodyPr/>
+          <a:lstStyle/>
+          <a:p>
+            <a:endParaRPr lang="en-US"/>
+          </a:p>
+        </p:txBody>
+      </p:sp>
+      <p:pic>
+        <p:nvPicPr>
+          <p:cNvPr id="25602" name="Picture 2"/>
+          <p:cNvPicPr>
+            <a:picLocks noGrp="1" noChangeAspect="1" noChangeArrowheads="1"/>
+          </p:cNvPicPr>
           <p:nvPr>
             <p:ph idx="1"/>
           </p:nvPr>
-        </p:nvSpPr>
-        <p:spPr/>
-        <p:txBody>
-          <a:bodyPr/>
-          <a:lstStyle/>
-          <a:p>
-            <a:endParaRPr lang="en-US"/>
-          </a:p>
-        </p:txBody>
-      </p:sp>
-      <p:sp>
-        <p:nvSpPr>
-          <p:cNvPr id="4" name="Title 3"/>
-          <p:cNvSpPr>
-            <a:spLocks noGrp="1"/>
-          </p:cNvSpPr>
-          <p:nvPr>
-            <p:ph type="title"/>
-          </p:nvPr>
-        </p:nvSpPr>
-        <p:spPr/>
-        <p:txBody>
-          <a:bodyPr/>
-          <a:lstStyle/>
-          <a:p>
-            <a:endParaRPr lang="en-US"/>
-          </a:p>
-        </p:txBody>
-      </p:sp>
+        </p:nvPicPr>
+        <p:blipFill>
+          <a:blip r:embed="rId2" cstate="print"/>
+          <a:srcRect/>
+          <a:stretch>
+            <a:fillRect/>
+          </a:stretch>
+        </p:blipFill>
+        <p:spPr bwMode="auto">
+          <a:xfrm>
+            <a:off x="457200" y="1940646"/>
+            <a:ext cx="8229600" cy="3845071"/>
+          </a:xfrm>
+          <a:prstGeom prst="rect">
+            <a:avLst/>
+          </a:prstGeom>
+          <a:noFill/>
+          <a:ln w="9525">
+            <a:noFill/>
+            <a:miter lim="800000"/>
+            <a:headEnd/>
+            <a:tailEnd/>
+          </a:ln>
+        </p:spPr>
+      </p:pic>
     </p:spTree>
   </p:cSld>
   <p:clrMapOvr>
@@ -5949,6 +5981,147 @@
 </file>
 
 <file path=ppt/slides/slide33.xml><?xml version="1.0" encoding="utf-8"?>
+<p:sld xmlns:a="http://schemas.openxmlformats.org/drawingml/2006/main" xmlns:r="http://schemas.openxmlformats.org/officeDocument/2006/relationships" xmlns:p="http://schemas.openxmlformats.org/presentationml/2006/main">
+  <p:cSld>
+    <p:spTree>
+      <p:nvGrpSpPr>
+        <p:cNvPr id="1" name=""/>
+        <p:cNvGrpSpPr/>
+        <p:nvPr/>
+      </p:nvGrpSpPr>
+      <p:grpSpPr>
+        <a:xfrm>
+          <a:off x="0" y="0"/>
+          <a:ext cx="0" cy="0"/>
+          <a:chOff x="0" y="0"/>
+          <a:chExt cx="0" cy="0"/>
+        </a:xfrm>
+      </p:grpSpPr>
+      <p:sp>
+        <p:nvSpPr>
+          <p:cNvPr id="2" name="Title 1"/>
+          <p:cNvSpPr>
+            <a:spLocks noGrp="1"/>
+          </p:cNvSpPr>
+          <p:nvPr>
+            <p:ph type="title"/>
+          </p:nvPr>
+        </p:nvSpPr>
+        <p:spPr/>
+        <p:txBody>
+          <a:bodyPr/>
+          <a:lstStyle/>
+          <a:p>
+            <a:endParaRPr lang="en-US"/>
+          </a:p>
+        </p:txBody>
+      </p:sp>
+      <p:pic>
+        <p:nvPicPr>
+          <p:cNvPr id="26627" name="Picture 3"/>
+          <p:cNvPicPr>
+            <a:picLocks noGrp="1" noChangeAspect="1" noChangeArrowheads="1"/>
+          </p:cNvPicPr>
+          <p:nvPr>
+            <p:ph idx="1"/>
+          </p:nvPr>
+        </p:nvPicPr>
+        <p:blipFill>
+          <a:blip r:embed="rId2" cstate="print"/>
+          <a:srcRect/>
+          <a:stretch>
+            <a:fillRect/>
+          </a:stretch>
+        </p:blipFill>
+        <p:spPr bwMode="auto">
+          <a:xfrm>
+            <a:off x="457200" y="1738302"/>
+            <a:ext cx="8229600" cy="4249759"/>
+          </a:xfrm>
+          <a:prstGeom prst="rect">
+            <a:avLst/>
+          </a:prstGeom>
+          <a:noFill/>
+          <a:ln w="9525">
+            <a:noFill/>
+            <a:miter lim="800000"/>
+            <a:headEnd/>
+            <a:tailEnd/>
+          </a:ln>
+        </p:spPr>
+      </p:pic>
+    </p:spTree>
+  </p:cSld>
+  <p:clrMapOvr>
+    <a:masterClrMapping/>
+  </p:clrMapOvr>
+</p:sld>
+</file>
+
+<file path=ppt/slides/slide34.xml><?xml version="1.0" encoding="utf-8"?>
+<p:sld xmlns:a="http://schemas.openxmlformats.org/drawingml/2006/main" xmlns:r="http://schemas.openxmlformats.org/officeDocument/2006/relationships" xmlns:p="http://schemas.openxmlformats.org/presentationml/2006/main">
+  <p:cSld>
+    <p:spTree>
+      <p:nvGrpSpPr>
+        <p:cNvPr id="1" name=""/>
+        <p:cNvGrpSpPr/>
+        <p:nvPr/>
+      </p:nvGrpSpPr>
+      <p:grpSpPr>
+        <a:xfrm>
+          <a:off x="0" y="0"/>
+          <a:ext cx="0" cy="0"/>
+          <a:chOff x="0" y="0"/>
+          <a:chExt cx="0" cy="0"/>
+        </a:xfrm>
+      </p:grpSpPr>
+      <p:sp>
+        <p:nvSpPr>
+          <p:cNvPr id="3" name="Content Placeholder 2"/>
+          <p:cNvSpPr>
+            <a:spLocks noGrp="1"/>
+          </p:cNvSpPr>
+          <p:nvPr>
+            <p:ph idx="1"/>
+          </p:nvPr>
+        </p:nvSpPr>
+        <p:spPr/>
+        <p:txBody>
+          <a:bodyPr/>
+          <a:lstStyle/>
+          <a:p>
+            <a:endParaRPr lang="en-US"/>
+          </a:p>
+        </p:txBody>
+      </p:sp>
+      <p:sp>
+        <p:nvSpPr>
+          <p:cNvPr id="4" name="Title 3"/>
+          <p:cNvSpPr>
+            <a:spLocks noGrp="1"/>
+          </p:cNvSpPr>
+          <p:nvPr>
+            <p:ph type="title"/>
+          </p:nvPr>
+        </p:nvSpPr>
+        <p:spPr/>
+        <p:txBody>
+          <a:bodyPr/>
+          <a:lstStyle/>
+          <a:p>
+            <a:endParaRPr lang="en-US"/>
+          </a:p>
+        </p:txBody>
+      </p:sp>
+    </p:spTree>
+  </p:cSld>
+  <p:clrMapOvr>
+    <a:masterClrMapping/>
+  </p:clrMapOvr>
+</p:sld>
+</file>
+
+<file path=ppt/slides/slide35.xml><?xml version="1.0" encoding="utf-8"?>
 <p:sld xmlns:a="http://schemas.openxmlformats.org/drawingml/2006/main" xmlns:r="http://schemas.openxmlformats.org/officeDocument/2006/relationships" xmlns:p="http://schemas.openxmlformats.org/presentationml/2006/main">
   <p:cSld>
     <p:spTree>
@@ -6030,7 +6203,7 @@
 </p:sld>
 </file>
 
-<file path=ppt/slides/slide34.xml><?xml version="1.0" encoding="utf-8"?>
+<file path=ppt/slides/slide36.xml><?xml version="1.0" encoding="utf-8"?>
 <p:sld xmlns:a="http://schemas.openxmlformats.org/drawingml/2006/main" xmlns:r="http://schemas.openxmlformats.org/officeDocument/2006/relationships" xmlns:p="http://schemas.openxmlformats.org/presentationml/2006/main">
   <p:cSld>
     <p:spTree>
@@ -6155,7 +6328,7 @@
 </p:sld>
 </file>
 
-<file path=ppt/slides/slide35.xml><?xml version="1.0" encoding="utf-8"?>
+<file path=ppt/slides/slide37.xml><?xml version="1.0" encoding="utf-8"?>
 <p:sld xmlns:a="http://schemas.openxmlformats.org/drawingml/2006/main" xmlns:r="http://schemas.openxmlformats.org/officeDocument/2006/relationships" xmlns:p="http://schemas.openxmlformats.org/presentationml/2006/main">
   <p:cSld>
     <p:spTree>
@@ -6233,7 +6406,7 @@
 </p:sld>
 </file>
 
-<file path=ppt/slides/slide36.xml><?xml version="1.0" encoding="utf-8"?>
+<file path=ppt/slides/slide38.xml><?xml version="1.0" encoding="utf-8"?>
 <p:sld xmlns:a="http://schemas.openxmlformats.org/drawingml/2006/main" xmlns:r="http://schemas.openxmlformats.org/officeDocument/2006/relationships" xmlns:p="http://schemas.openxmlformats.org/presentationml/2006/main">
   <p:cSld>
     <p:spTree>
@@ -6328,7 +6501,7 @@
 </p:sld>
 </file>
 
-<file path=ppt/slides/slide37.xml><?xml version="1.0" encoding="utf-8"?>
+<file path=ppt/slides/slide39.xml><?xml version="1.0" encoding="utf-8"?>
 <p:sld xmlns:a="http://schemas.openxmlformats.org/drawingml/2006/main" xmlns:r="http://schemas.openxmlformats.org/officeDocument/2006/relationships" xmlns:p="http://schemas.openxmlformats.org/presentationml/2006/main">
   <p:cSld>
     <p:spTree>
@@ -6406,7 +6579,107 @@
 </p:sld>
 </file>
 
-<file path=ppt/slides/slide38.xml><?xml version="1.0" encoding="utf-8"?>
+<file path=ppt/slides/slide4.xml><?xml version="1.0" encoding="utf-8"?>
+<p:sld xmlns:a="http://schemas.openxmlformats.org/drawingml/2006/main" xmlns:r="http://schemas.openxmlformats.org/officeDocument/2006/relationships" xmlns:p="http://schemas.openxmlformats.org/presentationml/2006/main">
+  <p:cSld>
+    <p:spTree>
+      <p:nvGrpSpPr>
+        <p:cNvPr id="1" name=""/>
+        <p:cNvGrpSpPr/>
+        <p:nvPr/>
+      </p:nvGrpSpPr>
+      <p:grpSpPr>
+        <a:xfrm>
+          <a:off x="0" y="0"/>
+          <a:ext cx="0" cy="0"/>
+          <a:chOff x="0" y="0"/>
+          <a:chExt cx="0" cy="0"/>
+        </a:xfrm>
+      </p:grpSpPr>
+      <p:sp>
+        <p:nvSpPr>
+          <p:cNvPr id="2" name="Title 1"/>
+          <p:cNvSpPr>
+            <a:spLocks noGrp="1"/>
+          </p:cNvSpPr>
+          <p:nvPr>
+            <p:ph type="title"/>
+          </p:nvPr>
+        </p:nvSpPr>
+        <p:spPr/>
+        <p:txBody>
+          <a:bodyPr>
+            <a:normAutofit fontScale="90000"/>
+          </a:bodyPr>
+          <a:lstStyle/>
+          <a:p>
+            <a:r>
+              <a:rPr lang="en-US" dirty="0" smtClean="0"/>
+              <a:t>Download Power Bi + Tableau Public</a:t>
+            </a:r>
+            <a:endParaRPr lang="en-US" dirty="0"/>
+          </a:p>
+        </p:txBody>
+      </p:sp>
+      <p:sp>
+        <p:nvSpPr>
+          <p:cNvPr id="3" name="Content Placeholder 2"/>
+          <p:cNvSpPr>
+            <a:spLocks noGrp="1"/>
+          </p:cNvSpPr>
+          <p:nvPr>
+            <p:ph idx="1"/>
+          </p:nvPr>
+        </p:nvSpPr>
+        <p:spPr/>
+        <p:txBody>
+          <a:bodyPr/>
+          <a:lstStyle/>
+          <a:p>
+            <a:r>
+              <a:rPr lang="en-US" dirty="0" smtClean="0">
+                <a:hlinkClick r:id="rId2"/>
+              </a:rPr>
+              <a:t>https://github.com/rao003/StartProgramming/tree/master/BusinessIntelligence</a:t>
+            </a:r>
+            <a:endParaRPr lang="en-US" dirty="0" smtClean="0"/>
+          </a:p>
+          <a:p>
+            <a:endParaRPr lang="en-US" dirty="0" smtClean="0"/>
+          </a:p>
+          <a:p>
+            <a:endParaRPr lang="en-US" dirty="0" smtClean="0"/>
+          </a:p>
+          <a:p>
+            <a:pPr>
+              <a:buNone/>
+            </a:pPr>
+            <a:r>
+              <a:rPr lang="en-US" dirty="0" smtClean="0"/>
+              <a:t>+ online material </a:t>
+            </a:r>
+          </a:p>
+          <a:p>
+            <a:endParaRPr lang="en-US" dirty="0"/>
+          </a:p>
+        </p:txBody>
+      </p:sp>
+    </p:spTree>
+  </p:cSld>
+  <p:clrMapOvr>
+    <a:masterClrMapping/>
+  </p:clrMapOvr>
+  <p:timing>
+    <p:tnLst>
+      <p:par>
+        <p:cTn id="1" dur="indefinite" restart="never" nodeType="tmRoot"/>
+      </p:par>
+    </p:tnLst>
+  </p:timing>
+</p:sld>
+</file>
+
+<file path=ppt/slides/slide40.xml><?xml version="1.0" encoding="utf-8"?>
 <p:sld xmlns:a="http://schemas.openxmlformats.org/drawingml/2006/main" xmlns:r="http://schemas.openxmlformats.org/officeDocument/2006/relationships" xmlns:p="http://schemas.openxmlformats.org/presentationml/2006/main">
   <p:cSld>
     <p:spTree>
@@ -6484,7 +6757,7 @@
 </p:sld>
 </file>
 
-<file path=ppt/slides/slide39.xml><?xml version="1.0" encoding="utf-8"?>
+<file path=ppt/slides/slide41.xml><?xml version="1.0" encoding="utf-8"?>
 <p:sld xmlns:a="http://schemas.openxmlformats.org/drawingml/2006/main" xmlns:r="http://schemas.openxmlformats.org/officeDocument/2006/relationships" xmlns:p="http://schemas.openxmlformats.org/presentationml/2006/main">
   <p:cSld>
     <p:spTree>
@@ -6547,107 +6820,7 @@
 </p:sld>
 </file>
 
-<file path=ppt/slides/slide4.xml><?xml version="1.0" encoding="utf-8"?>
-<p:sld xmlns:a="http://schemas.openxmlformats.org/drawingml/2006/main" xmlns:r="http://schemas.openxmlformats.org/officeDocument/2006/relationships" xmlns:p="http://schemas.openxmlformats.org/presentationml/2006/main">
-  <p:cSld>
-    <p:spTree>
-      <p:nvGrpSpPr>
-        <p:cNvPr id="1" name=""/>
-        <p:cNvGrpSpPr/>
-        <p:nvPr/>
-      </p:nvGrpSpPr>
-      <p:grpSpPr>
-        <a:xfrm>
-          <a:off x="0" y="0"/>
-          <a:ext cx="0" cy="0"/>
-          <a:chOff x="0" y="0"/>
-          <a:chExt cx="0" cy="0"/>
-        </a:xfrm>
-      </p:grpSpPr>
-      <p:sp>
-        <p:nvSpPr>
-          <p:cNvPr id="2" name="Title 1"/>
-          <p:cNvSpPr>
-            <a:spLocks noGrp="1"/>
-          </p:cNvSpPr>
-          <p:nvPr>
-            <p:ph type="title"/>
-          </p:nvPr>
-        </p:nvSpPr>
-        <p:spPr/>
-        <p:txBody>
-          <a:bodyPr>
-            <a:normAutofit fontScale="90000"/>
-          </a:bodyPr>
-          <a:lstStyle/>
-          <a:p>
-            <a:r>
-              <a:rPr lang="en-US" dirty="0" smtClean="0"/>
-              <a:t>Download Power Bi + Tableau Public</a:t>
-            </a:r>
-            <a:endParaRPr lang="en-US" dirty="0"/>
-          </a:p>
-        </p:txBody>
-      </p:sp>
-      <p:sp>
-        <p:nvSpPr>
-          <p:cNvPr id="3" name="Content Placeholder 2"/>
-          <p:cNvSpPr>
-            <a:spLocks noGrp="1"/>
-          </p:cNvSpPr>
-          <p:nvPr>
-            <p:ph idx="1"/>
-          </p:nvPr>
-        </p:nvSpPr>
-        <p:spPr/>
-        <p:txBody>
-          <a:bodyPr/>
-          <a:lstStyle/>
-          <a:p>
-            <a:r>
-              <a:rPr lang="en-US" dirty="0" smtClean="0">
-                <a:hlinkClick r:id="rId2"/>
-              </a:rPr>
-              <a:t>https://github.com/rao003/StartProgramming/tree/master/BusinessIntelligence</a:t>
-            </a:r>
-            <a:endParaRPr lang="en-US" dirty="0" smtClean="0"/>
-          </a:p>
-          <a:p>
-            <a:endParaRPr lang="en-US" dirty="0" smtClean="0"/>
-          </a:p>
-          <a:p>
-            <a:endParaRPr lang="en-US" dirty="0" smtClean="0"/>
-          </a:p>
-          <a:p>
-            <a:pPr>
-              <a:buNone/>
-            </a:pPr>
-            <a:r>
-              <a:rPr lang="en-US" dirty="0" smtClean="0"/>
-              <a:t>+ online material </a:t>
-            </a:r>
-          </a:p>
-          <a:p>
-            <a:endParaRPr lang="en-US" dirty="0"/>
-          </a:p>
-        </p:txBody>
-      </p:sp>
-    </p:spTree>
-  </p:cSld>
-  <p:clrMapOvr>
-    <a:masterClrMapping/>
-  </p:clrMapOvr>
-  <p:timing>
-    <p:tnLst>
-      <p:par>
-        <p:cTn id="1" dur="indefinite" restart="never" nodeType="tmRoot"/>
-      </p:par>
-    </p:tnLst>
-  </p:timing>
-</p:sld>
-</file>
-
-<file path=ppt/slides/slide40.xml><?xml version="1.0" encoding="utf-8"?>
+<file path=ppt/slides/slide42.xml><?xml version="1.0" encoding="utf-8"?>
 <p:sld xmlns:a="http://schemas.openxmlformats.org/drawingml/2006/main" xmlns:r="http://schemas.openxmlformats.org/officeDocument/2006/relationships" xmlns:p="http://schemas.openxmlformats.org/presentationml/2006/main">
   <p:cSld>
     <p:spTree>
